--- a/Docs/Versionsstyring.pptx
+++ b/Docs/Versionsstyring.pptx
@@ -5,15 +5,25 @@
     <p:sldMasterId id="2147483693" r:id="rId1"/>
   </p:sldMasterIdLst>
   <p:notesMasterIdLst>
-    <p:notesMasterId r:id="rId8"/>
+    <p:notesMasterId r:id="rId18"/>
   </p:notesMasterIdLst>
   <p:sldIdLst>
     <p:sldId id="256" r:id="rId2"/>
     <p:sldId id="259" r:id="rId3"/>
     <p:sldId id="260" r:id="rId4"/>
-    <p:sldId id="261" r:id="rId5"/>
-    <p:sldId id="262" r:id="rId6"/>
-    <p:sldId id="257" r:id="rId7"/>
+    <p:sldId id="267" r:id="rId5"/>
+    <p:sldId id="268" r:id="rId6"/>
+    <p:sldId id="269" r:id="rId7"/>
+    <p:sldId id="270" r:id="rId8"/>
+    <p:sldId id="261" r:id="rId9"/>
+    <p:sldId id="262" r:id="rId10"/>
+    <p:sldId id="257" r:id="rId11"/>
+    <p:sldId id="272" r:id="rId12"/>
+    <p:sldId id="271" r:id="rId13"/>
+    <p:sldId id="263" r:id="rId14"/>
+    <p:sldId id="264" r:id="rId15"/>
+    <p:sldId id="265" r:id="rId16"/>
+    <p:sldId id="266" r:id="rId17"/>
   </p:sldIdLst>
   <p:sldSz cx="12192000" cy="6858000"/>
   <p:notesSz cx="6858000" cy="9144000"/>
@@ -112,15 +122,51 @@
       </a:defRPr>
     </a:lvl9pPr>
   </p:defaultTextStyle>
+  <p:extLst>
+    <p:ext uri="{521415D9-36F7-43E2-AB2F-B90AF26B5E84}">
+      <p14:sectionLst xmlns:p14="http://schemas.microsoft.com/office/powerpoint/2010/main">
+        <p14:section name="Teori Del" id="{EBBBC165-C24C-4202-B942-292256013AC1}">
+          <p14:sldIdLst>
+            <p14:sldId id="256"/>
+            <p14:sldId id="259"/>
+            <p14:sldId id="260"/>
+            <p14:sldId id="267"/>
+            <p14:sldId id="268"/>
+            <p14:sldId id="269"/>
+            <p14:sldId id="270"/>
+            <p14:sldId id="261"/>
+            <p14:sldId id="262"/>
+          </p14:sldIdLst>
+        </p14:section>
+        <p14:section name="Opgave Del" id="{32D2952E-ADA9-4F82-A152-F308CC8338EB}">
+          <p14:sldIdLst>
+            <p14:sldId id="257"/>
+            <p14:sldId id="272"/>
+            <p14:sldId id="271"/>
+            <p14:sldId id="263"/>
+            <p14:sldId id="264"/>
+            <p14:sldId id="265"/>
+            <p14:sldId id="266"/>
+          </p14:sldIdLst>
+        </p14:section>
+      </p14:sectionLst>
+    </p:ext>
+    <p:ext uri="{EFAFB233-063F-42B5-8137-9DF3F51BA10A}">
+      <p15:sldGuideLst xmlns:p15="http://schemas.microsoft.com/office/powerpoint/2012/main"/>
+    </p:ext>
+    <p:ext uri="{2D200454-40CA-4A62-9FC3-DE9A4176ACB9}">
+      <p15:notesGuideLst xmlns:p15="http://schemas.microsoft.com/office/powerpoint/2012/main"/>
+    </p:ext>
+  </p:extLst>
 </p:presentation>
 </file>
 
 <file path=ppt/diagrams/colors1.xml><?xml version="1.0" encoding="utf-8"?>
-<dgm:colorsDef xmlns:dgm="http://schemas.openxmlformats.org/drawingml/2006/diagram" xmlns:a="http://schemas.openxmlformats.org/drawingml/2006/main" uniqueId="urn:microsoft.com/office/officeart/2005/8/colors/colorful2">
+<dgm:colorsDef xmlns:dgm="http://schemas.openxmlformats.org/drawingml/2006/diagram" xmlns:a="http://schemas.openxmlformats.org/drawingml/2006/main" uniqueId="urn:microsoft.com/office/officeart/2005/8/colors/accent1_2">
   <dgm:title val=""/>
   <dgm:desc val=""/>
   <dgm:catLst>
-    <dgm:cat type="colorful" pri="10200"/>
+    <dgm:cat type="accent1" pri="11200"/>
   </dgm:catLst>
   <dgm:styleLbl name="node0">
     <dgm:fillClrLst meth="repeat">
@@ -134,10 +180,21 @@
     <dgm:txFillClrLst/>
     <dgm:txEffectClrLst/>
   </dgm:styleLbl>
+  <dgm:styleLbl name="alignNode1">
+    <dgm:fillClrLst meth="repeat">
+      <a:schemeClr val="accent1"/>
+    </dgm:fillClrLst>
+    <dgm:linClrLst meth="repeat">
+      <a:schemeClr val="accent1"/>
+    </dgm:linClrLst>
+    <dgm:effectClrLst/>
+    <dgm:txLinClrLst/>
+    <dgm:txFillClrLst/>
+    <dgm:txEffectClrLst/>
+  </dgm:styleLbl>
   <dgm:styleLbl name="node1">
-    <dgm:fillClrLst>
-      <a:schemeClr val="accent2"/>
-      <a:schemeClr val="accent3"/>
+    <dgm:fillClrLst meth="repeat">
+      <a:schemeClr val="accent1"/>
     </dgm:fillClrLst>
     <dgm:linClrLst meth="repeat">
       <a:schemeClr val="lt1"/>
@@ -147,24 +204,9 @@
     <dgm:txFillClrLst/>
     <dgm:txEffectClrLst/>
   </dgm:styleLbl>
-  <dgm:styleLbl name="alignNode1">
-    <dgm:fillClrLst>
-      <a:schemeClr val="accent2"/>
-      <a:schemeClr val="accent3"/>
-    </dgm:fillClrLst>
-    <dgm:linClrLst>
-      <a:schemeClr val="accent2"/>
-      <a:schemeClr val="accent3"/>
-    </dgm:linClrLst>
-    <dgm:effectClrLst/>
-    <dgm:txLinClrLst/>
-    <dgm:txFillClrLst/>
-    <dgm:txEffectClrLst/>
-  </dgm:styleLbl>
   <dgm:styleLbl name="lnNode1">
-    <dgm:fillClrLst>
-      <a:schemeClr val="accent2"/>
-      <a:schemeClr val="accent3"/>
+    <dgm:fillClrLst meth="repeat">
+      <a:schemeClr val="accent1"/>
     </dgm:fillClrLst>
     <dgm:linClrLst meth="repeat">
       <a:schemeClr val="lt1"/>
@@ -175,11 +217,8 @@
     <dgm:txEffectClrLst/>
   </dgm:styleLbl>
   <dgm:styleLbl name="vennNode1">
-    <dgm:fillClrLst>
-      <a:schemeClr val="accent2">
-        <a:alpha val="50000"/>
-      </a:schemeClr>
-      <a:schemeClr val="accent3">
+    <dgm:fillClrLst meth="repeat">
+      <a:schemeClr val="accent1">
         <a:alpha val="50000"/>
       </a:schemeClr>
     </dgm:fillClrLst>
@@ -192,8 +231,8 @@
     <dgm:txEffectClrLst/>
   </dgm:styleLbl>
   <dgm:styleLbl name="node2">
-    <dgm:fillClrLst>
-      <a:schemeClr val="accent3"/>
+    <dgm:fillClrLst meth="repeat">
+      <a:schemeClr val="accent1"/>
     </dgm:fillClrLst>
     <dgm:linClrLst meth="repeat">
       <a:schemeClr val="lt1"/>
@@ -204,8 +243,8 @@
     <dgm:txEffectClrLst/>
   </dgm:styleLbl>
   <dgm:styleLbl name="node3">
-    <dgm:fillClrLst>
-      <a:schemeClr val="accent4"/>
+    <dgm:fillClrLst meth="repeat">
+      <a:schemeClr val="accent1"/>
     </dgm:fillClrLst>
     <dgm:linClrLst meth="repeat">
       <a:schemeClr val="lt1"/>
@@ -216,8 +255,8 @@
     <dgm:txEffectClrLst/>
   </dgm:styleLbl>
   <dgm:styleLbl name="node4">
-    <dgm:fillClrLst>
-      <a:schemeClr val="accent5"/>
+    <dgm:fillClrLst meth="repeat">
+      <a:schemeClr val="accent1"/>
     </dgm:fillClrLst>
     <dgm:linClrLst meth="repeat">
       <a:schemeClr val="lt1"/>
@@ -228,11 +267,8 @@
     <dgm:txEffectClrLst/>
   </dgm:styleLbl>
   <dgm:styleLbl name="fgImgPlace1">
-    <dgm:fillClrLst>
-      <a:schemeClr val="accent2">
-        <a:tint val="50000"/>
-      </a:schemeClr>
-      <a:schemeClr val="accent3">
+    <dgm:fillClrLst meth="repeat">
+      <a:schemeClr val="accent1">
         <a:tint val="50000"/>
       </a:schemeClr>
     </dgm:fillClrLst>
@@ -247,12 +283,9 @@
     <dgm:txEffectClrLst/>
   </dgm:styleLbl>
   <dgm:styleLbl name="alignImgPlace1">
-    <dgm:fillClrLst>
-      <a:schemeClr val="accent2">
+    <dgm:fillClrLst meth="repeat">
+      <a:schemeClr val="accent1">
         <a:tint val="50000"/>
-      </a:schemeClr>
-      <a:schemeClr val="accent3">
-        <a:tint val="20000"/>
       </a:schemeClr>
     </dgm:fillClrLst>
     <dgm:linClrLst meth="repeat">
@@ -266,12 +299,9 @@
     <dgm:txEffectClrLst/>
   </dgm:styleLbl>
   <dgm:styleLbl name="bgImgPlace1">
-    <dgm:fillClrLst>
-      <a:schemeClr val="accent2">
+    <dgm:fillClrLst meth="repeat">
+      <a:schemeClr val="accent1">
         <a:tint val="50000"/>
-      </a:schemeClr>
-      <a:schemeClr val="accent3">
-        <a:tint val="20000"/>
       </a:schemeClr>
     </dgm:fillClrLst>
     <dgm:linClrLst meth="repeat">
@@ -285,12 +315,15 @@
     <dgm:txEffectClrLst/>
   </dgm:styleLbl>
   <dgm:styleLbl name="sibTrans2D1">
-    <dgm:fillClrLst>
-      <a:schemeClr val="accent2"/>
-      <a:schemeClr val="accent3"/>
+    <dgm:fillClrLst meth="repeat">
+      <a:schemeClr val="accent1">
+        <a:tint val="60000"/>
+      </a:schemeClr>
     </dgm:fillClrLst>
     <dgm:linClrLst meth="repeat">
-      <a:schemeClr val="lt1"/>
+      <a:schemeClr val="accent1">
+        <a:tint val="60000"/>
+      </a:schemeClr>
     </dgm:linClrLst>
     <dgm:effectClrLst/>
     <dgm:txLinClrLst/>
@@ -298,40 +331,43 @@
     <dgm:txEffectClrLst/>
   </dgm:styleLbl>
   <dgm:styleLbl name="fgSibTrans2D1">
-    <dgm:fillClrLst>
-      <a:schemeClr val="accent2"/>
-      <a:schemeClr val="accent3"/>
+    <dgm:fillClrLst meth="repeat">
+      <a:schemeClr val="accent1">
+        <a:tint val="60000"/>
+      </a:schemeClr>
     </dgm:fillClrLst>
     <dgm:linClrLst meth="repeat">
-      <a:schemeClr val="lt1"/>
+      <a:schemeClr val="accent1">
+        <a:tint val="60000"/>
+      </a:schemeClr>
     </dgm:linClrLst>
     <dgm:effectClrLst/>
     <dgm:txLinClrLst/>
-    <dgm:txFillClrLst meth="repeat">
-      <a:schemeClr val="lt1"/>
-    </dgm:txFillClrLst>
+    <dgm:txFillClrLst/>
     <dgm:txEffectClrLst/>
   </dgm:styleLbl>
   <dgm:styleLbl name="bgSibTrans2D1">
-    <dgm:fillClrLst>
-      <a:schemeClr val="accent2"/>
-      <a:schemeClr val="accent3"/>
+    <dgm:fillClrLst meth="repeat">
+      <a:schemeClr val="accent1">
+        <a:tint val="60000"/>
+      </a:schemeClr>
     </dgm:fillClrLst>
     <dgm:linClrLst meth="repeat">
-      <a:schemeClr val="lt1"/>
+      <a:schemeClr val="accent1">
+        <a:tint val="60000"/>
+      </a:schemeClr>
     </dgm:linClrLst>
     <dgm:effectClrLst/>
     <dgm:txLinClrLst/>
-    <dgm:txFillClrLst meth="repeat">
-      <a:schemeClr val="lt1"/>
-    </dgm:txFillClrLst>
+    <dgm:txFillClrLst/>
     <dgm:txEffectClrLst/>
   </dgm:styleLbl>
   <dgm:styleLbl name="sibTrans1D1">
-    <dgm:fillClrLst/>
-    <dgm:linClrLst>
-      <a:schemeClr val="accent2"/>
-      <a:schemeClr val="accent3"/>
+    <dgm:fillClrLst meth="repeat">
+      <a:schemeClr val="accent1"/>
+    </dgm:fillClrLst>
+    <dgm:linClrLst meth="repeat">
+      <a:schemeClr val="accent1"/>
     </dgm:linClrLst>
     <dgm:effectClrLst/>
     <dgm:txLinClrLst/>
@@ -342,10 +378,10 @@
   </dgm:styleLbl>
   <dgm:styleLbl name="callout">
     <dgm:fillClrLst meth="repeat">
-      <a:schemeClr val="accent2"/>
+      <a:schemeClr val="accent1"/>
     </dgm:fillClrLst>
     <dgm:linClrLst meth="repeat">
-      <a:schemeClr val="accent2">
+      <a:schemeClr val="accent1">
         <a:tint val="50000"/>
       </a:schemeClr>
     </dgm:linClrLst>
@@ -358,12 +394,10 @@
   </dgm:styleLbl>
   <dgm:styleLbl name="asst0">
     <dgm:fillClrLst meth="repeat">
-      <a:schemeClr val="accent2"/>
+      <a:schemeClr val="accent1"/>
     </dgm:fillClrLst>
     <dgm:linClrLst meth="repeat">
-      <a:schemeClr val="lt1">
-        <a:shade val="80000"/>
-      </a:schemeClr>
+      <a:schemeClr val="lt1"/>
     </dgm:linClrLst>
     <dgm:effectClrLst/>
     <dgm:txLinClrLst/>
@@ -372,12 +406,10 @@
   </dgm:styleLbl>
   <dgm:styleLbl name="asst1">
     <dgm:fillClrLst meth="repeat">
-      <a:schemeClr val="accent3"/>
+      <a:schemeClr val="accent1"/>
     </dgm:fillClrLst>
     <dgm:linClrLst meth="repeat">
-      <a:schemeClr val="lt1">
-        <a:shade val="80000"/>
-      </a:schemeClr>
+      <a:schemeClr val="lt1"/>
     </dgm:linClrLst>
     <dgm:effectClrLst/>
     <dgm:txLinClrLst/>
@@ -385,8 +417,8 @@
     <dgm:txEffectClrLst/>
   </dgm:styleLbl>
   <dgm:styleLbl name="asst2">
-    <dgm:fillClrLst>
-      <a:schemeClr val="accent4"/>
+    <dgm:fillClrLst meth="repeat">
+      <a:schemeClr val="accent1"/>
     </dgm:fillClrLst>
     <dgm:linClrLst meth="repeat">
       <a:schemeClr val="lt1"/>
@@ -397,8 +429,8 @@
     <dgm:txEffectClrLst/>
   </dgm:styleLbl>
   <dgm:styleLbl name="asst3">
-    <dgm:fillClrLst>
-      <a:schemeClr val="accent5"/>
+    <dgm:fillClrLst meth="repeat">
+      <a:schemeClr val="accent1"/>
     </dgm:fillClrLst>
     <dgm:linClrLst meth="repeat">
       <a:schemeClr val="lt1"/>
@@ -409,8 +441,8 @@
     <dgm:txEffectClrLst/>
   </dgm:styleLbl>
   <dgm:styleLbl name="asst4">
-    <dgm:fillClrLst>
-      <a:schemeClr val="accent6"/>
+    <dgm:fillClrLst meth="repeat">
+      <a:schemeClr val="accent1"/>
     </dgm:fillClrLst>
     <dgm:linClrLst meth="repeat">
       <a:schemeClr val="lt1"/>
@@ -422,10 +454,14 @@
   </dgm:styleLbl>
   <dgm:styleLbl name="parChTrans2D1">
     <dgm:fillClrLst meth="repeat">
-      <a:schemeClr val="accent2"/>
+      <a:schemeClr val="accent1">
+        <a:tint val="60000"/>
+      </a:schemeClr>
     </dgm:fillClrLst>
     <dgm:linClrLst meth="repeat">
-      <a:schemeClr val="lt1"/>
+      <a:schemeClr val="accent1">
+        <a:tint val="60000"/>
+      </a:schemeClr>
     </dgm:linClrLst>
     <dgm:effectClrLst/>
     <dgm:txLinClrLst/>
@@ -436,34 +472,38 @@
   </dgm:styleLbl>
   <dgm:styleLbl name="parChTrans2D2">
     <dgm:fillClrLst meth="repeat">
-      <a:schemeClr val="accent3"/>
+      <a:schemeClr val="accent1"/>
     </dgm:fillClrLst>
     <dgm:linClrLst meth="repeat">
-      <a:schemeClr val="lt1"/>
+      <a:schemeClr val="accent1"/>
     </dgm:linClrLst>
     <dgm:effectClrLst/>
     <dgm:txLinClrLst/>
-    <dgm:txFillClrLst/>
+    <dgm:txFillClrLst meth="repeat">
+      <a:schemeClr val="lt1"/>
+    </dgm:txFillClrLst>
     <dgm:txEffectClrLst/>
   </dgm:styleLbl>
   <dgm:styleLbl name="parChTrans2D3">
     <dgm:fillClrLst meth="repeat">
-      <a:schemeClr val="accent4"/>
+      <a:schemeClr val="accent1"/>
     </dgm:fillClrLst>
     <dgm:linClrLst meth="repeat">
-      <a:schemeClr val="lt1"/>
+      <a:schemeClr val="accent1"/>
     </dgm:linClrLst>
     <dgm:effectClrLst/>
     <dgm:txLinClrLst/>
-    <dgm:txFillClrLst/>
+    <dgm:txFillClrLst meth="repeat">
+      <a:schemeClr val="lt1"/>
+    </dgm:txFillClrLst>
     <dgm:txEffectClrLst/>
   </dgm:styleLbl>
   <dgm:styleLbl name="parChTrans2D4">
     <dgm:fillClrLst meth="repeat">
-      <a:schemeClr val="accent5"/>
+      <a:schemeClr val="accent1"/>
     </dgm:fillClrLst>
     <dgm:linClrLst meth="repeat">
-      <a:schemeClr val="lt1"/>
+      <a:schemeClr val="accent1"/>
     </dgm:linClrLst>
     <dgm:effectClrLst/>
     <dgm:txLinClrLst/>
@@ -474,10 +514,12 @@
   </dgm:styleLbl>
   <dgm:styleLbl name="parChTrans1D1">
     <dgm:fillClrLst meth="repeat">
-      <a:schemeClr val="accent2"/>
+      <a:schemeClr val="accent1"/>
     </dgm:fillClrLst>
     <dgm:linClrLst meth="repeat">
-      <a:schemeClr val="accent2"/>
+      <a:schemeClr val="accent1">
+        <a:shade val="60000"/>
+      </a:schemeClr>
     </dgm:linClrLst>
     <dgm:effectClrLst/>
     <dgm:txLinClrLst/>
@@ -488,12 +530,12 @@
   </dgm:styleLbl>
   <dgm:styleLbl name="parChTrans1D2">
     <dgm:fillClrLst meth="repeat">
-      <a:schemeClr val="accent2">
-        <a:tint val="90000"/>
-      </a:schemeClr>
+      <a:schemeClr val="accent1"/>
     </dgm:fillClrLst>
     <dgm:linClrLst meth="repeat">
-      <a:schemeClr val="accent3"/>
+      <a:schemeClr val="accent1">
+        <a:shade val="60000"/>
+      </a:schemeClr>
     </dgm:linClrLst>
     <dgm:effectClrLst/>
     <dgm:txLinClrLst/>
@@ -504,12 +546,12 @@
   </dgm:styleLbl>
   <dgm:styleLbl name="parChTrans1D3">
     <dgm:fillClrLst meth="repeat">
-      <a:schemeClr val="accent2">
-        <a:tint val="70000"/>
-      </a:schemeClr>
+      <a:schemeClr val="accent1"/>
     </dgm:fillClrLst>
     <dgm:linClrLst meth="repeat">
-      <a:schemeClr val="accent4"/>
+      <a:schemeClr val="accent1">
+        <a:shade val="80000"/>
+      </a:schemeClr>
     </dgm:linClrLst>
     <dgm:effectClrLst/>
     <dgm:txLinClrLst/>
@@ -520,12 +562,12 @@
   </dgm:styleLbl>
   <dgm:styleLbl name="parChTrans1D4">
     <dgm:fillClrLst meth="repeat">
-      <a:schemeClr val="accent2">
-        <a:tint val="50000"/>
-      </a:schemeClr>
+      <a:schemeClr val="accent1"/>
     </dgm:fillClrLst>
     <dgm:linClrLst meth="repeat">
-      <a:schemeClr val="accent5"/>
+      <a:schemeClr val="accent1">
+        <a:shade val="80000"/>
+      </a:schemeClr>
     </dgm:linClrLst>
     <dgm:effectClrLst/>
     <dgm:txLinClrLst/>
@@ -540,9 +582,8 @@
         <a:alpha val="90000"/>
       </a:schemeClr>
     </dgm:fillClrLst>
-    <dgm:linClrLst>
-      <a:schemeClr val="accent2"/>
-      <a:schemeClr val="accent3"/>
+    <dgm:linClrLst meth="repeat">
+      <a:schemeClr val="accent1"/>
     </dgm:linClrLst>
     <dgm:effectClrLst/>
     <dgm:txLinClrLst/>
@@ -557,9 +598,8 @@
         <a:alpha val="90000"/>
       </a:schemeClr>
     </dgm:fillClrLst>
-    <dgm:linClrLst>
-      <a:schemeClr val="accent2"/>
-      <a:schemeClr val="accent3"/>
+    <dgm:linClrLst meth="repeat">
+      <a:schemeClr val="accent1"/>
     </dgm:linClrLst>
     <dgm:effectClrLst/>
     <dgm:txLinClrLst/>
@@ -574,9 +614,8 @@
         <a:alpha val="90000"/>
       </a:schemeClr>
     </dgm:fillClrLst>
-    <dgm:linClrLst>
-      <a:schemeClr val="accent2"/>
-      <a:schemeClr val="accent3"/>
+    <dgm:linClrLst meth="repeat">
+      <a:schemeClr val="accent1"/>
     </dgm:linClrLst>
     <dgm:effectClrLst/>
     <dgm:txLinClrLst/>
@@ -592,7 +631,7 @@
       </a:schemeClr>
     </dgm:fillClrLst>
     <dgm:linClrLst meth="repeat">
-      <a:schemeClr val="accent2"/>
+      <a:schemeClr val="accent1"/>
     </dgm:linClrLst>
     <dgm:effectClrLst/>
     <dgm:txLinClrLst/>
@@ -607,9 +646,8 @@
         <a:alpha val="90000"/>
       </a:schemeClr>
     </dgm:fillClrLst>
-    <dgm:linClrLst>
-      <a:schemeClr val="accent2"/>
-      <a:schemeClr val="accent3"/>
+    <dgm:linClrLst meth="repeat">
+      <a:schemeClr val="accent1"/>
     </dgm:linClrLst>
     <dgm:effectClrLst/>
     <dgm:txLinClrLst/>
@@ -622,9 +660,8 @@
     <dgm:fillClrLst meth="repeat">
       <a:schemeClr val="lt1"/>
     </dgm:fillClrLst>
-    <dgm:linClrLst>
-      <a:schemeClr val="accent2"/>
-      <a:schemeClr val="accent3"/>
+    <dgm:linClrLst meth="repeat">
+      <a:schemeClr val="accent1"/>
     </dgm:linClrLst>
     <dgm:effectClrLst/>
     <dgm:txLinClrLst/>
@@ -637,9 +674,8 @@
     <dgm:fillClrLst meth="repeat">
       <a:schemeClr val="lt1"/>
     </dgm:fillClrLst>
-    <dgm:linClrLst>
-      <a:schemeClr val="accent2"/>
-      <a:schemeClr val="accent3"/>
+    <dgm:linClrLst meth="repeat">
+      <a:schemeClr val="accent1"/>
     </dgm:linClrLst>
     <dgm:effectClrLst/>
     <dgm:txLinClrLst/>
@@ -652,9 +688,8 @@
     <dgm:fillClrLst meth="repeat">
       <a:schemeClr val="lt1"/>
     </dgm:fillClrLst>
-    <dgm:linClrLst>
-      <a:schemeClr val="accent2"/>
-      <a:schemeClr val="accent3"/>
+    <dgm:linClrLst meth="repeat">
+      <a:schemeClr val="accent1"/>
     </dgm:linClrLst>
     <dgm:effectClrLst/>
     <dgm:txLinClrLst/>
@@ -664,24 +699,16 @@
     <dgm:txEffectClrLst/>
   </dgm:styleLbl>
   <dgm:styleLbl name="fgAccFollowNode1">
-    <dgm:fillClrLst>
-      <a:schemeClr val="accent2">
+    <dgm:fillClrLst meth="repeat">
+      <a:schemeClr val="accent1">
+        <a:alpha val="90000"/>
         <a:tint val="40000"/>
-        <a:alpha val="90000"/>
-      </a:schemeClr>
-      <a:schemeClr val="accent3">
-        <a:tint val="40000"/>
-        <a:alpha val="90000"/>
       </a:schemeClr>
     </dgm:fillClrLst>
-    <dgm:linClrLst>
-      <a:schemeClr val="accent2">
+    <dgm:linClrLst meth="repeat">
+      <a:schemeClr val="accent1">
+        <a:alpha val="90000"/>
         <a:tint val="40000"/>
-        <a:alpha val="90000"/>
-      </a:schemeClr>
-      <a:schemeClr val="accent3">
-        <a:tint val="40000"/>
-        <a:alpha val="90000"/>
       </a:schemeClr>
     </dgm:linClrLst>
     <dgm:effectClrLst/>
@@ -692,24 +719,16 @@
     <dgm:txEffectClrLst/>
   </dgm:styleLbl>
   <dgm:styleLbl name="alignAccFollowNode1">
-    <dgm:fillClrLst>
-      <a:schemeClr val="accent2">
+    <dgm:fillClrLst meth="repeat">
+      <a:schemeClr val="accent1">
+        <a:alpha val="90000"/>
         <a:tint val="40000"/>
-        <a:alpha val="90000"/>
-      </a:schemeClr>
-      <a:schemeClr val="accent3">
-        <a:tint val="40000"/>
-        <a:alpha val="90000"/>
       </a:schemeClr>
     </dgm:fillClrLst>
-    <dgm:linClrLst>
-      <a:schemeClr val="accent2">
+    <dgm:linClrLst meth="repeat">
+      <a:schemeClr val="accent1">
+        <a:alpha val="90000"/>
         <a:tint val="40000"/>
-        <a:alpha val="90000"/>
-      </a:schemeClr>
-      <a:schemeClr val="accent3">
-        <a:tint val="40000"/>
-        <a:alpha val="90000"/>
       </a:schemeClr>
     </dgm:linClrLst>
     <dgm:effectClrLst/>
@@ -720,24 +739,16 @@
     <dgm:txEffectClrLst/>
   </dgm:styleLbl>
   <dgm:styleLbl name="bgAccFollowNode1">
-    <dgm:fillClrLst>
-      <a:schemeClr val="accent2">
+    <dgm:fillClrLst meth="repeat">
+      <a:schemeClr val="accent1">
+        <a:alpha val="90000"/>
         <a:tint val="40000"/>
-        <a:alpha val="90000"/>
-      </a:schemeClr>
-      <a:schemeClr val="accent3">
-        <a:tint val="40000"/>
-        <a:alpha val="90000"/>
       </a:schemeClr>
     </dgm:fillClrLst>
-    <dgm:linClrLst>
-      <a:schemeClr val="accent2">
+    <dgm:linClrLst meth="repeat">
+      <a:schemeClr val="accent1">
+        <a:alpha val="90000"/>
         <a:tint val="40000"/>
-        <a:alpha val="90000"/>
-      </a:schemeClr>
-      <a:schemeClr val="accent3">
-        <a:tint val="40000"/>
-        <a:alpha val="90000"/>
       </a:schemeClr>
     </dgm:linClrLst>
     <dgm:effectClrLst/>
@@ -753,7 +764,7 @@
         <a:alpha val="90000"/>
       </a:schemeClr>
     </dgm:fillClrLst>
-    <dgm:linClrLst>
+    <dgm:linClrLst meth="repeat">
       <a:schemeClr val="accent1"/>
     </dgm:linClrLst>
     <dgm:effectClrLst/>
@@ -769,8 +780,8 @@
         <a:alpha val="90000"/>
       </a:schemeClr>
     </dgm:fillClrLst>
-    <dgm:linClrLst>
-      <a:schemeClr val="accent3"/>
+    <dgm:linClrLst meth="repeat">
+      <a:schemeClr val="accent1"/>
     </dgm:linClrLst>
     <dgm:effectClrLst/>
     <dgm:txLinClrLst/>
@@ -785,8 +796,8 @@
         <a:alpha val="90000"/>
       </a:schemeClr>
     </dgm:fillClrLst>
-    <dgm:linClrLst>
-      <a:schemeClr val="accent4"/>
+    <dgm:linClrLst meth="repeat">
+      <a:schemeClr val="accent1"/>
     </dgm:linClrLst>
     <dgm:effectClrLst/>
     <dgm:txLinClrLst/>
@@ -801,8 +812,8 @@
         <a:alpha val="90000"/>
       </a:schemeClr>
     </dgm:fillClrLst>
-    <dgm:linClrLst>
-      <a:schemeClr val="accent5"/>
+    <dgm:linClrLst meth="repeat">
+      <a:schemeClr val="accent1"/>
     </dgm:linClrLst>
     <dgm:effectClrLst/>
     <dgm:txLinClrLst/>
@@ -813,12 +824,12 @@
   </dgm:styleLbl>
   <dgm:styleLbl name="bgShp">
     <dgm:fillClrLst meth="repeat">
-      <a:schemeClr val="accent2">
+      <a:schemeClr val="accent1">
         <a:tint val="40000"/>
       </a:schemeClr>
     </dgm:fillClrLst>
     <dgm:linClrLst meth="repeat">
-      <a:schemeClr val="dk1"/>
+      <a:schemeClr val="accent1"/>
     </dgm:linClrLst>
     <dgm:effectClrLst/>
     <dgm:txLinClrLst/>
@@ -829,12 +840,12 @@
   </dgm:styleLbl>
   <dgm:styleLbl name="dkBgShp">
     <dgm:fillClrLst meth="repeat">
-      <a:schemeClr val="accent2">
-        <a:shade val="90000"/>
+      <a:schemeClr val="accent1">
+        <a:shade val="80000"/>
       </a:schemeClr>
     </dgm:fillClrLst>
     <dgm:linClrLst meth="repeat">
-      <a:schemeClr val="dk1"/>
+      <a:schemeClr val="accent1"/>
     </dgm:linClrLst>
     <dgm:effectClrLst/>
     <dgm:txLinClrLst/>
@@ -845,13 +856,13 @@
   </dgm:styleLbl>
   <dgm:styleLbl name="trBgShp">
     <dgm:fillClrLst meth="repeat">
-      <a:schemeClr val="accent2">
+      <a:schemeClr val="accent1">
         <a:tint val="50000"/>
         <a:alpha val="40000"/>
       </a:schemeClr>
     </dgm:fillClrLst>
     <dgm:linClrLst meth="repeat">
-      <a:schemeClr val="accent2"/>
+      <a:schemeClr val="accent1"/>
     </dgm:linClrLst>
     <dgm:effectClrLst/>
     <dgm:txLinClrLst/>
@@ -862,8 +873,8 @@
   </dgm:styleLbl>
   <dgm:styleLbl name="fgShp">
     <dgm:fillClrLst meth="repeat">
-      <a:schemeClr val="accent2">
-        <a:tint val="40000"/>
+      <a:schemeClr val="accent1">
+        <a:tint val="60000"/>
       </a:schemeClr>
     </dgm:fillClrLst>
     <dgm:linClrLst meth="repeat">
@@ -901,7 +912,7 @@
 <dgm:dataModel xmlns:dgm="http://schemas.openxmlformats.org/drawingml/2006/diagram" xmlns:a="http://schemas.openxmlformats.org/drawingml/2006/main">
   <dgm:ptLst>
     <dgm:pt modelId="{A928F307-FC66-4319-8C4C-5C330A89DBD7}" type="doc">
-      <dgm:prSet loTypeId="urn:microsoft.com/office/officeart/2005/8/layout/vProcess5" loCatId="process" qsTypeId="urn:microsoft.com/office/officeart/2005/8/quickstyle/simple1" qsCatId="simple" csTypeId="urn:microsoft.com/office/officeart/2005/8/colors/colorful2" csCatId="colorful" phldr="1"/>
+      <dgm:prSet loTypeId="urn:microsoft.com/office/officeart/2005/8/layout/vProcess5" loCatId="process" qsTypeId="urn:microsoft.com/office/officeart/2005/8/quickstyle/simple1" qsCatId="simple" csTypeId="urn:microsoft.com/office/officeart/2005/8/colors/accent1_2" csCatId="accent1" phldr="1"/>
       <dgm:spPr/>
       <dgm:t>
         <a:bodyPr/>
@@ -912,17 +923,16 @@
       </dgm:t>
     </dgm:pt>
     <dgm:pt modelId="{3F7C025F-F29E-44AC-AE48-3337998BF592}">
-      <dgm:prSet custT="1"/>
+      <dgm:prSet/>
       <dgm:spPr/>
       <dgm:t>
         <a:bodyPr/>
         <a:lstStyle/>
         <a:p>
           <a:r>
-            <a:rPr lang="en-US" sz="2400"/>
+            <a:rPr lang="en-US"/>
             <a:t>Ændringer i HelloWorld.java</a:t>
           </a:r>
-          <a:endParaRPr lang="en-US" sz="3200" dirty="0"/>
         </a:p>
       </dgm:t>
     </dgm:pt>
@@ -949,55 +959,33 @@
       </dgm:t>
     </dgm:pt>
     <dgm:pt modelId="{98247E71-7170-4DE8-A836-21B4D5BF6F7D}">
-      <dgm:prSet custT="1"/>
-      <dgm:spPr>
-        <a:solidFill>
-          <a:schemeClr val="accent6">
-            <a:lumMod val="75000"/>
-          </a:schemeClr>
-        </a:solidFill>
-      </dgm:spPr>
+      <dgm:prSet/>
+      <dgm:spPr/>
       <dgm:t>
         <a:bodyPr/>
         <a:lstStyle/>
         <a:p>
           <a:r>
-            <a:rPr lang="en-US" sz="2400" dirty="0"/>
+            <a:rPr lang="en-US"/>
             <a:t>Git commit –m “a new commit”</a:t>
           </a:r>
         </a:p>
         <a:p>
           <a:r>
-            <a:rPr lang="en-US" sz="1600" dirty="0"/>
+            <a:rPr lang="en-US"/>
             <a:t>[master (root-commit) 4d1a8ad] a new commit</a:t>
           </a:r>
-          <a:endParaRPr lang="da-DK" sz="1600" dirty="0"/>
+          <a:endParaRPr lang="da-DK"/>
         </a:p>
         <a:p>
           <a:r>
-            <a:rPr lang="da-DK" sz="1600" dirty="0"/>
-            <a:t> 1 file </a:t>
-          </a:r>
-          <a:r>
-            <a:rPr lang="da-DK" sz="1600" dirty="0" err="1"/>
-            <a:t>changed</a:t>
-          </a:r>
-          <a:r>
-            <a:rPr lang="da-DK" sz="1600" dirty="0"/>
-            <a:t>, 5 </a:t>
-          </a:r>
-          <a:r>
-            <a:rPr lang="da-DK" sz="1600" dirty="0" err="1"/>
-            <a:t>insertions</a:t>
-          </a:r>
-          <a:r>
-            <a:rPr lang="da-DK" sz="1600" dirty="0"/>
-            <a:t>(+)</a:t>
+            <a:rPr lang="da-DK"/>
+            <a:t> 1 file changed, 5 insertions(+)</a:t>
           </a:r>
         </a:p>
         <a:p>
           <a:r>
-            <a:rPr lang="en-US" sz="1600" dirty="0"/>
+            <a:rPr lang="en-US"/>
             <a:t> create mode 100644 HelloWorld.java</a:t>
           </a:r>
         </a:p>
@@ -1026,23 +1014,16 @@
       </dgm:t>
     </dgm:pt>
     <dgm:pt modelId="{1DAC6166-3773-496D-8CE2-7CC1E359DB0A}">
-      <dgm:prSet custT="1"/>
-      <dgm:spPr>
-        <a:solidFill>
-          <a:schemeClr val="accent1">
-            <a:lumMod val="75000"/>
-          </a:schemeClr>
-        </a:solidFill>
-      </dgm:spPr>
+      <dgm:prSet/>
+      <dgm:spPr/>
       <dgm:t>
         <a:bodyPr/>
         <a:lstStyle/>
         <a:p>
           <a:r>
-            <a:rPr lang="en-US" sz="2400" dirty="0"/>
+            <a:rPr lang="en-US"/>
             <a:t>Git add HelloWorld.java</a:t>
           </a:r>
-          <a:endParaRPr lang="en-US" sz="2800" dirty="0"/>
         </a:p>
       </dgm:t>
     </dgm:pt>
@@ -1069,19 +1050,15 @@
       </dgm:t>
     </dgm:pt>
     <dgm:pt modelId="{1768792D-F788-4042-BC65-394482DF4245}">
-      <dgm:prSet custT="1"/>
+      <dgm:prSet/>
       <dgm:spPr/>
       <dgm:t>
         <a:bodyPr/>
         <a:lstStyle/>
         <a:p>
           <a:r>
-            <a:rPr lang="en-US" sz="3200" dirty="0" err="1"/>
-            <a:t>Untrackted</a:t>
-          </a:r>
-          <a:r>
-            <a:rPr lang="en-US" sz="3200" dirty="0"/>
-            <a:t> file</a:t>
+            <a:rPr lang="en-US"/>
+            <a:t>Untrackted file</a:t>
           </a:r>
         </a:p>
       </dgm:t>
@@ -1109,36 +1086,18 @@
       </dgm:t>
     </dgm:pt>
     <dgm:pt modelId="{5401C10B-DA19-488F-827A-68CD4CD403B9}">
-      <dgm:prSet custT="1"/>
-      <dgm:spPr>
-        <a:solidFill>
-          <a:schemeClr val="accent1">
-            <a:lumMod val="75000"/>
-          </a:schemeClr>
-        </a:solidFill>
-      </dgm:spPr>
+      <dgm:prSet/>
+      <dgm:spPr/>
       <dgm:t>
         <a:bodyPr/>
         <a:lstStyle/>
         <a:p>
           <a:r>
-            <a:rPr lang="da-DK" sz="2400" dirty="0"/>
-            <a:t>Changes to </a:t>
+            <a:rPr lang="da-DK"/>
+            <a:t>Changes to be committed</a:t>
           </a:r>
           <a:r>
-            <a:rPr lang="da-DK" sz="2400" dirty="0" err="1"/>
-            <a:t>be</a:t>
-          </a:r>
-          <a:r>
-            <a:rPr lang="da-DK" sz="2400" dirty="0"/>
-            <a:t> </a:t>
-          </a:r>
-          <a:r>
-            <a:rPr lang="da-DK" sz="2400" dirty="0" err="1"/>
-            <a:t>committed</a:t>
-          </a:r>
-          <a:r>
-            <a:rPr lang="en-US" sz="2400" dirty="0"/>
+            <a:rPr lang="en-US"/>
             <a:t> </a:t>
           </a:r>
         </a:p>
@@ -1166,7 +1125,7 @@
         </a:p>
       </dgm:t>
     </dgm:pt>
-    <dgm:pt modelId="{F2784863-010F-48F9-B071-E7618D4D97E5}" type="pres">
+    <dgm:pt modelId="{F6F6DFF0-BC99-4607-9298-D301C8692ABE}" type="pres">
       <dgm:prSet presAssocID="{A928F307-FC66-4319-8C4C-5C330A89DBD7}" presName="outerComposite" presStyleCnt="0">
         <dgm:presLayoutVars>
           <dgm:chMax val="5"/>
@@ -1176,13 +1135,13 @@
       </dgm:prSet>
       <dgm:spPr/>
     </dgm:pt>
-    <dgm:pt modelId="{DD96392E-F8C1-4172-B264-6F2AEE1ABE2C}" type="pres">
+    <dgm:pt modelId="{830E4084-58B6-41BB-AEC8-3EBDD91B2C9D}" type="pres">
       <dgm:prSet presAssocID="{A928F307-FC66-4319-8C4C-5C330A89DBD7}" presName="dummyMaxCanvas" presStyleCnt="0">
         <dgm:presLayoutVars/>
       </dgm:prSet>
       <dgm:spPr/>
     </dgm:pt>
-    <dgm:pt modelId="{CA2EF2A4-60D0-4EFB-AE68-CFE4E03539A7}" type="pres">
+    <dgm:pt modelId="{38073928-C1F8-46DB-82B4-C6C420345B45}" type="pres">
       <dgm:prSet presAssocID="{A928F307-FC66-4319-8C4C-5C330A89DBD7}" presName="ThreeNodes_1" presStyleLbl="node1" presStyleIdx="0" presStyleCnt="3">
         <dgm:presLayoutVars>
           <dgm:bulletEnabled val="1"/>
@@ -1190,7 +1149,7 @@
       </dgm:prSet>
       <dgm:spPr/>
     </dgm:pt>
-    <dgm:pt modelId="{152F85FB-BAFD-417D-9C2E-9A1C32A8DC74}" type="pres">
+    <dgm:pt modelId="{AA26DA23-956B-405E-9958-55AF66B52BB3}" type="pres">
       <dgm:prSet presAssocID="{A928F307-FC66-4319-8C4C-5C330A89DBD7}" presName="ThreeNodes_2" presStyleLbl="node1" presStyleIdx="1" presStyleCnt="3">
         <dgm:presLayoutVars>
           <dgm:bulletEnabled val="1"/>
@@ -1198,7 +1157,7 @@
       </dgm:prSet>
       <dgm:spPr/>
     </dgm:pt>
-    <dgm:pt modelId="{6E2823B5-D172-4B5C-8F2D-D8604F9BD1E7}" type="pres">
+    <dgm:pt modelId="{216D6B39-0FC5-4D14-B133-9473D57F4329}" type="pres">
       <dgm:prSet presAssocID="{A928F307-FC66-4319-8C4C-5C330A89DBD7}" presName="ThreeNodes_3" presStyleLbl="node1" presStyleIdx="2" presStyleCnt="3">
         <dgm:presLayoutVars>
           <dgm:bulletEnabled val="1"/>
@@ -1206,7 +1165,7 @@
       </dgm:prSet>
       <dgm:spPr/>
     </dgm:pt>
-    <dgm:pt modelId="{A75CD409-9403-4D12-B2CA-98530A2B83B6}" type="pres">
+    <dgm:pt modelId="{0A4D4C38-EB17-4909-9721-9D28531247D2}" type="pres">
       <dgm:prSet presAssocID="{A928F307-FC66-4319-8C4C-5C330A89DBD7}" presName="ThreeConn_1-2" presStyleLbl="fgAccFollowNode1" presStyleIdx="0" presStyleCnt="2">
         <dgm:presLayoutVars>
           <dgm:bulletEnabled val="1"/>
@@ -1214,7 +1173,7 @@
       </dgm:prSet>
       <dgm:spPr/>
     </dgm:pt>
-    <dgm:pt modelId="{FEEB6039-2FFD-4030-AD6C-BD8EB6EE0EFF}" type="pres">
+    <dgm:pt modelId="{71CB1E20-24E4-4524-9752-57D606A91FD9}" type="pres">
       <dgm:prSet presAssocID="{A928F307-FC66-4319-8C4C-5C330A89DBD7}" presName="ThreeConn_2-3" presStyleLbl="fgAccFollowNode1" presStyleIdx="1" presStyleCnt="2">
         <dgm:presLayoutVars>
           <dgm:bulletEnabled val="1"/>
@@ -1222,7 +1181,7 @@
       </dgm:prSet>
       <dgm:spPr/>
     </dgm:pt>
-    <dgm:pt modelId="{F35FBBFB-941F-41D0-87CE-A8A79C8641FC}" type="pres">
+    <dgm:pt modelId="{4C39B4DF-58C8-41BB-8E58-74AAA43B9655}" type="pres">
       <dgm:prSet presAssocID="{A928F307-FC66-4319-8C4C-5C330A89DBD7}" presName="ThreeNodes_1_text" presStyleLbl="node1" presStyleIdx="2" presStyleCnt="3">
         <dgm:presLayoutVars>
           <dgm:bulletEnabled val="1"/>
@@ -1230,7 +1189,7 @@
       </dgm:prSet>
       <dgm:spPr/>
     </dgm:pt>
-    <dgm:pt modelId="{72327F37-E279-4960-9562-D83626FD96F7}" type="pres">
+    <dgm:pt modelId="{FC23420A-DB04-4153-97A7-117999804056}" type="pres">
       <dgm:prSet presAssocID="{A928F307-FC66-4319-8C4C-5C330A89DBD7}" presName="ThreeNodes_2_text" presStyleLbl="node1" presStyleIdx="2" presStyleCnt="3">
         <dgm:presLayoutVars>
           <dgm:bulletEnabled val="1"/>
@@ -1238,7 +1197,7 @@
       </dgm:prSet>
       <dgm:spPr/>
     </dgm:pt>
-    <dgm:pt modelId="{FFCCD82C-4787-4274-A0B1-F094F4258323}" type="pres">
+    <dgm:pt modelId="{50538524-95A8-44C8-8CBF-150D7DE4DFF9}" type="pres">
       <dgm:prSet presAssocID="{A928F307-FC66-4319-8C4C-5C330A89DBD7}" presName="ThreeNodes_3_text" presStyleLbl="node1" presStyleIdx="2" presStyleCnt="3">
         <dgm:presLayoutVars>
           <dgm:bulletEnabled val="1"/>
@@ -1249,32 +1208,32 @@
   </dgm:ptLst>
   <dgm:cxnLst>
     <dgm:cxn modelId="{76288410-37FB-4740-A5C4-FA418509C87C}" srcId="{1DAC6166-3773-496D-8CE2-7CC1E359DB0A}" destId="{5401C10B-DA19-488F-827A-68CD4CD403B9}" srcOrd="0" destOrd="0" parTransId="{5E4B212B-59FB-4F90-85B9-D1DE6BA35EDB}" sibTransId="{2578F419-E585-4E20-9858-1D2A9DA8FF46}"/>
-    <dgm:cxn modelId="{06E81714-67C3-45DB-BFF1-95A505C4E4CB}" type="presOf" srcId="{1DAC6166-3773-496D-8CE2-7CC1E359DB0A}" destId="{72327F37-E279-4960-9562-D83626FD96F7}" srcOrd="1" destOrd="0" presId="urn:microsoft.com/office/officeart/2005/8/layout/vProcess5"/>
-    <dgm:cxn modelId="{B984FF22-0815-4446-A223-A5058526ACDE}" type="presOf" srcId="{1768792D-F788-4042-BC65-394482DF4245}" destId="{CA2EF2A4-60D0-4EFB-AE68-CFE4E03539A7}" srcOrd="0" destOrd="1" presId="urn:microsoft.com/office/officeart/2005/8/layout/vProcess5"/>
-    <dgm:cxn modelId="{D7BD2D2A-0F3E-427F-BA95-9E75F67228E1}" type="presOf" srcId="{97F6BC19-8015-4B70-86CD-87A66C7EE54E}" destId="{FEEB6039-2FFD-4030-AD6C-BD8EB6EE0EFF}" srcOrd="0" destOrd="0" presId="urn:microsoft.com/office/officeart/2005/8/layout/vProcess5"/>
+    <dgm:cxn modelId="{0E4DC418-89C8-465D-972F-128BA2C3A23F}" type="presOf" srcId="{3F7C025F-F29E-44AC-AE48-3337998BF592}" destId="{38073928-C1F8-46DB-82B4-C6C420345B45}" srcOrd="0" destOrd="0" presId="urn:microsoft.com/office/officeart/2005/8/layout/vProcess5"/>
+    <dgm:cxn modelId="{5A12D71A-0B35-40DE-B704-A16BE341421E}" type="presOf" srcId="{98247E71-7170-4DE8-A836-21B4D5BF6F7D}" destId="{50538524-95A8-44C8-8CBF-150D7DE4DFF9}" srcOrd="1" destOrd="0" presId="urn:microsoft.com/office/officeart/2005/8/layout/vProcess5"/>
+    <dgm:cxn modelId="{D23D9B21-8F21-4CB1-92E8-CFC76DDF1073}" type="presOf" srcId="{A928F307-FC66-4319-8C4C-5C330A89DBD7}" destId="{F6F6DFF0-BC99-4607-9298-D301C8692ABE}" srcOrd="0" destOrd="0" presId="urn:microsoft.com/office/officeart/2005/8/layout/vProcess5"/>
+    <dgm:cxn modelId="{1B265531-4B6E-4933-A37C-B1EF06D2BBD7}" type="presOf" srcId="{1768792D-F788-4042-BC65-394482DF4245}" destId="{38073928-C1F8-46DB-82B4-C6C420345B45}" srcOrd="0" destOrd="1" presId="urn:microsoft.com/office/officeart/2005/8/layout/vProcess5"/>
     <dgm:cxn modelId="{42E02633-7115-4357-9E48-6A45664C5B60}" srcId="{3F7C025F-F29E-44AC-AE48-3337998BF592}" destId="{1768792D-F788-4042-BC65-394482DF4245}" srcOrd="0" destOrd="0" parTransId="{43F7B579-67B8-4201-AD82-ED9733372481}" sibTransId="{CE1F9D38-B074-4CB6-BBF2-F661B6827EF0}"/>
-    <dgm:cxn modelId="{B0B5F768-90A3-4651-A75C-227F5DC75705}" type="presOf" srcId="{1768792D-F788-4042-BC65-394482DF4245}" destId="{F35FBBFB-941F-41D0-87CE-A8A79C8641FC}" srcOrd="1" destOrd="1" presId="urn:microsoft.com/office/officeart/2005/8/layout/vProcess5"/>
-    <dgm:cxn modelId="{AE81F36B-35B9-4E7B-960A-D9BCBBE6EA45}" type="presOf" srcId="{98247E71-7170-4DE8-A836-21B4D5BF6F7D}" destId="{6E2823B5-D172-4B5C-8F2D-D8604F9BD1E7}" srcOrd="0" destOrd="0" presId="urn:microsoft.com/office/officeart/2005/8/layout/vProcess5"/>
-    <dgm:cxn modelId="{48AD034C-36C1-4338-A6D8-4B2FAEC2779B}" type="presOf" srcId="{5401C10B-DA19-488F-827A-68CD4CD403B9}" destId="{72327F37-E279-4960-9562-D83626FD96F7}" srcOrd="1" destOrd="1" presId="urn:microsoft.com/office/officeart/2005/8/layout/vProcess5"/>
-    <dgm:cxn modelId="{A5496F6D-092A-4980-892A-3EADAA0CD0BE}" type="presOf" srcId="{5401C10B-DA19-488F-827A-68CD4CD403B9}" destId="{152F85FB-BAFD-417D-9C2E-9A1C32A8DC74}" srcOrd="0" destOrd="1" presId="urn:microsoft.com/office/officeart/2005/8/layout/vProcess5"/>
+    <dgm:cxn modelId="{0987F63F-CC43-41E9-BE0A-16E3F969B62C}" type="presOf" srcId="{368A3AA6-8245-4CB6-A1DA-5717B8F4826B}" destId="{0A4D4C38-EB17-4909-9721-9D28531247D2}" srcOrd="0" destOrd="0" presId="urn:microsoft.com/office/officeart/2005/8/layout/vProcess5"/>
+    <dgm:cxn modelId="{2EEBD34B-3EC1-4D3C-B007-A1A575371E36}" type="presOf" srcId="{1DAC6166-3773-496D-8CE2-7CC1E359DB0A}" destId="{AA26DA23-956B-405E-9958-55AF66B52BB3}" srcOrd="0" destOrd="0" presId="urn:microsoft.com/office/officeart/2005/8/layout/vProcess5"/>
+    <dgm:cxn modelId="{C63F836E-BBA4-4A75-B9EC-D997C6591AFA}" type="presOf" srcId="{1768792D-F788-4042-BC65-394482DF4245}" destId="{4C39B4DF-58C8-41BB-8E58-74AAA43B9655}" srcOrd="1" destOrd="1" presId="urn:microsoft.com/office/officeart/2005/8/layout/vProcess5"/>
     <dgm:cxn modelId="{12ADD550-58F5-4D4D-8706-F3154733810C}" srcId="{A928F307-FC66-4319-8C4C-5C330A89DBD7}" destId="{98247E71-7170-4DE8-A836-21B4D5BF6F7D}" srcOrd="2" destOrd="0" parTransId="{300F579A-454E-4C39-A50C-7615EE49C02B}" sibTransId="{CEB52F8C-8B11-4169-B3C4-E03C1C16A4E2}"/>
-    <dgm:cxn modelId="{F5CCF674-BB5A-4FAD-AA66-89663405055D}" type="presOf" srcId="{3F7C025F-F29E-44AC-AE48-3337998BF592}" destId="{CA2EF2A4-60D0-4EFB-AE68-CFE4E03539A7}" srcOrd="0" destOrd="0" presId="urn:microsoft.com/office/officeart/2005/8/layout/vProcess5"/>
-    <dgm:cxn modelId="{761C2E8D-3F09-4A55-95B2-BCB98AB5CEF2}" type="presOf" srcId="{98247E71-7170-4DE8-A836-21B4D5BF6F7D}" destId="{FFCCD82C-4787-4274-A0B1-F094F4258323}" srcOrd="1" destOrd="0" presId="urn:microsoft.com/office/officeart/2005/8/layout/vProcess5"/>
-    <dgm:cxn modelId="{EF0F80AE-46CD-4C31-B542-562FBE25EFFE}" type="presOf" srcId="{1DAC6166-3773-496D-8CE2-7CC1E359DB0A}" destId="{152F85FB-BAFD-417D-9C2E-9A1C32A8DC74}" srcOrd="0" destOrd="0" presId="urn:microsoft.com/office/officeart/2005/8/layout/vProcess5"/>
-    <dgm:cxn modelId="{75946CCA-03D0-42A3-8E16-50C64866071F}" type="presOf" srcId="{368A3AA6-8245-4CB6-A1DA-5717B8F4826B}" destId="{A75CD409-9403-4D12-B2CA-98530A2B83B6}" srcOrd="0" destOrd="0" presId="urn:microsoft.com/office/officeart/2005/8/layout/vProcess5"/>
-    <dgm:cxn modelId="{77359CD5-41FD-4390-AE18-567A65AD9D0E}" type="presOf" srcId="{3F7C025F-F29E-44AC-AE48-3337998BF592}" destId="{F35FBBFB-941F-41D0-87CE-A8A79C8641FC}" srcOrd="1" destOrd="0" presId="urn:microsoft.com/office/officeart/2005/8/layout/vProcess5"/>
+    <dgm:cxn modelId="{6762C078-B5AC-4CD1-8699-2EB58F4178A1}" type="presOf" srcId="{3F7C025F-F29E-44AC-AE48-3337998BF592}" destId="{4C39B4DF-58C8-41BB-8E58-74AAA43B9655}" srcOrd="1" destOrd="0" presId="urn:microsoft.com/office/officeart/2005/8/layout/vProcess5"/>
+    <dgm:cxn modelId="{3CF16D5A-4C71-479C-A14D-73D65040E094}" type="presOf" srcId="{98247E71-7170-4DE8-A836-21B4D5BF6F7D}" destId="{216D6B39-0FC5-4D14-B133-9473D57F4329}" srcOrd="0" destOrd="0" presId="urn:microsoft.com/office/officeart/2005/8/layout/vProcess5"/>
+    <dgm:cxn modelId="{3603AD87-3233-4BCB-8D01-648913E1E0B1}" type="presOf" srcId="{1DAC6166-3773-496D-8CE2-7CC1E359DB0A}" destId="{FC23420A-DB04-4153-97A7-117999804056}" srcOrd="1" destOrd="0" presId="urn:microsoft.com/office/officeart/2005/8/layout/vProcess5"/>
+    <dgm:cxn modelId="{ABF00E89-0E78-438A-AE95-A2F3E3861F87}" type="presOf" srcId="{5401C10B-DA19-488F-827A-68CD4CD403B9}" destId="{AA26DA23-956B-405E-9958-55AF66B52BB3}" srcOrd="0" destOrd="1" presId="urn:microsoft.com/office/officeart/2005/8/layout/vProcess5"/>
+    <dgm:cxn modelId="{B183EE9E-2C12-4EF4-8F85-FF66DBC404A3}" type="presOf" srcId="{5401C10B-DA19-488F-827A-68CD4CD403B9}" destId="{FC23420A-DB04-4153-97A7-117999804056}" srcOrd="1" destOrd="1" presId="urn:microsoft.com/office/officeart/2005/8/layout/vProcess5"/>
     <dgm:cxn modelId="{C1CB8DDF-A780-47D5-8C4D-4B7FE8AA96DF}" srcId="{A928F307-FC66-4319-8C4C-5C330A89DBD7}" destId="{3F7C025F-F29E-44AC-AE48-3337998BF592}" srcOrd="0" destOrd="0" parTransId="{E9A24EEB-8AD0-4A25-9D4B-16453CDFAB1A}" sibTransId="{368A3AA6-8245-4CB6-A1DA-5717B8F4826B}"/>
+    <dgm:cxn modelId="{D53918E0-8E3E-48EA-931F-E9A129E54E67}" type="presOf" srcId="{97F6BC19-8015-4B70-86CD-87A66C7EE54E}" destId="{71CB1E20-24E4-4524-9752-57D606A91FD9}" srcOrd="0" destOrd="0" presId="urn:microsoft.com/office/officeart/2005/8/layout/vProcess5"/>
     <dgm:cxn modelId="{E942DDE4-FC70-4502-A426-8AFDD4EDCCD8}" srcId="{A928F307-FC66-4319-8C4C-5C330A89DBD7}" destId="{1DAC6166-3773-496D-8CE2-7CC1E359DB0A}" srcOrd="1" destOrd="0" parTransId="{8B7D2D6E-8881-42BE-BFE2-EDF9CC899F2E}" sibTransId="{97F6BC19-8015-4B70-86CD-87A66C7EE54E}"/>
-    <dgm:cxn modelId="{80797AF3-BF87-4605-852B-B4DA0C5740AC}" type="presOf" srcId="{A928F307-FC66-4319-8C4C-5C330A89DBD7}" destId="{F2784863-010F-48F9-B071-E7618D4D97E5}" srcOrd="0" destOrd="0" presId="urn:microsoft.com/office/officeart/2005/8/layout/vProcess5"/>
-    <dgm:cxn modelId="{7E852FA3-65AA-4186-A18A-7394F29552F2}" type="presParOf" srcId="{F2784863-010F-48F9-B071-E7618D4D97E5}" destId="{DD96392E-F8C1-4172-B264-6F2AEE1ABE2C}" srcOrd="0" destOrd="0" presId="urn:microsoft.com/office/officeart/2005/8/layout/vProcess5"/>
-    <dgm:cxn modelId="{E1EF54B8-2D06-4DFB-8F80-DA783C29FC09}" type="presParOf" srcId="{F2784863-010F-48F9-B071-E7618D4D97E5}" destId="{CA2EF2A4-60D0-4EFB-AE68-CFE4E03539A7}" srcOrd="1" destOrd="0" presId="urn:microsoft.com/office/officeart/2005/8/layout/vProcess5"/>
-    <dgm:cxn modelId="{3D390567-77E0-4CA7-8BC1-46A07CF624BB}" type="presParOf" srcId="{F2784863-010F-48F9-B071-E7618D4D97E5}" destId="{152F85FB-BAFD-417D-9C2E-9A1C32A8DC74}" srcOrd="2" destOrd="0" presId="urn:microsoft.com/office/officeart/2005/8/layout/vProcess5"/>
-    <dgm:cxn modelId="{88BBABFB-31D4-48E4-A24A-B901329C15A4}" type="presParOf" srcId="{F2784863-010F-48F9-B071-E7618D4D97E5}" destId="{6E2823B5-D172-4B5C-8F2D-D8604F9BD1E7}" srcOrd="3" destOrd="0" presId="urn:microsoft.com/office/officeart/2005/8/layout/vProcess5"/>
-    <dgm:cxn modelId="{398647A5-A5B3-40D1-9B60-3F7BD75679DB}" type="presParOf" srcId="{F2784863-010F-48F9-B071-E7618D4D97E5}" destId="{A75CD409-9403-4D12-B2CA-98530A2B83B6}" srcOrd="4" destOrd="0" presId="urn:microsoft.com/office/officeart/2005/8/layout/vProcess5"/>
-    <dgm:cxn modelId="{12581332-6060-42BF-B999-0F157F03E9F5}" type="presParOf" srcId="{F2784863-010F-48F9-B071-E7618D4D97E5}" destId="{FEEB6039-2FFD-4030-AD6C-BD8EB6EE0EFF}" srcOrd="5" destOrd="0" presId="urn:microsoft.com/office/officeart/2005/8/layout/vProcess5"/>
-    <dgm:cxn modelId="{6D767BD6-1DAB-4C89-98AD-182019BA8A71}" type="presParOf" srcId="{F2784863-010F-48F9-B071-E7618D4D97E5}" destId="{F35FBBFB-941F-41D0-87CE-A8A79C8641FC}" srcOrd="6" destOrd="0" presId="urn:microsoft.com/office/officeart/2005/8/layout/vProcess5"/>
-    <dgm:cxn modelId="{E64BB52B-B18E-4C22-881C-78B148A9F11D}" type="presParOf" srcId="{F2784863-010F-48F9-B071-E7618D4D97E5}" destId="{72327F37-E279-4960-9562-D83626FD96F7}" srcOrd="7" destOrd="0" presId="urn:microsoft.com/office/officeart/2005/8/layout/vProcess5"/>
-    <dgm:cxn modelId="{864DD559-57F6-40A1-B31D-DA5A5D8D117B}" type="presParOf" srcId="{F2784863-010F-48F9-B071-E7618D4D97E5}" destId="{FFCCD82C-4787-4274-A0B1-F094F4258323}" srcOrd="8" destOrd="0" presId="urn:microsoft.com/office/officeart/2005/8/layout/vProcess5"/>
+    <dgm:cxn modelId="{CBD681AF-752F-4AB2-9684-C8FBB12DB2B5}" type="presParOf" srcId="{F6F6DFF0-BC99-4607-9298-D301C8692ABE}" destId="{830E4084-58B6-41BB-AEC8-3EBDD91B2C9D}" srcOrd="0" destOrd="0" presId="urn:microsoft.com/office/officeart/2005/8/layout/vProcess5"/>
+    <dgm:cxn modelId="{24FE79A4-19F3-4038-AF99-F2AF50C6D0AA}" type="presParOf" srcId="{F6F6DFF0-BC99-4607-9298-D301C8692ABE}" destId="{38073928-C1F8-46DB-82B4-C6C420345B45}" srcOrd="1" destOrd="0" presId="urn:microsoft.com/office/officeart/2005/8/layout/vProcess5"/>
+    <dgm:cxn modelId="{F16F1520-DB5D-496F-83EC-238BCDC1C44C}" type="presParOf" srcId="{F6F6DFF0-BC99-4607-9298-D301C8692ABE}" destId="{AA26DA23-956B-405E-9958-55AF66B52BB3}" srcOrd="2" destOrd="0" presId="urn:microsoft.com/office/officeart/2005/8/layout/vProcess5"/>
+    <dgm:cxn modelId="{AD9D628E-0137-404D-BCAA-E920FB96ADB3}" type="presParOf" srcId="{F6F6DFF0-BC99-4607-9298-D301C8692ABE}" destId="{216D6B39-0FC5-4D14-B133-9473D57F4329}" srcOrd="3" destOrd="0" presId="urn:microsoft.com/office/officeart/2005/8/layout/vProcess5"/>
+    <dgm:cxn modelId="{20C69C92-76AE-4286-8968-BAD0F9798CC3}" type="presParOf" srcId="{F6F6DFF0-BC99-4607-9298-D301C8692ABE}" destId="{0A4D4C38-EB17-4909-9721-9D28531247D2}" srcOrd="4" destOrd="0" presId="urn:microsoft.com/office/officeart/2005/8/layout/vProcess5"/>
+    <dgm:cxn modelId="{BE02BBCA-B5A1-4302-9E84-1F9EC1CBD5C2}" type="presParOf" srcId="{F6F6DFF0-BC99-4607-9298-D301C8692ABE}" destId="{71CB1E20-24E4-4524-9752-57D606A91FD9}" srcOrd="5" destOrd="0" presId="urn:microsoft.com/office/officeart/2005/8/layout/vProcess5"/>
+    <dgm:cxn modelId="{F139756A-1FE3-4AC6-9618-A0EEE0BF5356}" type="presParOf" srcId="{F6F6DFF0-BC99-4607-9298-D301C8692ABE}" destId="{4C39B4DF-58C8-41BB-8E58-74AAA43B9655}" srcOrd="6" destOrd="0" presId="urn:microsoft.com/office/officeart/2005/8/layout/vProcess5"/>
+    <dgm:cxn modelId="{CEEC2BCF-6C35-4E81-89B7-C15713DEDAD8}" type="presParOf" srcId="{F6F6DFF0-BC99-4607-9298-D301C8692ABE}" destId="{FC23420A-DB04-4153-97A7-117999804056}" srcOrd="7" destOrd="0" presId="urn:microsoft.com/office/officeart/2005/8/layout/vProcess5"/>
+    <dgm:cxn modelId="{6E1BAEFB-85D5-41A4-B7AA-57C012B5881E}" type="presParOf" srcId="{F6F6DFF0-BC99-4607-9298-D301C8692ABE}" destId="{50538524-95A8-44C8-8CBF-150D7DE4DFF9}" srcOrd="8" destOrd="0" presId="urn:microsoft.com/office/officeart/2005/8/layout/vProcess5"/>
   </dgm:cxnLst>
   <dgm:bg/>
   <dgm:whole/>
@@ -1294,7 +1253,7 @@
       <dsp:cNvGrpSpPr/>
     </dsp:nvGrpSpPr>
     <dsp:grpSpPr/>
-    <dsp:sp modelId="{CA2EF2A4-60D0-4EFB-AE68-CFE4E03539A7}">
+    <dsp:sp modelId="{38073928-C1F8-46DB-82B4-C6C420345B45}">
       <dsp:nvSpPr>
         <dsp:cNvPr id="0" name=""/>
         <dsp:cNvSpPr/>
@@ -1302,7 +1261,7 @@
       <dsp:spPr>
         <a:xfrm>
           <a:off x="0" y="0"/>
-          <a:ext cx="5822553" cy="1671637"/>
+          <a:ext cx="8938260" cy="1305401"/>
         </a:xfrm>
         <a:prstGeom prst="roundRect">
           <a:avLst>
@@ -1310,7 +1269,7 @@
           </a:avLst>
         </a:prstGeom>
         <a:solidFill>
-          <a:schemeClr val="accent2">
+          <a:schemeClr val="accent1">
             <a:hueOff val="0"/>
             <a:satOff val="0"/>
             <a:lumOff val="0"/>
@@ -1346,12 +1305,12 @@
         </a:fontRef>
       </dsp:style>
       <dsp:txBody>
-        <a:bodyPr spcFirstLastPara="0" vert="horz" wrap="square" lIns="91440" tIns="91440" rIns="91440" bIns="91440" numCol="1" spcCol="1270" anchor="ctr" anchorCtr="0">
+        <a:bodyPr spcFirstLastPara="0" vert="horz" wrap="square" lIns="57150" tIns="57150" rIns="57150" bIns="57150" numCol="1" spcCol="1270" anchor="ctr" anchorCtr="0">
           <a:noAutofit/>
         </a:bodyPr>
         <a:lstStyle/>
         <a:p>
-          <a:pPr marL="0" lvl="0" indent="0" algn="l" defTabSz="1066800">
+          <a:pPr marL="0" lvl="0" indent="0" algn="l" defTabSz="666750">
             <a:lnSpc>
               <a:spcPct val="90000"/>
             </a:lnSpc>
@@ -1364,13 +1323,12 @@
             <a:buNone/>
           </a:pPr>
           <a:r>
-            <a:rPr lang="en-US" sz="2400" kern="1200"/>
+            <a:rPr lang="en-US" sz="1500" kern="1200"/>
             <a:t>Ændringer i HelloWorld.java</a:t>
           </a:r>
-          <a:endParaRPr lang="en-US" sz="3200" kern="1200" dirty="0"/>
         </a:p>
         <a:p>
-          <a:pPr marL="285750" lvl="1" indent="-285750" algn="l" defTabSz="1422400">
+          <a:pPr marL="114300" lvl="1" indent="-114300" algn="l" defTabSz="533400">
             <a:lnSpc>
               <a:spcPct val="90000"/>
             </a:lnSpc>
@@ -1383,29 +1341,25 @@
             <a:buChar char="•"/>
           </a:pPr>
           <a:r>
-            <a:rPr lang="en-US" sz="3200" kern="1200" dirty="0" err="1"/>
-            <a:t>Untrackted</a:t>
-          </a:r>
-          <a:r>
-            <a:rPr lang="en-US" sz="3200" kern="1200" dirty="0"/>
-            <a:t> file</a:t>
+            <a:rPr lang="en-US" sz="1200" kern="1200"/>
+            <a:t>Untrackted file</a:t>
           </a:r>
         </a:p>
       </dsp:txBody>
       <dsp:txXfrm>
-        <a:off x="48961" y="48961"/>
-        <a:ext cx="4018725" cy="1573715"/>
+        <a:off x="38234" y="38234"/>
+        <a:ext cx="7529629" cy="1228933"/>
       </dsp:txXfrm>
     </dsp:sp>
-    <dsp:sp modelId="{152F85FB-BAFD-417D-9C2E-9A1C32A8DC74}">
+    <dsp:sp modelId="{AA26DA23-956B-405E-9958-55AF66B52BB3}">
       <dsp:nvSpPr>
         <dsp:cNvPr id="0" name=""/>
         <dsp:cNvSpPr/>
       </dsp:nvSpPr>
       <dsp:spPr>
         <a:xfrm>
-          <a:off x="513754" y="1950243"/>
-          <a:ext cx="5822553" cy="1671637"/>
+          <a:off x="788669" y="1522968"/>
+          <a:ext cx="8938260" cy="1305401"/>
         </a:xfrm>
         <a:prstGeom prst="roundRect">
           <a:avLst>
@@ -1414,7 +1368,10 @@
         </a:prstGeom>
         <a:solidFill>
           <a:schemeClr val="accent1">
-            <a:lumMod val="75000"/>
+            <a:hueOff val="0"/>
+            <a:satOff val="0"/>
+            <a:lumOff val="0"/>
+            <a:alphaOff val="0"/>
           </a:schemeClr>
         </a:solidFill>
         <a:ln w="12700" cap="flat" cmpd="sng" algn="ctr">
@@ -1446,12 +1403,12 @@
         </a:fontRef>
       </dsp:style>
       <dsp:txBody>
-        <a:bodyPr spcFirstLastPara="0" vert="horz" wrap="square" lIns="91440" tIns="91440" rIns="91440" bIns="91440" numCol="1" spcCol="1270" anchor="ctr" anchorCtr="0">
+        <a:bodyPr spcFirstLastPara="0" vert="horz" wrap="square" lIns="57150" tIns="57150" rIns="57150" bIns="57150" numCol="1" spcCol="1270" anchor="ctr" anchorCtr="0">
           <a:noAutofit/>
         </a:bodyPr>
         <a:lstStyle/>
         <a:p>
-          <a:pPr marL="0" lvl="0" indent="0" algn="l" defTabSz="1066800">
+          <a:pPr marL="0" lvl="0" indent="0" algn="l" defTabSz="666750">
             <a:lnSpc>
               <a:spcPct val="90000"/>
             </a:lnSpc>
@@ -1464,13 +1421,12 @@
             <a:buNone/>
           </a:pPr>
           <a:r>
-            <a:rPr lang="en-US" sz="2400" kern="1200" dirty="0"/>
+            <a:rPr lang="en-US" sz="1500" kern="1200"/>
             <a:t>Git add HelloWorld.java</a:t>
           </a:r>
-          <a:endParaRPr lang="en-US" sz="2800" kern="1200" dirty="0"/>
         </a:p>
         <a:p>
-          <a:pPr marL="228600" lvl="1" indent="-228600" algn="l" defTabSz="1066800">
+          <a:pPr marL="114300" lvl="1" indent="-114300" algn="l" defTabSz="533400">
             <a:lnSpc>
               <a:spcPct val="90000"/>
             </a:lnSpc>
@@ -1483,41 +1439,29 @@
             <a:buChar char="•"/>
           </a:pPr>
           <a:r>
-            <a:rPr lang="da-DK" sz="2400" kern="1200" dirty="0"/>
-            <a:t>Changes to </a:t>
+            <a:rPr lang="da-DK" sz="1200" kern="1200"/>
+            <a:t>Changes to be committed</a:t>
           </a:r>
           <a:r>
-            <a:rPr lang="da-DK" sz="2400" kern="1200" dirty="0" err="1"/>
-            <a:t>be</a:t>
-          </a:r>
-          <a:r>
-            <a:rPr lang="da-DK" sz="2400" kern="1200" dirty="0"/>
-            <a:t> </a:t>
-          </a:r>
-          <a:r>
-            <a:rPr lang="da-DK" sz="2400" kern="1200" dirty="0" err="1"/>
-            <a:t>committed</a:t>
-          </a:r>
-          <a:r>
-            <a:rPr lang="en-US" sz="2400" kern="1200" dirty="0"/>
+            <a:rPr lang="en-US" sz="1200" kern="1200"/>
             <a:t> </a:t>
           </a:r>
         </a:p>
       </dsp:txBody>
       <dsp:txXfrm>
-        <a:off x="562715" y="1999204"/>
-        <a:ext cx="4124312" cy="1573715"/>
+        <a:off x="826903" y="1561202"/>
+        <a:ext cx="7224611" cy="1228933"/>
       </dsp:txXfrm>
     </dsp:sp>
-    <dsp:sp modelId="{6E2823B5-D172-4B5C-8F2D-D8604F9BD1E7}">
+    <dsp:sp modelId="{216D6B39-0FC5-4D14-B133-9473D57F4329}">
       <dsp:nvSpPr>
         <dsp:cNvPr id="0" name=""/>
         <dsp:cNvSpPr/>
       </dsp:nvSpPr>
       <dsp:spPr>
         <a:xfrm>
-          <a:off x="1027509" y="3900487"/>
-          <a:ext cx="5822553" cy="1671637"/>
+          <a:off x="1577339" y="3045936"/>
+          <a:ext cx="8938260" cy="1305401"/>
         </a:xfrm>
         <a:prstGeom prst="roundRect">
           <a:avLst>
@@ -1525,8 +1469,11 @@
           </a:avLst>
         </a:prstGeom>
         <a:solidFill>
-          <a:schemeClr val="accent6">
-            <a:lumMod val="75000"/>
+          <a:schemeClr val="accent1">
+            <a:hueOff val="0"/>
+            <a:satOff val="0"/>
+            <a:lumOff val="0"/>
+            <a:alphaOff val="0"/>
           </a:schemeClr>
         </a:solidFill>
         <a:ln w="12700" cap="flat" cmpd="sng" algn="ctr">
@@ -1558,12 +1505,12 @@
         </a:fontRef>
       </dsp:style>
       <dsp:txBody>
-        <a:bodyPr spcFirstLastPara="0" vert="horz" wrap="square" lIns="91440" tIns="91440" rIns="91440" bIns="91440" numCol="1" spcCol="1270" anchor="ctr" anchorCtr="0">
+        <a:bodyPr spcFirstLastPara="0" vert="horz" wrap="square" lIns="57150" tIns="57150" rIns="57150" bIns="57150" numCol="1" spcCol="1270" anchor="ctr" anchorCtr="0">
           <a:noAutofit/>
         </a:bodyPr>
         <a:lstStyle/>
         <a:p>
-          <a:pPr marL="0" lvl="0" indent="0" algn="l" defTabSz="1066800">
+          <a:pPr marL="0" lvl="0" indent="0" algn="l" defTabSz="666750">
             <a:lnSpc>
               <a:spcPct val="90000"/>
             </a:lnSpc>
@@ -1576,12 +1523,12 @@
             <a:buNone/>
           </a:pPr>
           <a:r>
-            <a:rPr lang="en-US" sz="2400" kern="1200" dirty="0"/>
+            <a:rPr lang="en-US" sz="1500" kern="1200"/>
             <a:t>Git commit –m “a new commit”</a:t>
           </a:r>
         </a:p>
         <a:p>
-          <a:pPr marL="0" lvl="0" indent="0" algn="l" defTabSz="1066800">
+          <a:pPr marL="0" lvl="0" indent="0" algn="l" defTabSz="666750">
             <a:lnSpc>
               <a:spcPct val="90000"/>
             </a:lnSpc>
@@ -1594,13 +1541,13 @@
             <a:buNone/>
           </a:pPr>
           <a:r>
-            <a:rPr lang="en-US" sz="1600" kern="1200" dirty="0"/>
+            <a:rPr lang="en-US" sz="1500" kern="1200"/>
             <a:t>[master (root-commit) 4d1a8ad] a new commit</a:t>
           </a:r>
-          <a:endParaRPr lang="da-DK" sz="1600" kern="1200" dirty="0"/>
+          <a:endParaRPr lang="da-DK" sz="1500" kern="1200"/>
         </a:p>
         <a:p>
-          <a:pPr marL="0" lvl="0" indent="0" algn="l" defTabSz="1066800">
+          <a:pPr marL="0" lvl="0" indent="0" algn="l" defTabSz="666750">
             <a:lnSpc>
               <a:spcPct val="90000"/>
             </a:lnSpc>
@@ -1613,28 +1560,12 @@
             <a:buNone/>
           </a:pPr>
           <a:r>
-            <a:rPr lang="da-DK" sz="1600" kern="1200" dirty="0"/>
-            <a:t> 1 file </a:t>
-          </a:r>
-          <a:r>
-            <a:rPr lang="da-DK" sz="1600" kern="1200" dirty="0" err="1"/>
-            <a:t>changed</a:t>
-          </a:r>
-          <a:r>
-            <a:rPr lang="da-DK" sz="1600" kern="1200" dirty="0"/>
-            <a:t>, 5 </a:t>
-          </a:r>
-          <a:r>
-            <a:rPr lang="da-DK" sz="1600" kern="1200" dirty="0" err="1"/>
-            <a:t>insertions</a:t>
-          </a:r>
-          <a:r>
-            <a:rPr lang="da-DK" sz="1600" kern="1200" dirty="0"/>
-            <a:t>(+)</a:t>
+            <a:rPr lang="da-DK" sz="1500" kern="1200"/>
+            <a:t> 1 file changed, 5 insertions(+)</a:t>
           </a:r>
         </a:p>
         <a:p>
-          <a:pPr marL="0" lvl="0" indent="0" algn="l" defTabSz="1066800">
+          <a:pPr marL="0" lvl="0" indent="0" algn="l" defTabSz="666750">
             <a:lnSpc>
               <a:spcPct val="90000"/>
             </a:lnSpc>
@@ -1647,25 +1578,25 @@
             <a:buNone/>
           </a:pPr>
           <a:r>
-            <a:rPr lang="en-US" sz="1600" kern="1200" dirty="0"/>
+            <a:rPr lang="en-US" sz="1500" kern="1200"/>
             <a:t> create mode 100644 HelloWorld.java</a:t>
           </a:r>
         </a:p>
       </dsp:txBody>
       <dsp:txXfrm>
-        <a:off x="1076470" y="3949448"/>
-        <a:ext cx="4124312" cy="1573715"/>
+        <a:off x="1615573" y="3084170"/>
+        <a:ext cx="7224611" cy="1228933"/>
       </dsp:txXfrm>
     </dsp:sp>
-    <dsp:sp modelId="{A75CD409-9403-4D12-B2CA-98530A2B83B6}">
+    <dsp:sp modelId="{0A4D4C38-EB17-4909-9721-9D28531247D2}">
       <dsp:nvSpPr>
         <dsp:cNvPr id="0" name=""/>
         <dsp:cNvSpPr/>
       </dsp:nvSpPr>
       <dsp:spPr>
         <a:xfrm>
-          <a:off x="4735989" y="1267658"/>
-          <a:ext cx="1086564" cy="1086564"/>
+          <a:off x="8089749" y="989929"/>
+          <a:ext cx="848510" cy="848510"/>
         </a:xfrm>
         <a:prstGeom prst="downArrow">
           <a:avLst>
@@ -1674,9 +1605,9 @@
           </a:avLst>
         </a:prstGeom>
         <a:solidFill>
-          <a:schemeClr val="accent2">
+          <a:schemeClr val="accent1">
+            <a:alpha val="90000"/>
             <a:tint val="40000"/>
-            <a:alpha val="90000"/>
             <a:hueOff val="0"/>
             <a:satOff val="0"/>
             <a:lumOff val="0"/>
@@ -1685,9 +1616,9 @@
         </a:solidFill>
         <a:ln w="12700" cap="flat" cmpd="sng" algn="ctr">
           <a:solidFill>
-            <a:schemeClr val="accent2">
+            <a:schemeClr val="accent1">
+              <a:alpha val="90000"/>
               <a:tint val="40000"/>
-              <a:alpha val="90000"/>
               <a:hueOff val="0"/>
               <a:satOff val="0"/>
               <a:lumOff val="0"/>
@@ -1733,19 +1664,19 @@
         </a:p>
       </dsp:txBody>
       <dsp:txXfrm>
-        <a:off x="4980466" y="1267658"/>
-        <a:ext cx="597610" cy="817639"/>
+        <a:off x="8280664" y="989929"/>
+        <a:ext cx="466680" cy="638504"/>
       </dsp:txXfrm>
     </dsp:sp>
-    <dsp:sp modelId="{FEEB6039-2FFD-4030-AD6C-BD8EB6EE0EFF}">
+    <dsp:sp modelId="{71CB1E20-24E4-4524-9752-57D606A91FD9}">
       <dsp:nvSpPr>
         <dsp:cNvPr id="0" name=""/>
         <dsp:cNvSpPr/>
       </dsp:nvSpPr>
       <dsp:spPr>
         <a:xfrm>
-          <a:off x="5249743" y="3206757"/>
-          <a:ext cx="1086564" cy="1086564"/>
+          <a:off x="8878419" y="2504195"/>
+          <a:ext cx="848510" cy="848510"/>
         </a:xfrm>
         <a:prstGeom prst="downArrow">
           <a:avLst>
@@ -1754,23 +1685,23 @@
           </a:avLst>
         </a:prstGeom>
         <a:solidFill>
-          <a:schemeClr val="accent2">
+          <a:schemeClr val="accent1">
+            <a:alpha val="90000"/>
             <a:tint val="40000"/>
-            <a:alpha val="90000"/>
-            <a:hueOff val="-849226"/>
-            <a:satOff val="-75346"/>
-            <a:lumOff val="-769"/>
+            <a:hueOff val="0"/>
+            <a:satOff val="0"/>
+            <a:lumOff val="0"/>
             <a:alphaOff val="0"/>
           </a:schemeClr>
         </a:solidFill>
         <a:ln w="12700" cap="flat" cmpd="sng" algn="ctr">
           <a:solidFill>
-            <a:schemeClr val="accent2">
+            <a:schemeClr val="accent1">
+              <a:alpha val="90000"/>
               <a:tint val="40000"/>
-              <a:alpha val="90000"/>
-              <a:hueOff val="-849226"/>
-              <a:satOff val="-75346"/>
-              <a:lumOff val="-769"/>
+              <a:hueOff val="0"/>
+              <a:satOff val="0"/>
+              <a:lumOff val="0"/>
               <a:alphaOff val="0"/>
             </a:schemeClr>
           </a:solidFill>
@@ -1813,8 +1744,8 @@
         </a:p>
       </dsp:txBody>
       <dsp:txXfrm>
-        <a:off x="5494220" y="3206757"/>
-        <a:ext cx="597610" cy="817639"/>
+        <a:off x="9069334" y="2504195"/>
+        <a:ext cx="466680" cy="638504"/>
       </dsp:txXfrm>
     </dsp:sp>
   </dsp:spTree>
@@ -4163,7 +4094,7 @@
           <a:p>
             <a:fld id="{7AF3FADA-665D-41EF-8A3D-9F98FD8F6BC6}" type="datetimeFigureOut">
               <a:rPr lang="da-DK" smtClean="0"/>
-              <a:t>03-10-2019</a:t>
+              <a:t>07-10-2019</a:t>
             </a:fld>
             <a:endParaRPr lang="da-DK"/>
           </a:p>
@@ -4783,6 +4714,510 @@
 </p:notes>
 </file>
 
+<file path=ppt/notesSlides/notesSlide3.xml><?xml version="1.0" encoding="utf-8"?>
+<p:notes xmlns:a="http://schemas.openxmlformats.org/drawingml/2006/main" xmlns:r="http://schemas.openxmlformats.org/officeDocument/2006/relationships" xmlns:p="http://schemas.openxmlformats.org/presentationml/2006/main">
+  <p:cSld>
+    <p:spTree>
+      <p:nvGrpSpPr>
+        <p:cNvPr id="1" name=""/>
+        <p:cNvGrpSpPr/>
+        <p:nvPr/>
+      </p:nvGrpSpPr>
+      <p:grpSpPr>
+        <a:xfrm>
+          <a:off x="0" y="0"/>
+          <a:ext cx="0" cy="0"/>
+          <a:chOff x="0" y="0"/>
+          <a:chExt cx="0" cy="0"/>
+        </a:xfrm>
+      </p:grpSpPr>
+      <p:sp>
+        <p:nvSpPr>
+          <p:cNvPr id="2" name="Pladsholder til slidebillede 1"/>
+          <p:cNvSpPr>
+            <a:spLocks noGrp="1" noRot="1" noChangeAspect="1"/>
+          </p:cNvSpPr>
+          <p:nvPr>
+            <p:ph type="sldImg"/>
+          </p:nvPr>
+        </p:nvSpPr>
+        <p:spPr/>
+      </p:sp>
+      <p:sp>
+        <p:nvSpPr>
+          <p:cNvPr id="3" name="Pladsholder til noter 2"/>
+          <p:cNvSpPr>
+            <a:spLocks noGrp="1"/>
+          </p:cNvSpPr>
+          <p:nvPr>
+            <p:ph type="body" idx="1"/>
+          </p:nvPr>
+        </p:nvSpPr>
+        <p:spPr/>
+        <p:txBody>
+          <a:bodyPr/>
+          <a:lstStyle/>
+          <a:p>
+            <a:endParaRPr lang="da-DK" dirty="0"/>
+          </a:p>
+        </p:txBody>
+      </p:sp>
+      <p:sp>
+        <p:nvSpPr>
+          <p:cNvPr id="4" name="Pladsholder til slidenummer 3"/>
+          <p:cNvSpPr>
+            <a:spLocks noGrp="1"/>
+          </p:cNvSpPr>
+          <p:nvPr>
+            <p:ph type="sldNum" sz="quarter" idx="5"/>
+          </p:nvPr>
+        </p:nvSpPr>
+        <p:spPr/>
+        <p:txBody>
+          <a:bodyPr/>
+          <a:lstStyle/>
+          <a:p>
+            <a:fld id="{18F8438F-BAB4-4772-94EB-6F9616BBEB00}" type="slidenum">
+              <a:rPr lang="da-DK" smtClean="0"/>
+              <a:t>4</a:t>
+            </a:fld>
+            <a:endParaRPr lang="da-DK"/>
+          </a:p>
+        </p:txBody>
+      </p:sp>
+    </p:spTree>
+    <p:extLst>
+      <p:ext uri="{BB962C8B-B14F-4D97-AF65-F5344CB8AC3E}">
+        <p14:creationId xmlns:p14="http://schemas.microsoft.com/office/powerpoint/2010/main" val="4163878706"/>
+      </p:ext>
+    </p:extLst>
+  </p:cSld>
+  <p:clrMapOvr>
+    <a:masterClrMapping/>
+  </p:clrMapOvr>
+</p:notes>
+</file>
+
+<file path=ppt/notesSlides/notesSlide4.xml><?xml version="1.0" encoding="utf-8"?>
+<p:notes xmlns:a="http://schemas.openxmlformats.org/drawingml/2006/main" xmlns:r="http://schemas.openxmlformats.org/officeDocument/2006/relationships" xmlns:p="http://schemas.openxmlformats.org/presentationml/2006/main">
+  <p:cSld>
+    <p:spTree>
+      <p:nvGrpSpPr>
+        <p:cNvPr id="1" name=""/>
+        <p:cNvGrpSpPr/>
+        <p:nvPr/>
+      </p:nvGrpSpPr>
+      <p:grpSpPr>
+        <a:xfrm>
+          <a:off x="0" y="0"/>
+          <a:ext cx="0" cy="0"/>
+          <a:chOff x="0" y="0"/>
+          <a:chExt cx="0" cy="0"/>
+        </a:xfrm>
+      </p:grpSpPr>
+      <p:sp>
+        <p:nvSpPr>
+          <p:cNvPr id="2" name="Pladsholder til slidebillede 1"/>
+          <p:cNvSpPr>
+            <a:spLocks noGrp="1" noRot="1" noChangeAspect="1"/>
+          </p:cNvSpPr>
+          <p:nvPr>
+            <p:ph type="sldImg"/>
+          </p:nvPr>
+        </p:nvSpPr>
+        <p:spPr/>
+      </p:sp>
+      <p:sp>
+        <p:nvSpPr>
+          <p:cNvPr id="3" name="Pladsholder til noter 2"/>
+          <p:cNvSpPr>
+            <a:spLocks noGrp="1"/>
+          </p:cNvSpPr>
+          <p:nvPr>
+            <p:ph type="body" idx="1"/>
+          </p:nvPr>
+        </p:nvSpPr>
+        <p:spPr/>
+        <p:txBody>
+          <a:bodyPr/>
+          <a:lstStyle/>
+          <a:p>
+            <a:endParaRPr lang="da-DK" dirty="0"/>
+          </a:p>
+        </p:txBody>
+      </p:sp>
+      <p:sp>
+        <p:nvSpPr>
+          <p:cNvPr id="4" name="Pladsholder til slidenummer 3"/>
+          <p:cNvSpPr>
+            <a:spLocks noGrp="1"/>
+          </p:cNvSpPr>
+          <p:nvPr>
+            <p:ph type="sldNum" sz="quarter" idx="5"/>
+          </p:nvPr>
+        </p:nvSpPr>
+        <p:spPr/>
+        <p:txBody>
+          <a:bodyPr/>
+          <a:lstStyle/>
+          <a:p>
+            <a:fld id="{18F8438F-BAB4-4772-94EB-6F9616BBEB00}" type="slidenum">
+              <a:rPr lang="da-DK" smtClean="0"/>
+              <a:t>5</a:t>
+            </a:fld>
+            <a:endParaRPr lang="da-DK"/>
+          </a:p>
+        </p:txBody>
+      </p:sp>
+    </p:spTree>
+    <p:extLst>
+      <p:ext uri="{BB962C8B-B14F-4D97-AF65-F5344CB8AC3E}">
+        <p14:creationId xmlns:p14="http://schemas.microsoft.com/office/powerpoint/2010/main" val="308067420"/>
+      </p:ext>
+    </p:extLst>
+  </p:cSld>
+  <p:clrMapOvr>
+    <a:masterClrMapping/>
+  </p:clrMapOvr>
+</p:notes>
+</file>
+
+<file path=ppt/notesSlides/notesSlide5.xml><?xml version="1.0" encoding="utf-8"?>
+<p:notes xmlns:a="http://schemas.openxmlformats.org/drawingml/2006/main" xmlns:r="http://schemas.openxmlformats.org/officeDocument/2006/relationships" xmlns:p="http://schemas.openxmlformats.org/presentationml/2006/main">
+  <p:cSld>
+    <p:spTree>
+      <p:nvGrpSpPr>
+        <p:cNvPr id="1" name=""/>
+        <p:cNvGrpSpPr/>
+        <p:nvPr/>
+      </p:nvGrpSpPr>
+      <p:grpSpPr>
+        <a:xfrm>
+          <a:off x="0" y="0"/>
+          <a:ext cx="0" cy="0"/>
+          <a:chOff x="0" y="0"/>
+          <a:chExt cx="0" cy="0"/>
+        </a:xfrm>
+      </p:grpSpPr>
+      <p:sp>
+        <p:nvSpPr>
+          <p:cNvPr id="2" name="Pladsholder til slidebillede 1"/>
+          <p:cNvSpPr>
+            <a:spLocks noGrp="1" noRot="1" noChangeAspect="1"/>
+          </p:cNvSpPr>
+          <p:nvPr>
+            <p:ph type="sldImg"/>
+          </p:nvPr>
+        </p:nvSpPr>
+        <p:spPr/>
+      </p:sp>
+      <p:sp>
+        <p:nvSpPr>
+          <p:cNvPr id="3" name="Pladsholder til noter 2"/>
+          <p:cNvSpPr>
+            <a:spLocks noGrp="1"/>
+          </p:cNvSpPr>
+          <p:nvPr>
+            <p:ph type="body" idx="1"/>
+          </p:nvPr>
+        </p:nvSpPr>
+        <p:spPr/>
+        <p:txBody>
+          <a:bodyPr/>
+          <a:lstStyle/>
+          <a:p>
+            <a:endParaRPr lang="da-DK" dirty="0"/>
+          </a:p>
+        </p:txBody>
+      </p:sp>
+      <p:sp>
+        <p:nvSpPr>
+          <p:cNvPr id="4" name="Pladsholder til slidenummer 3"/>
+          <p:cNvSpPr>
+            <a:spLocks noGrp="1"/>
+          </p:cNvSpPr>
+          <p:nvPr>
+            <p:ph type="sldNum" sz="quarter" idx="5"/>
+          </p:nvPr>
+        </p:nvSpPr>
+        <p:spPr/>
+        <p:txBody>
+          <a:bodyPr/>
+          <a:lstStyle/>
+          <a:p>
+            <a:fld id="{18F8438F-BAB4-4772-94EB-6F9616BBEB00}" type="slidenum">
+              <a:rPr lang="da-DK" smtClean="0"/>
+              <a:t>7</a:t>
+            </a:fld>
+            <a:endParaRPr lang="da-DK"/>
+          </a:p>
+        </p:txBody>
+      </p:sp>
+    </p:spTree>
+    <p:extLst>
+      <p:ext uri="{BB962C8B-B14F-4D97-AF65-F5344CB8AC3E}">
+        <p14:creationId xmlns:p14="http://schemas.microsoft.com/office/powerpoint/2010/main" val="3076430099"/>
+      </p:ext>
+    </p:extLst>
+  </p:cSld>
+  <p:clrMapOvr>
+    <a:masterClrMapping/>
+  </p:clrMapOvr>
+</p:notes>
+</file>
+
+<file path=ppt/notesSlides/notesSlide6.xml><?xml version="1.0" encoding="utf-8"?>
+<p:notes xmlns:a="http://schemas.openxmlformats.org/drawingml/2006/main" xmlns:r="http://schemas.openxmlformats.org/officeDocument/2006/relationships" xmlns:p="http://schemas.openxmlformats.org/presentationml/2006/main">
+  <p:cSld>
+    <p:spTree>
+      <p:nvGrpSpPr>
+        <p:cNvPr id="1" name=""/>
+        <p:cNvGrpSpPr/>
+        <p:nvPr/>
+      </p:nvGrpSpPr>
+      <p:grpSpPr>
+        <a:xfrm>
+          <a:off x="0" y="0"/>
+          <a:ext cx="0" cy="0"/>
+          <a:chOff x="0" y="0"/>
+          <a:chExt cx="0" cy="0"/>
+        </a:xfrm>
+      </p:grpSpPr>
+      <p:sp>
+        <p:nvSpPr>
+          <p:cNvPr id="2" name="Pladsholder til slidebillede 1"/>
+          <p:cNvSpPr>
+            <a:spLocks noGrp="1" noRot="1" noChangeAspect="1"/>
+          </p:cNvSpPr>
+          <p:nvPr>
+            <p:ph type="sldImg"/>
+          </p:nvPr>
+        </p:nvSpPr>
+        <p:spPr/>
+      </p:sp>
+      <p:sp>
+        <p:nvSpPr>
+          <p:cNvPr id="3" name="Pladsholder til noter 2"/>
+          <p:cNvSpPr>
+            <a:spLocks noGrp="1"/>
+          </p:cNvSpPr>
+          <p:nvPr>
+            <p:ph type="body" idx="1"/>
+          </p:nvPr>
+        </p:nvSpPr>
+        <p:spPr/>
+        <p:txBody>
+          <a:bodyPr/>
+          <a:lstStyle/>
+          <a:p>
+            <a:endParaRPr lang="da-DK" dirty="0"/>
+          </a:p>
+        </p:txBody>
+      </p:sp>
+      <p:sp>
+        <p:nvSpPr>
+          <p:cNvPr id="4" name="Pladsholder til slidenummer 3"/>
+          <p:cNvSpPr>
+            <a:spLocks noGrp="1"/>
+          </p:cNvSpPr>
+          <p:nvPr>
+            <p:ph type="sldNum" sz="quarter" idx="5"/>
+          </p:nvPr>
+        </p:nvSpPr>
+        <p:spPr/>
+        <p:txBody>
+          <a:bodyPr/>
+          <a:lstStyle/>
+          <a:p>
+            <a:fld id="{18F8438F-BAB4-4772-94EB-6F9616BBEB00}" type="slidenum">
+              <a:rPr lang="da-DK" smtClean="0"/>
+              <a:t>10</a:t>
+            </a:fld>
+            <a:endParaRPr lang="da-DK"/>
+          </a:p>
+        </p:txBody>
+      </p:sp>
+    </p:spTree>
+    <p:extLst>
+      <p:ext uri="{BB962C8B-B14F-4D97-AF65-F5344CB8AC3E}">
+        <p14:creationId xmlns:p14="http://schemas.microsoft.com/office/powerpoint/2010/main" val="3562944699"/>
+      </p:ext>
+    </p:extLst>
+  </p:cSld>
+  <p:clrMapOvr>
+    <a:masterClrMapping/>
+  </p:clrMapOvr>
+</p:notes>
+</file>
+
+<file path=ppt/notesSlides/notesSlide7.xml><?xml version="1.0" encoding="utf-8"?>
+<p:notes xmlns:a="http://schemas.openxmlformats.org/drawingml/2006/main" xmlns:r="http://schemas.openxmlformats.org/officeDocument/2006/relationships" xmlns:p="http://schemas.openxmlformats.org/presentationml/2006/main">
+  <p:cSld>
+    <p:spTree>
+      <p:nvGrpSpPr>
+        <p:cNvPr id="1" name=""/>
+        <p:cNvGrpSpPr/>
+        <p:nvPr/>
+      </p:nvGrpSpPr>
+      <p:grpSpPr>
+        <a:xfrm>
+          <a:off x="0" y="0"/>
+          <a:ext cx="0" cy="0"/>
+          <a:chOff x="0" y="0"/>
+          <a:chExt cx="0" cy="0"/>
+        </a:xfrm>
+      </p:grpSpPr>
+      <p:sp>
+        <p:nvSpPr>
+          <p:cNvPr id="2" name="Pladsholder til slidebillede 1"/>
+          <p:cNvSpPr>
+            <a:spLocks noGrp="1" noRot="1" noChangeAspect="1"/>
+          </p:cNvSpPr>
+          <p:nvPr>
+            <p:ph type="sldImg"/>
+          </p:nvPr>
+        </p:nvSpPr>
+        <p:spPr/>
+      </p:sp>
+      <p:sp>
+        <p:nvSpPr>
+          <p:cNvPr id="3" name="Pladsholder til noter 2"/>
+          <p:cNvSpPr>
+            <a:spLocks noGrp="1"/>
+          </p:cNvSpPr>
+          <p:nvPr>
+            <p:ph type="body" idx="1"/>
+          </p:nvPr>
+        </p:nvSpPr>
+        <p:spPr/>
+        <p:txBody>
+          <a:bodyPr/>
+          <a:lstStyle/>
+          <a:p>
+            <a:endParaRPr lang="da-DK" dirty="0"/>
+          </a:p>
+        </p:txBody>
+      </p:sp>
+      <p:sp>
+        <p:nvSpPr>
+          <p:cNvPr id="4" name="Pladsholder til slidenummer 3"/>
+          <p:cNvSpPr>
+            <a:spLocks noGrp="1"/>
+          </p:cNvSpPr>
+          <p:nvPr>
+            <p:ph type="sldNum" sz="quarter" idx="5"/>
+          </p:nvPr>
+        </p:nvSpPr>
+        <p:spPr/>
+        <p:txBody>
+          <a:bodyPr/>
+          <a:lstStyle/>
+          <a:p>
+            <a:fld id="{18F8438F-BAB4-4772-94EB-6F9616BBEB00}" type="slidenum">
+              <a:rPr lang="da-DK" smtClean="0"/>
+              <a:t>13</a:t>
+            </a:fld>
+            <a:endParaRPr lang="da-DK"/>
+          </a:p>
+        </p:txBody>
+      </p:sp>
+    </p:spTree>
+    <p:extLst>
+      <p:ext uri="{BB962C8B-B14F-4D97-AF65-F5344CB8AC3E}">
+        <p14:creationId xmlns:p14="http://schemas.microsoft.com/office/powerpoint/2010/main" val="2798780996"/>
+      </p:ext>
+    </p:extLst>
+  </p:cSld>
+  <p:clrMapOvr>
+    <a:masterClrMapping/>
+  </p:clrMapOvr>
+</p:notes>
+</file>
+
+<file path=ppt/notesSlides/notesSlide8.xml><?xml version="1.0" encoding="utf-8"?>
+<p:notes xmlns:a="http://schemas.openxmlformats.org/drawingml/2006/main" xmlns:r="http://schemas.openxmlformats.org/officeDocument/2006/relationships" xmlns:p="http://schemas.openxmlformats.org/presentationml/2006/main">
+  <p:cSld>
+    <p:spTree>
+      <p:nvGrpSpPr>
+        <p:cNvPr id="1" name=""/>
+        <p:cNvGrpSpPr/>
+        <p:nvPr/>
+      </p:nvGrpSpPr>
+      <p:grpSpPr>
+        <a:xfrm>
+          <a:off x="0" y="0"/>
+          <a:ext cx="0" cy="0"/>
+          <a:chOff x="0" y="0"/>
+          <a:chExt cx="0" cy="0"/>
+        </a:xfrm>
+      </p:grpSpPr>
+      <p:sp>
+        <p:nvSpPr>
+          <p:cNvPr id="2" name="Pladsholder til slidebillede 1"/>
+          <p:cNvSpPr>
+            <a:spLocks noGrp="1" noRot="1" noChangeAspect="1"/>
+          </p:cNvSpPr>
+          <p:nvPr>
+            <p:ph type="sldImg"/>
+          </p:nvPr>
+        </p:nvSpPr>
+        <p:spPr/>
+      </p:sp>
+      <p:sp>
+        <p:nvSpPr>
+          <p:cNvPr id="3" name="Pladsholder til noter 2"/>
+          <p:cNvSpPr>
+            <a:spLocks noGrp="1"/>
+          </p:cNvSpPr>
+          <p:nvPr>
+            <p:ph type="body" idx="1"/>
+          </p:nvPr>
+        </p:nvSpPr>
+        <p:spPr/>
+        <p:txBody>
+          <a:bodyPr/>
+          <a:lstStyle/>
+          <a:p>
+            <a:endParaRPr lang="da-DK" dirty="0"/>
+          </a:p>
+        </p:txBody>
+      </p:sp>
+      <p:sp>
+        <p:nvSpPr>
+          <p:cNvPr id="4" name="Pladsholder til slidenummer 3"/>
+          <p:cNvSpPr>
+            <a:spLocks noGrp="1"/>
+          </p:cNvSpPr>
+          <p:nvPr>
+            <p:ph type="sldNum" sz="quarter" idx="5"/>
+          </p:nvPr>
+        </p:nvSpPr>
+        <p:spPr/>
+        <p:txBody>
+          <a:bodyPr/>
+          <a:lstStyle/>
+          <a:p>
+            <a:fld id="{18F8438F-BAB4-4772-94EB-6F9616BBEB00}" type="slidenum">
+              <a:rPr lang="da-DK" smtClean="0"/>
+              <a:t>16</a:t>
+            </a:fld>
+            <a:endParaRPr lang="da-DK"/>
+          </a:p>
+        </p:txBody>
+      </p:sp>
+    </p:spTree>
+    <p:extLst>
+      <p:ext uri="{BB962C8B-B14F-4D97-AF65-F5344CB8AC3E}">
+        <p14:creationId xmlns:p14="http://schemas.microsoft.com/office/powerpoint/2010/main" val="2541280939"/>
+      </p:ext>
+    </p:extLst>
+  </p:cSld>
+  <p:clrMapOvr>
+    <a:masterClrMapping/>
+  </p:clrMapOvr>
+</p:notes>
+</file>
+
 <file path=ppt/slideLayouts/slideLayout1.xml><?xml version="1.0" encoding="utf-8"?>
 <p:sldLayout xmlns:a="http://schemas.openxmlformats.org/drawingml/2006/main" xmlns:r="http://schemas.openxmlformats.org/officeDocument/2006/relationships" xmlns:p="http://schemas.openxmlformats.org/presentationml/2006/main" type="title" preserve="1">
   <p:cSld name="Titelslide">
@@ -4930,7 +5365,7 @@
           <a:p>
             <a:fld id="{48A87A34-81AB-432B-8DAE-1953F412C126}" type="datetimeFigureOut">
               <a:rPr lang="en-US" smtClean="0"/>
-              <a:t>10/3/2019</a:t>
+              <a:t>10/7/2019</a:t>
             </a:fld>
             <a:endParaRPr lang="en-US" dirty="0"/>
           </a:p>
@@ -5128,7 +5563,7 @@
           <a:p>
             <a:fld id="{48A87A34-81AB-432B-8DAE-1953F412C126}" type="datetimeFigureOut">
               <a:rPr lang="en-US" smtClean="0"/>
-              <a:t>10/3/2019</a:t>
+              <a:t>10/7/2019</a:t>
             </a:fld>
             <a:endParaRPr lang="en-US" dirty="0"/>
           </a:p>
@@ -5336,7 +5771,7 @@
           <a:p>
             <a:fld id="{48A87A34-81AB-432B-8DAE-1953F412C126}" type="datetimeFigureOut">
               <a:rPr lang="en-US" smtClean="0"/>
-              <a:t>10/3/2019</a:t>
+              <a:t>10/7/2019</a:t>
             </a:fld>
             <a:endParaRPr lang="en-US" dirty="0"/>
           </a:p>
@@ -5534,7 +5969,7 @@
           <a:p>
             <a:fld id="{48A87A34-81AB-432B-8DAE-1953F412C126}" type="datetimeFigureOut">
               <a:rPr lang="en-US" smtClean="0"/>
-              <a:t>10/3/2019</a:t>
+              <a:t>10/7/2019</a:t>
             </a:fld>
             <a:endParaRPr lang="en-US" dirty="0"/>
           </a:p>
@@ -5809,7 +6244,7 @@
           <a:p>
             <a:fld id="{48A87A34-81AB-432B-8DAE-1953F412C126}" type="datetimeFigureOut">
               <a:rPr lang="en-US" smtClean="0"/>
-              <a:t>10/3/2019</a:t>
+              <a:t>10/7/2019</a:t>
             </a:fld>
             <a:endParaRPr lang="en-US" dirty="0"/>
           </a:p>
@@ -6074,7 +6509,7 @@
           <a:p>
             <a:fld id="{48A87A34-81AB-432B-8DAE-1953F412C126}" type="datetimeFigureOut">
               <a:rPr lang="en-US" smtClean="0"/>
-              <a:t>10/3/2019</a:t>
+              <a:t>10/7/2019</a:t>
             </a:fld>
             <a:endParaRPr lang="en-US" dirty="0"/>
           </a:p>
@@ -6491,7 +6926,7 @@
           <a:p>
             <a:fld id="{48A87A34-81AB-432B-8DAE-1953F412C126}" type="datetimeFigureOut">
               <a:rPr lang="en-US" smtClean="0"/>
-              <a:t>10/3/2019</a:t>
+              <a:t>10/7/2019</a:t>
             </a:fld>
             <a:endParaRPr lang="en-US" dirty="0"/>
           </a:p>
@@ -6637,7 +7072,7 @@
           <a:p>
             <a:fld id="{48A87A34-81AB-432B-8DAE-1953F412C126}" type="datetimeFigureOut">
               <a:rPr lang="en-US" smtClean="0"/>
-              <a:t>10/3/2019</a:t>
+              <a:t>10/7/2019</a:t>
             </a:fld>
             <a:endParaRPr lang="en-US" dirty="0"/>
           </a:p>
@@ -6750,7 +7185,7 @@
           <a:p>
             <a:fld id="{48A87A34-81AB-432B-8DAE-1953F412C126}" type="datetimeFigureOut">
               <a:rPr lang="en-US" smtClean="0"/>
-              <a:t>10/3/2019</a:t>
+              <a:t>10/7/2019</a:t>
             </a:fld>
             <a:endParaRPr lang="en-US" dirty="0"/>
           </a:p>
@@ -7061,7 +7496,7 @@
           <a:p>
             <a:fld id="{48A87A34-81AB-432B-8DAE-1953F412C126}" type="datetimeFigureOut">
               <a:rPr lang="en-US" smtClean="0"/>
-              <a:t>10/3/2019</a:t>
+              <a:t>10/7/2019</a:t>
             </a:fld>
             <a:endParaRPr lang="en-US" dirty="0"/>
           </a:p>
@@ -7354,7 +7789,7 @@
           <a:p>
             <a:fld id="{48A87A34-81AB-432B-8DAE-1953F412C126}" type="datetimeFigureOut">
               <a:rPr lang="en-US" smtClean="0"/>
-              <a:t>10/3/2019</a:t>
+              <a:t>10/7/2019</a:t>
             </a:fld>
             <a:endParaRPr lang="en-US" dirty="0"/>
           </a:p>
@@ -7596,7 +8031,7 @@
             <a:fld id="{48A87A34-81AB-432B-8DAE-1953F412C126}" type="datetimeFigureOut">
               <a:rPr lang="en-US" smtClean="0"/>
               <a:pPr/>
-              <a:t>10/3/2019</a:t>
+              <a:t>10/7/2019</a:t>
             </a:fld>
             <a:endParaRPr lang="en-US" dirty="0"/>
           </a:p>
@@ -8248,757 +8683,7 @@
 </p:sld>
 </file>
 
-<file path=ppt/slides/slide2.xml><?xml version="1.0" encoding="utf-8"?>
-<p:sld xmlns:a="http://schemas.openxmlformats.org/drawingml/2006/main" xmlns:r="http://schemas.openxmlformats.org/officeDocument/2006/relationships" xmlns:p="http://schemas.openxmlformats.org/presentationml/2006/main">
-  <p:cSld>
-    <p:bg>
-      <p:bgPr>
-        <a:solidFill>
-          <a:schemeClr val="bg1"/>
-        </a:solidFill>
-        <a:effectLst/>
-      </p:bgPr>
-    </p:bg>
-    <p:spTree>
-      <p:nvGrpSpPr>
-        <p:cNvPr id="1" name=""/>
-        <p:cNvGrpSpPr/>
-        <p:nvPr/>
-      </p:nvGrpSpPr>
-      <p:grpSpPr>
-        <a:xfrm>
-          <a:off x="0" y="0"/>
-          <a:ext cx="0" cy="0"/>
-          <a:chOff x="0" y="0"/>
-          <a:chExt cx="0" cy="0"/>
-        </a:xfrm>
-      </p:grpSpPr>
-      <p:sp>
-        <p:nvSpPr>
-          <p:cNvPr id="10" name="Rectangle 9">
-            <a:extLst>
-              <a:ext uri="{FF2B5EF4-FFF2-40B4-BE49-F238E27FC236}">
-                <a16:creationId xmlns:a16="http://schemas.microsoft.com/office/drawing/2014/main" id="{A4AC5506-6312-4701-8D3C-40187889A947}"/>
-              </a:ext>
-              <a:ext uri="{C183D7F6-B498-43B3-948B-1728B52AA6E4}">
-                <adec:decorative xmlns:adec="http://schemas.microsoft.com/office/drawing/2017/decorative" val="1"/>
-              </a:ext>
-            </a:extLst>
-          </p:cNvPr>
-          <p:cNvSpPr>
-            <a:spLocks noGrp="1" noRot="1" noChangeAspect="1" noMove="1" noResize="1" noEditPoints="1" noAdjustHandles="1" noChangeArrowheads="1" noChangeShapeType="1" noTextEdit="1"/>
-          </p:cNvSpPr>
-          <p:nvPr>
-            <p:extLst>
-              <p:ext uri="{386F3935-93C4-4BCD-93E2-E3B085C9AB24}">
-                <p16:designElem xmlns:p16="http://schemas.microsoft.com/office/powerpoint/2015/main" val="1"/>
-              </p:ext>
-            </p:extLst>
-          </p:nvPr>
-        </p:nvSpPr>
-        <p:spPr>
-          <a:xfrm>
-            <a:off x="0" y="651752"/>
-            <a:ext cx="12192000" cy="736551"/>
-          </a:xfrm>
-          <a:prstGeom prst="rect">
-            <a:avLst/>
-          </a:prstGeom>
-          <a:solidFill>
-            <a:schemeClr val="tx1"/>
-          </a:solidFill>
-          <a:ln>
-            <a:noFill/>
-          </a:ln>
-        </p:spPr>
-        <p:style>
-          <a:lnRef idx="2">
-            <a:schemeClr val="accent1">
-              <a:shade val="50000"/>
-            </a:schemeClr>
-          </a:lnRef>
-          <a:fillRef idx="1">
-            <a:schemeClr val="accent1"/>
-          </a:fillRef>
-          <a:effectRef idx="0">
-            <a:schemeClr val="accent1"/>
-          </a:effectRef>
-          <a:fontRef idx="minor">
-            <a:schemeClr val="lt1"/>
-          </a:fontRef>
-        </p:style>
-        <p:txBody>
-          <a:bodyPr rtlCol="0" anchor="ctr"/>
-          <a:lstStyle/>
-          <a:p>
-            <a:pPr algn="ctr"/>
-            <a:endParaRPr lang="en-US"/>
-          </a:p>
-        </p:txBody>
-      </p:sp>
-      <p:sp>
-        <p:nvSpPr>
-          <p:cNvPr id="2" name="Titel 1">
-            <a:extLst>
-              <a:ext uri="{FF2B5EF4-FFF2-40B4-BE49-F238E27FC236}">
-                <a16:creationId xmlns:a16="http://schemas.microsoft.com/office/drawing/2014/main" id="{A7F9BF7C-A747-4ED0-A6DD-4B362FF74B5A}"/>
-              </a:ext>
-            </a:extLst>
-          </p:cNvPr>
-          <p:cNvSpPr>
-            <a:spLocks noGrp="1"/>
-          </p:cNvSpPr>
-          <p:nvPr>
-            <p:ph type="title"/>
-          </p:nvPr>
-        </p:nvSpPr>
-        <p:spPr>
-          <a:xfrm>
-            <a:off x="556532" y="643467"/>
-            <a:ext cx="11210925" cy="744836"/>
-          </a:xfrm>
-        </p:spPr>
-        <p:txBody>
-          <a:bodyPr vert="horz" lIns="91440" tIns="45720" rIns="91440" bIns="45720" rtlCol="0" anchor="ctr">
-            <a:normAutofit/>
-          </a:bodyPr>
-          <a:lstStyle/>
-          <a:p>
-            <a:pPr algn="ctr"/>
-            <a:r>
-              <a:rPr lang="en-US" sz="3200" kern="1200">
-                <a:solidFill>
-                  <a:schemeClr val="bg1"/>
-                </a:solidFill>
-                <a:latin typeface="+mj-lt"/>
-                <a:ea typeface="+mj-ea"/>
-                <a:cs typeface="+mj-cs"/>
-              </a:rPr>
-              <a:t>GIT Som Versionsstyring</a:t>
-            </a:r>
-          </a:p>
-        </p:txBody>
-      </p:sp>
-      <p:pic>
-        <p:nvPicPr>
-          <p:cNvPr id="5" name="Pladsholder til indhold 4" descr="Et billede, der indeholder skærmbillede&#10;&#10;Automatisk genereret beskrivelse">
-            <a:extLst>
-              <a:ext uri="{FF2B5EF4-FFF2-40B4-BE49-F238E27FC236}">
-                <a16:creationId xmlns:a16="http://schemas.microsoft.com/office/drawing/2014/main" id="{CAB345A0-AA03-42DB-ABA5-12F68098175B}"/>
-              </a:ext>
-            </a:extLst>
-          </p:cNvPr>
-          <p:cNvPicPr>
-            <a:picLocks noGrp="1" noChangeAspect="1"/>
-          </p:cNvPicPr>
-          <p:nvPr>
-            <p:ph idx="1"/>
-          </p:nvPr>
-        </p:nvPicPr>
-        <p:blipFill>
-          <a:blip r:embed="rId3"/>
-          <a:stretch>
-            <a:fillRect/>
-          </a:stretch>
-        </p:blipFill>
-        <p:spPr>
-          <a:xfrm>
-            <a:off x="643467" y="2754557"/>
-            <a:ext cx="10905066" cy="2235538"/>
-          </a:xfrm>
-          <a:prstGeom prst="rect">
-            <a:avLst/>
-          </a:prstGeom>
-        </p:spPr>
-      </p:pic>
-    </p:spTree>
-    <p:extLst>
-      <p:ext uri="{BB962C8B-B14F-4D97-AF65-F5344CB8AC3E}">
-        <p14:creationId xmlns:p14="http://schemas.microsoft.com/office/powerpoint/2010/main" val="3113409647"/>
-      </p:ext>
-    </p:extLst>
-  </p:cSld>
-  <p:clrMapOvr>
-    <a:masterClrMapping/>
-  </p:clrMapOvr>
-</p:sld>
-</file>
-
-<file path=ppt/slides/slide3.xml><?xml version="1.0" encoding="utf-8"?>
-<p:sld xmlns:a="http://schemas.openxmlformats.org/drawingml/2006/main" xmlns:r="http://schemas.openxmlformats.org/officeDocument/2006/relationships" xmlns:p="http://schemas.openxmlformats.org/presentationml/2006/main">
-  <p:cSld>
-    <p:bg>
-      <p:bgPr>
-        <a:solidFill>
-          <a:schemeClr val="bg1"/>
-        </a:solidFill>
-        <a:effectLst/>
-      </p:bgPr>
-    </p:bg>
-    <p:spTree>
-      <p:nvGrpSpPr>
-        <p:cNvPr id="1" name=""/>
-        <p:cNvGrpSpPr/>
-        <p:nvPr/>
-      </p:nvGrpSpPr>
-      <p:grpSpPr>
-        <a:xfrm>
-          <a:off x="0" y="0"/>
-          <a:ext cx="0" cy="0"/>
-          <a:chOff x="0" y="0"/>
-          <a:chExt cx="0" cy="0"/>
-        </a:xfrm>
-      </p:grpSpPr>
-      <p:sp>
-        <p:nvSpPr>
-          <p:cNvPr id="15" name="Rectangle 10">
-            <a:extLst>
-              <a:ext uri="{FF2B5EF4-FFF2-40B4-BE49-F238E27FC236}">
-                <a16:creationId xmlns:a16="http://schemas.microsoft.com/office/drawing/2014/main" id="{BE95D989-81FA-4BAD-9AD5-E46CEDA91B36}"/>
-              </a:ext>
-              <a:ext uri="{C183D7F6-B498-43B3-948B-1728B52AA6E4}">
-                <adec:decorative xmlns:adec="http://schemas.microsoft.com/office/drawing/2017/decorative" val="1"/>
-              </a:ext>
-            </a:extLst>
-          </p:cNvPr>
-          <p:cNvSpPr>
-            <a:spLocks noGrp="1" noRot="1" noChangeAspect="1" noMove="1" noResize="1" noEditPoints="1" noAdjustHandles="1" noChangeArrowheads="1" noChangeShapeType="1" noTextEdit="1"/>
-          </p:cNvSpPr>
-          <p:nvPr>
-            <p:extLst>
-              <p:ext uri="{386F3935-93C4-4BCD-93E2-E3B085C9AB24}">
-                <p16:designElem xmlns:p16="http://schemas.microsoft.com/office/powerpoint/2015/main" val="1"/>
-              </p:ext>
-            </p:extLst>
-          </p:nvPr>
-        </p:nvSpPr>
-        <p:spPr>
-          <a:xfrm>
-            <a:off x="0" y="0"/>
-            <a:ext cx="4654293" cy="6858000"/>
-          </a:xfrm>
-          <a:prstGeom prst="rect">
-            <a:avLst/>
-          </a:prstGeom>
-          <a:solidFill>
-            <a:srgbClr val="404040"/>
-          </a:solidFill>
-          <a:ln>
-            <a:noFill/>
-          </a:ln>
-        </p:spPr>
-        <p:style>
-          <a:lnRef idx="2">
-            <a:schemeClr val="accent1">
-              <a:shade val="50000"/>
-            </a:schemeClr>
-          </a:lnRef>
-          <a:fillRef idx="1">
-            <a:schemeClr val="accent1"/>
-          </a:fillRef>
-          <a:effectRef idx="0">
-            <a:schemeClr val="accent1"/>
-          </a:effectRef>
-          <a:fontRef idx="minor">
-            <a:schemeClr val="lt1"/>
-          </a:fontRef>
-        </p:style>
-        <p:txBody>
-          <a:bodyPr rtlCol="0" anchor="ctr"/>
-          <a:lstStyle/>
-          <a:p>
-            <a:pPr marL="0" marR="0" lvl="0" indent="0" algn="ctr" defTabSz="914400" rtl="0" eaLnBrk="1" fontAlgn="auto" latinLnBrk="0" hangingPunct="1">
-              <a:lnSpc>
-                <a:spcPct val="100000"/>
-              </a:lnSpc>
-              <a:spcBef>
-                <a:spcPts val="0"/>
-              </a:spcBef>
-              <a:spcAft>
-                <a:spcPts val="0"/>
-              </a:spcAft>
-              <a:buClrTx/>
-              <a:buSzTx/>
-              <a:buFontTx/>
-              <a:buNone/>
-              <a:tabLst/>
-              <a:defRPr/>
-            </a:pPr>
-            <a:endParaRPr kumimoji="0" lang="en-US" sz="1800" b="0" i="0" u="none" strike="noStrike" kern="1200" cap="none" spc="0" normalizeH="0" baseline="0" noProof="0">
-              <a:ln>
-                <a:noFill/>
-              </a:ln>
-              <a:solidFill>
-                <a:prstClr val="white"/>
-              </a:solidFill>
-              <a:effectLst/>
-              <a:uLnTx/>
-              <a:uFillTx/>
-              <a:latin typeface="Calibri" panose="020F0502020204030204"/>
-              <a:ea typeface="+mn-ea"/>
-              <a:cs typeface="+mn-cs"/>
-            </a:endParaRPr>
-          </a:p>
-        </p:txBody>
-      </p:sp>
-      <p:sp>
-        <p:nvSpPr>
-          <p:cNvPr id="2" name="Titel 1">
-            <a:extLst>
-              <a:ext uri="{FF2B5EF4-FFF2-40B4-BE49-F238E27FC236}">
-                <a16:creationId xmlns:a16="http://schemas.microsoft.com/office/drawing/2014/main" id="{A815F205-7C51-4B3D-BC66-07B32FA2EAB3}"/>
-              </a:ext>
-            </a:extLst>
-          </p:cNvPr>
-          <p:cNvSpPr>
-            <a:spLocks noGrp="1"/>
-          </p:cNvSpPr>
-          <p:nvPr>
-            <p:ph type="title"/>
-          </p:nvPr>
-        </p:nvSpPr>
-        <p:spPr>
-          <a:xfrm>
-            <a:off x="838200" y="811161"/>
-            <a:ext cx="3335594" cy="5403370"/>
-          </a:xfrm>
-        </p:spPr>
-        <p:txBody>
-          <a:bodyPr vert="horz" lIns="91440" tIns="45720" rIns="91440" bIns="45720" rtlCol="0" anchor="ctr">
-            <a:normAutofit/>
-          </a:bodyPr>
-          <a:lstStyle/>
-          <a:p>
-            <a:r>
-              <a:rPr lang="en-US" sz="4400" kern="1200">
-                <a:solidFill>
-                  <a:srgbClr val="FFFFFF"/>
-                </a:solidFill>
-                <a:latin typeface="+mj-lt"/>
-                <a:ea typeface="+mj-ea"/>
-                <a:cs typeface="+mj-cs"/>
-              </a:rPr>
-              <a:t>Commits</a:t>
-            </a:r>
-          </a:p>
-        </p:txBody>
-      </p:sp>
-      <p:sp>
-        <p:nvSpPr>
-          <p:cNvPr id="16" name="Rectangle 12">
-            <a:extLst>
-              <a:ext uri="{FF2B5EF4-FFF2-40B4-BE49-F238E27FC236}">
-                <a16:creationId xmlns:a16="http://schemas.microsoft.com/office/drawing/2014/main" id="{156189E5-8A3E-4CFD-B71B-CCD0F8495E56}"/>
-              </a:ext>
-              <a:ext uri="{C183D7F6-B498-43B3-948B-1728B52AA6E4}">
-                <adec:decorative xmlns:adec="http://schemas.microsoft.com/office/drawing/2017/decorative" val="1"/>
-              </a:ext>
-            </a:extLst>
-          </p:cNvPr>
-          <p:cNvSpPr>
-            <a:spLocks noGrp="1" noRot="1" noChangeAspect="1" noMove="1" noResize="1" noEditPoints="1" noAdjustHandles="1" noChangeArrowheads="1" noChangeShapeType="1" noTextEdit="1"/>
-          </p:cNvSpPr>
-          <p:nvPr>
-            <p:extLst>
-              <p:ext uri="{386F3935-93C4-4BCD-93E2-E3B085C9AB24}">
-                <p16:designElem xmlns:p16="http://schemas.microsoft.com/office/powerpoint/2015/main" val="1"/>
-              </p:ext>
-            </p:extLst>
-          </p:nvPr>
-        </p:nvSpPr>
-        <p:spPr>
-          <a:xfrm>
-            <a:off x="4654293" y="0"/>
-            <a:ext cx="142074" cy="6858000"/>
-          </a:xfrm>
-          <a:prstGeom prst="rect">
-            <a:avLst/>
-          </a:prstGeom>
-          <a:solidFill>
-            <a:schemeClr val="tx1">
-              <a:alpha val="20000"/>
-            </a:schemeClr>
-          </a:solidFill>
-          <a:ln>
-            <a:noFill/>
-          </a:ln>
-        </p:spPr>
-        <p:style>
-          <a:lnRef idx="2">
-            <a:schemeClr val="accent1">
-              <a:shade val="50000"/>
-            </a:schemeClr>
-          </a:lnRef>
-          <a:fillRef idx="1">
-            <a:schemeClr val="accent1"/>
-          </a:fillRef>
-          <a:effectRef idx="0">
-            <a:schemeClr val="accent1"/>
-          </a:effectRef>
-          <a:fontRef idx="minor">
-            <a:schemeClr val="lt1"/>
-          </a:fontRef>
-        </p:style>
-        <p:txBody>
-          <a:bodyPr rtlCol="0" anchor="ctr"/>
-          <a:lstStyle/>
-          <a:p>
-            <a:pPr marL="0" marR="0" lvl="0" indent="0" algn="ctr" defTabSz="914400" rtl="0" eaLnBrk="1" fontAlgn="auto" latinLnBrk="0" hangingPunct="1">
-              <a:lnSpc>
-                <a:spcPct val="100000"/>
-              </a:lnSpc>
-              <a:spcBef>
-                <a:spcPts val="0"/>
-              </a:spcBef>
-              <a:spcAft>
-                <a:spcPts val="0"/>
-              </a:spcAft>
-              <a:buClrTx/>
-              <a:buSzTx/>
-              <a:buFontTx/>
-              <a:buNone/>
-              <a:tabLst/>
-              <a:defRPr/>
-            </a:pPr>
-            <a:endParaRPr kumimoji="0" lang="en-US" sz="1800" b="0" i="0" u="none" strike="noStrike" kern="1200" cap="none" spc="0" normalizeH="0" baseline="0" noProof="0">
-              <a:ln>
-                <a:noFill/>
-              </a:ln>
-              <a:solidFill>
-                <a:prstClr val="white"/>
-              </a:solidFill>
-              <a:effectLst/>
-              <a:uLnTx/>
-              <a:uFillTx/>
-              <a:latin typeface="Calibri" panose="020F0502020204030204"/>
-              <a:ea typeface="+mn-ea"/>
-              <a:cs typeface="+mn-cs"/>
-            </a:endParaRPr>
-          </a:p>
-        </p:txBody>
-      </p:sp>
-      <p:graphicFrame>
-        <p:nvGraphicFramePr>
-          <p:cNvPr id="6" name="Pladsholder til indhold 2">
-            <a:extLst>
-              <a:ext uri="{FF2B5EF4-FFF2-40B4-BE49-F238E27FC236}">
-                <a16:creationId xmlns:a16="http://schemas.microsoft.com/office/drawing/2014/main" id="{491F020D-380F-4348-B1C4-5FE54F5617EC}"/>
-              </a:ext>
-            </a:extLst>
-          </p:cNvPr>
-          <p:cNvGraphicFramePr/>
-          <p:nvPr>
-            <p:extLst>
-              <p:ext uri="{D42A27DB-BD31-4B8C-83A1-F6EECF244321}">
-                <p14:modId xmlns:p14="http://schemas.microsoft.com/office/powerpoint/2010/main" val="3724160579"/>
-              </p:ext>
-            </p:extLst>
-          </p:nvPr>
-        </p:nvGraphicFramePr>
-        <p:xfrm>
-          <a:off x="5018087" y="642937"/>
-          <a:ext cx="6850063" cy="5572125"/>
-        </p:xfrm>
-        <a:graphic>
-          <a:graphicData uri="http://schemas.openxmlformats.org/drawingml/2006/diagram">
-            <dgm:relIds xmlns:dgm="http://schemas.openxmlformats.org/drawingml/2006/diagram" xmlns:r="http://schemas.openxmlformats.org/officeDocument/2006/relationships" r:dm="rId3" r:lo="rId4" r:qs="rId5" r:cs="rId6"/>
-          </a:graphicData>
-        </a:graphic>
-      </p:graphicFrame>
-    </p:spTree>
-    <p:extLst>
-      <p:ext uri="{BB962C8B-B14F-4D97-AF65-F5344CB8AC3E}">
-        <p14:creationId xmlns:p14="http://schemas.microsoft.com/office/powerpoint/2010/main" val="1861890904"/>
-      </p:ext>
-    </p:extLst>
-  </p:cSld>
-  <p:clrMapOvr>
-    <a:masterClrMapping/>
-  </p:clrMapOvr>
-</p:sld>
-</file>
-
-<file path=ppt/slides/slide4.xml><?xml version="1.0" encoding="utf-8"?>
-<p:sld xmlns:a="http://schemas.openxmlformats.org/drawingml/2006/main" xmlns:r="http://schemas.openxmlformats.org/officeDocument/2006/relationships" xmlns:p="http://schemas.openxmlformats.org/presentationml/2006/main">
-  <p:cSld>
-    <p:spTree>
-      <p:nvGrpSpPr>
-        <p:cNvPr id="1" name=""/>
-        <p:cNvGrpSpPr/>
-        <p:nvPr/>
-      </p:nvGrpSpPr>
-      <p:grpSpPr>
-        <a:xfrm>
-          <a:off x="0" y="0"/>
-          <a:ext cx="0" cy="0"/>
-          <a:chOff x="0" y="0"/>
-          <a:chExt cx="0" cy="0"/>
-        </a:xfrm>
-      </p:grpSpPr>
-      <p:sp>
-        <p:nvSpPr>
-          <p:cNvPr id="2" name="Titel 1">
-            <a:extLst>
-              <a:ext uri="{FF2B5EF4-FFF2-40B4-BE49-F238E27FC236}">
-                <a16:creationId xmlns:a16="http://schemas.microsoft.com/office/drawing/2014/main" id="{CDB62234-062A-4FC5-A4CE-4C51FD73C692}"/>
-              </a:ext>
-            </a:extLst>
-          </p:cNvPr>
-          <p:cNvSpPr>
-            <a:spLocks noGrp="1"/>
-          </p:cNvSpPr>
-          <p:nvPr>
-            <p:ph type="title"/>
-          </p:nvPr>
-        </p:nvSpPr>
-        <p:spPr/>
-        <p:txBody>
-          <a:bodyPr/>
-          <a:lstStyle/>
-          <a:p>
-            <a:r>
-              <a:rPr lang="da-DK" dirty="0"/>
-              <a:t>PUSH &amp; PULL</a:t>
-            </a:r>
-          </a:p>
-        </p:txBody>
-      </p:sp>
-      <p:sp>
-        <p:nvSpPr>
-          <p:cNvPr id="3" name="Pladsholder til indhold 2">
-            <a:extLst>
-              <a:ext uri="{FF2B5EF4-FFF2-40B4-BE49-F238E27FC236}">
-                <a16:creationId xmlns:a16="http://schemas.microsoft.com/office/drawing/2014/main" id="{D096901D-1A79-4910-A4D5-5F754DBC6CFC}"/>
-              </a:ext>
-            </a:extLst>
-          </p:cNvPr>
-          <p:cNvSpPr>
-            <a:spLocks noGrp="1"/>
-          </p:cNvSpPr>
-          <p:nvPr>
-            <p:ph idx="1"/>
-          </p:nvPr>
-        </p:nvSpPr>
-        <p:spPr/>
-        <p:txBody>
-          <a:bodyPr/>
-          <a:lstStyle/>
-          <a:p>
-            <a:r>
-              <a:rPr lang="da-DK" dirty="0"/>
-              <a:t>PULL: Hent alle </a:t>
-            </a:r>
-            <a:r>
-              <a:rPr lang="da-DK" dirty="0" err="1"/>
-              <a:t>commits</a:t>
-            </a:r>
-            <a:r>
-              <a:rPr lang="da-DK" dirty="0"/>
-              <a:t> fra </a:t>
-            </a:r>
-            <a:r>
-              <a:rPr lang="da-DK" dirty="0" err="1"/>
-              <a:t>Github</a:t>
-            </a:r>
-            <a:r>
-              <a:rPr lang="da-DK" dirty="0"/>
-              <a:t>, som ikke allerede er hentet.</a:t>
-            </a:r>
-          </a:p>
-          <a:p>
-            <a:r>
-              <a:rPr lang="da-DK" dirty="0"/>
-              <a:t>PUSH: Skub alle </a:t>
-            </a:r>
-            <a:r>
-              <a:rPr lang="da-DK" dirty="0" err="1"/>
-              <a:t>commits</a:t>
-            </a:r>
-            <a:r>
-              <a:rPr lang="da-DK" dirty="0"/>
-              <a:t>, der ikke allerede er skubbet, op på </a:t>
-            </a:r>
-            <a:r>
-              <a:rPr lang="da-DK" dirty="0" err="1"/>
-              <a:t>Github</a:t>
-            </a:r>
-            <a:endParaRPr lang="da-DK" dirty="0"/>
-          </a:p>
-          <a:p>
-            <a:endParaRPr lang="da-DK" dirty="0"/>
-          </a:p>
-          <a:p>
-            <a:r>
-              <a:rPr lang="da-DK" dirty="0"/>
-              <a:t>Hent først og derefter skub</a:t>
-            </a:r>
-          </a:p>
-          <a:p>
-            <a:pPr lvl="1"/>
-            <a:r>
-              <a:rPr lang="da-DK" dirty="0"/>
-              <a:t>Er der andre der har ændret noget, så skal du hente deres ændringer først.</a:t>
-            </a:r>
-          </a:p>
-          <a:p>
-            <a:pPr lvl="1"/>
-            <a:r>
-              <a:rPr lang="da-DK" dirty="0"/>
-              <a:t>Når deres ændringer er hentet og flette ind, så kan du skubbe op.</a:t>
-            </a:r>
-          </a:p>
-          <a:p>
-            <a:pPr lvl="1"/>
-            <a:endParaRPr lang="da-DK" dirty="0"/>
-          </a:p>
-        </p:txBody>
-      </p:sp>
-    </p:spTree>
-    <p:extLst>
-      <p:ext uri="{BB962C8B-B14F-4D97-AF65-F5344CB8AC3E}">
-        <p14:creationId xmlns:p14="http://schemas.microsoft.com/office/powerpoint/2010/main" val="4005715136"/>
-      </p:ext>
-    </p:extLst>
-  </p:cSld>
-  <p:clrMapOvr>
-    <a:masterClrMapping/>
-  </p:clrMapOvr>
-</p:sld>
-</file>
-
-<file path=ppt/slides/slide5.xml><?xml version="1.0" encoding="utf-8"?>
-<p:sld xmlns:a="http://schemas.openxmlformats.org/drawingml/2006/main" xmlns:r="http://schemas.openxmlformats.org/officeDocument/2006/relationships" xmlns:p="http://schemas.openxmlformats.org/presentationml/2006/main">
-  <p:cSld>
-    <p:spTree>
-      <p:nvGrpSpPr>
-        <p:cNvPr id="1" name=""/>
-        <p:cNvGrpSpPr/>
-        <p:nvPr/>
-      </p:nvGrpSpPr>
-      <p:grpSpPr>
-        <a:xfrm>
-          <a:off x="0" y="0"/>
-          <a:ext cx="0" cy="0"/>
-          <a:chOff x="0" y="0"/>
-          <a:chExt cx="0" cy="0"/>
-        </a:xfrm>
-      </p:grpSpPr>
-      <p:sp>
-        <p:nvSpPr>
-          <p:cNvPr id="2" name="Titel 1">
-            <a:extLst>
-              <a:ext uri="{FF2B5EF4-FFF2-40B4-BE49-F238E27FC236}">
-                <a16:creationId xmlns:a16="http://schemas.microsoft.com/office/drawing/2014/main" id="{7119790E-DC47-4CA0-82D0-EC5E0BF8BAD8}"/>
-              </a:ext>
-            </a:extLst>
-          </p:cNvPr>
-          <p:cNvSpPr>
-            <a:spLocks noGrp="1"/>
-          </p:cNvSpPr>
-          <p:nvPr>
-            <p:ph type="title"/>
-          </p:nvPr>
-        </p:nvSpPr>
-        <p:spPr/>
-        <p:txBody>
-          <a:bodyPr/>
-          <a:lstStyle/>
-          <a:p>
-            <a:r>
-              <a:rPr lang="da-DK" dirty="0" err="1"/>
-              <a:t>Github</a:t>
-            </a:r>
-            <a:r>
-              <a:rPr lang="da-DK" dirty="0"/>
-              <a:t> Repository</a:t>
-            </a:r>
-          </a:p>
-        </p:txBody>
-      </p:sp>
-      <p:sp>
-        <p:nvSpPr>
-          <p:cNvPr id="3" name="Pladsholder til indhold 2">
-            <a:extLst>
-              <a:ext uri="{FF2B5EF4-FFF2-40B4-BE49-F238E27FC236}">
-                <a16:creationId xmlns:a16="http://schemas.microsoft.com/office/drawing/2014/main" id="{4014FAE0-5B00-471C-B5C2-7CD03065984E}"/>
-              </a:ext>
-            </a:extLst>
-          </p:cNvPr>
-          <p:cNvSpPr>
-            <a:spLocks noGrp="1"/>
-          </p:cNvSpPr>
-          <p:nvPr>
-            <p:ph idx="1"/>
-          </p:nvPr>
-        </p:nvSpPr>
-        <p:spPr/>
-        <p:txBody>
-          <a:bodyPr/>
-          <a:lstStyle/>
-          <a:p>
-            <a:r>
-              <a:rPr lang="da-DK" dirty="0" err="1"/>
-              <a:t>Github</a:t>
-            </a:r>
-            <a:r>
-              <a:rPr lang="da-DK" dirty="0"/>
-              <a:t> står kun for at lagre jeres data</a:t>
-            </a:r>
-          </a:p>
-          <a:p>
-            <a:endParaRPr lang="da-DK" dirty="0"/>
-          </a:p>
-          <a:p>
-            <a:r>
-              <a:rPr lang="da-DK" dirty="0" err="1"/>
-              <a:t>Github</a:t>
-            </a:r>
-            <a:r>
-              <a:rPr lang="da-DK" dirty="0"/>
-              <a:t> har et væld af muligheder for at styre jeres projekter</a:t>
-            </a:r>
-          </a:p>
-          <a:p>
-            <a:pPr lvl="1"/>
-            <a:r>
-              <a:rPr lang="da-DK" dirty="0"/>
-              <a:t>Gå gerne selv på opdagelse i ”Projects”, ”Wiki” og ”</a:t>
-            </a:r>
-            <a:r>
-              <a:rPr lang="da-DK" dirty="0" err="1"/>
-              <a:t>Insights</a:t>
-            </a:r>
-            <a:r>
-              <a:rPr lang="da-DK" dirty="0"/>
-              <a:t>”</a:t>
-            </a:r>
-          </a:p>
-          <a:p>
-            <a:pPr lvl="1"/>
-            <a:endParaRPr lang="da-DK" dirty="0"/>
-          </a:p>
-          <a:p>
-            <a:r>
-              <a:rPr lang="da-DK" dirty="0"/>
-              <a:t>Giver overblik over alle gruppemedlemmernes arbejde</a:t>
-            </a:r>
-          </a:p>
-        </p:txBody>
-      </p:sp>
-    </p:spTree>
-    <p:extLst>
-      <p:ext uri="{BB962C8B-B14F-4D97-AF65-F5344CB8AC3E}">
-        <p14:creationId xmlns:p14="http://schemas.microsoft.com/office/powerpoint/2010/main" val="3201152415"/>
-      </p:ext>
-    </p:extLst>
-  </p:cSld>
-  <p:clrMapOvr>
-    <a:masterClrMapping/>
-  </p:clrMapOvr>
-</p:sld>
-</file>
-
-<file path=ppt/slides/slide6.xml><?xml version="1.0" encoding="utf-8"?>
+<file path=ppt/slides/slide10.xml><?xml version="1.0" encoding="utf-8"?>
 <p:sld xmlns:a="http://schemas.openxmlformats.org/drawingml/2006/main" xmlns:r="http://schemas.openxmlformats.org/officeDocument/2006/relationships" xmlns:p="http://schemas.openxmlformats.org/presentationml/2006/main">
   <p:cSld>
     <p:bg>
@@ -9132,7 +8817,7 @@
           </p:nvPr>
         </p:nvPicPr>
         <p:blipFill>
-          <a:blip r:embed="rId2">
+          <a:blip r:embed="rId3">
             <a:extLst>
               <a:ext uri="{28A0092B-C50C-407E-A947-70E740481C1C}">
                 <a14:useLocalDpi xmlns:a14="http://schemas.microsoft.com/office/drawing/2010/main" val="0"/>
@@ -9296,7 +8981,7 @@
           <p:nvPr/>
         </p:nvPicPr>
         <p:blipFill rotWithShape="1">
-          <a:blip r:embed="rId3">
+          <a:blip r:embed="rId4">
             <a:alphaModFix/>
           </a:blip>
           <a:srcRect l="14531" t="8950" r="5391" b="15532"/>
@@ -9337,7 +9022,7 @@
           </p:nvPr>
         </p:nvPicPr>
         <p:blipFill rotWithShape="1">
-          <a:blip r:embed="rId4">
+          <a:blip r:embed="rId5">
             <a:alphaModFix/>
           </a:blip>
           <a:srcRect l="13097" t="10317" r="15251" b="9576"/>
@@ -9415,7 +9100,7 @@
                 <a:solidFill>
                   <a:srgbClr val="000000"/>
                 </a:solidFill>
-                <a:hlinkClick r:id="rId5"/>
+                <a:hlinkClick r:id="rId6"/>
               </a:rPr>
               <a:t>https://git-scm.com/</a:t>
             </a:r>
@@ -9502,7 +9187,7 @@
                 <a:solidFill>
                   <a:srgbClr val="000000"/>
                 </a:solidFill>
-                <a:hlinkClick r:id="rId6"/>
+                <a:hlinkClick r:id="rId7"/>
               </a:rPr>
               <a:t>www.github.com</a:t>
             </a:r>
@@ -9532,6 +9217,4565 @@
     <p:extLst>
       <p:ext uri="{BB962C8B-B14F-4D97-AF65-F5344CB8AC3E}">
         <p14:creationId xmlns:p14="http://schemas.microsoft.com/office/powerpoint/2010/main" val="2671982552"/>
+      </p:ext>
+    </p:extLst>
+  </p:cSld>
+  <p:clrMapOvr>
+    <a:masterClrMapping/>
+  </p:clrMapOvr>
+</p:sld>
+</file>
+
+<file path=ppt/slides/slide11.xml><?xml version="1.0" encoding="utf-8"?>
+<p:sld xmlns:a="http://schemas.openxmlformats.org/drawingml/2006/main" xmlns:r="http://schemas.openxmlformats.org/officeDocument/2006/relationships" xmlns:p="http://schemas.openxmlformats.org/presentationml/2006/main">
+  <p:cSld>
+    <p:spTree>
+      <p:nvGrpSpPr>
+        <p:cNvPr id="1" name=""/>
+        <p:cNvGrpSpPr/>
+        <p:nvPr/>
+      </p:nvGrpSpPr>
+      <p:grpSpPr>
+        <a:xfrm>
+          <a:off x="0" y="0"/>
+          <a:ext cx="0" cy="0"/>
+          <a:chOff x="0" y="0"/>
+          <a:chExt cx="0" cy="0"/>
+        </a:xfrm>
+      </p:grpSpPr>
+      <p:sp>
+        <p:nvSpPr>
+          <p:cNvPr id="2" name="Titel 1">
+            <a:extLst>
+              <a:ext uri="{FF2B5EF4-FFF2-40B4-BE49-F238E27FC236}">
+                <a16:creationId xmlns:a16="http://schemas.microsoft.com/office/drawing/2014/main" id="{F349DDEA-EF52-4CB6-B248-73752C47D1A5}"/>
+              </a:ext>
+            </a:extLst>
+          </p:cNvPr>
+          <p:cNvSpPr>
+            <a:spLocks noGrp="1"/>
+          </p:cNvSpPr>
+          <p:nvPr>
+            <p:ph type="title"/>
+          </p:nvPr>
+        </p:nvSpPr>
+        <p:spPr/>
+        <p:txBody>
+          <a:bodyPr/>
+          <a:lstStyle/>
+          <a:p>
+            <a:r>
+              <a:rPr lang="da-DK" dirty="0"/>
+              <a:t>Teori og </a:t>
+            </a:r>
+            <a:r>
+              <a:rPr lang="da-DK" dirty="0" err="1"/>
+              <a:t>Cheat</a:t>
+            </a:r>
+            <a:r>
+              <a:rPr lang="da-DK" dirty="0"/>
+              <a:t> </a:t>
+            </a:r>
+            <a:r>
+              <a:rPr lang="da-DK" dirty="0" err="1"/>
+              <a:t>sheet</a:t>
+            </a:r>
+            <a:endParaRPr lang="da-DK" dirty="0"/>
+          </a:p>
+        </p:txBody>
+      </p:sp>
+      <p:sp>
+        <p:nvSpPr>
+          <p:cNvPr id="3" name="Pladsholder til indhold 2">
+            <a:extLst>
+              <a:ext uri="{FF2B5EF4-FFF2-40B4-BE49-F238E27FC236}">
+                <a16:creationId xmlns:a16="http://schemas.microsoft.com/office/drawing/2014/main" id="{3DF34725-B79D-4C55-8DEB-F95B8CF74A2B}"/>
+              </a:ext>
+            </a:extLst>
+          </p:cNvPr>
+          <p:cNvSpPr>
+            <a:spLocks noGrp="1"/>
+          </p:cNvSpPr>
+          <p:nvPr>
+            <p:ph idx="1"/>
+          </p:nvPr>
+        </p:nvSpPr>
+        <p:spPr/>
+        <p:txBody>
+          <a:bodyPr/>
+          <a:lstStyle/>
+          <a:p>
+            <a:r>
+              <a:rPr lang="da-DK" dirty="0" err="1"/>
+              <a:t>ProGit</a:t>
+            </a:r>
+            <a:endParaRPr lang="da-DK" dirty="0"/>
+          </a:p>
+          <a:p>
+            <a:pPr lvl="1"/>
+            <a:r>
+              <a:rPr lang="da-DK" dirty="0">
+                <a:hlinkClick r:id="rId2"/>
+              </a:rPr>
+              <a:t>https://git-scm.com/book/en/v2</a:t>
+            </a:r>
+            <a:endParaRPr lang="da-DK" dirty="0"/>
+          </a:p>
+          <a:p>
+            <a:pPr lvl="1"/>
+            <a:r>
+              <a:rPr lang="da-DK" dirty="0"/>
+              <a:t>526 sider teori om Git</a:t>
+            </a:r>
+          </a:p>
+          <a:p>
+            <a:endParaRPr lang="da-DK" dirty="0"/>
+          </a:p>
+          <a:p>
+            <a:r>
+              <a:rPr lang="da-DK" dirty="0"/>
+              <a:t>Git </a:t>
+            </a:r>
+            <a:r>
+              <a:rPr lang="da-DK" dirty="0" err="1"/>
+              <a:t>Cheat</a:t>
+            </a:r>
+            <a:r>
+              <a:rPr lang="da-DK" dirty="0"/>
+              <a:t> </a:t>
+            </a:r>
+            <a:r>
+              <a:rPr lang="da-DK" dirty="0" err="1"/>
+              <a:t>sheet</a:t>
+            </a:r>
+            <a:endParaRPr lang="da-DK" dirty="0"/>
+          </a:p>
+          <a:p>
+            <a:pPr lvl="1"/>
+            <a:r>
+              <a:rPr lang="da-DK" dirty="0">
+                <a:hlinkClick r:id="rId3"/>
+              </a:rPr>
+              <a:t>https://education.github.com/git-cheat-sheet-education.pdf</a:t>
+            </a:r>
+            <a:r>
+              <a:rPr lang="da-DK" dirty="0"/>
+              <a:t> </a:t>
+            </a:r>
+          </a:p>
+        </p:txBody>
+      </p:sp>
+    </p:spTree>
+    <p:extLst>
+      <p:ext uri="{BB962C8B-B14F-4D97-AF65-F5344CB8AC3E}">
+        <p14:creationId xmlns:p14="http://schemas.microsoft.com/office/powerpoint/2010/main" val="1911331881"/>
+      </p:ext>
+    </p:extLst>
+  </p:cSld>
+  <p:clrMapOvr>
+    <a:masterClrMapping/>
+  </p:clrMapOvr>
+</p:sld>
+</file>
+
+<file path=ppt/slides/slide12.xml><?xml version="1.0" encoding="utf-8"?>
+<p:sld xmlns:a="http://schemas.openxmlformats.org/drawingml/2006/main" xmlns:r="http://schemas.openxmlformats.org/officeDocument/2006/relationships" xmlns:p="http://schemas.openxmlformats.org/presentationml/2006/main">
+  <p:cSld>
+    <p:bg>
+      <p:bgPr>
+        <a:solidFill>
+          <a:schemeClr val="bg1"/>
+        </a:solidFill>
+        <a:effectLst/>
+      </p:bgPr>
+    </p:bg>
+    <p:spTree>
+      <p:nvGrpSpPr>
+        <p:cNvPr id="1" name=""/>
+        <p:cNvGrpSpPr/>
+        <p:nvPr/>
+      </p:nvGrpSpPr>
+      <p:grpSpPr>
+        <a:xfrm>
+          <a:off x="0" y="0"/>
+          <a:ext cx="0" cy="0"/>
+          <a:chOff x="0" y="0"/>
+          <a:chExt cx="0" cy="0"/>
+        </a:xfrm>
+      </p:grpSpPr>
+      <p:sp useBgFill="1">
+        <p:nvSpPr>
+          <p:cNvPr id="11" name="Rectangle 10">
+            <a:extLst>
+              <a:ext uri="{FF2B5EF4-FFF2-40B4-BE49-F238E27FC236}">
+                <a16:creationId xmlns:a16="http://schemas.microsoft.com/office/drawing/2014/main" id="{15911E3A-C35B-4EF7-A355-B84E9A14AF4D}"/>
+              </a:ext>
+              <a:ext uri="{C183D7F6-B498-43B3-948B-1728B52AA6E4}">
+                <adec:decorative xmlns:adec="http://schemas.microsoft.com/office/drawing/2017/decorative" val="1"/>
+              </a:ext>
+            </a:extLst>
+          </p:cNvPr>
+          <p:cNvSpPr>
+            <a:spLocks noGrp="1" noRot="1" noChangeAspect="1" noMove="1" noResize="1" noEditPoints="1" noAdjustHandles="1" noChangeArrowheads="1" noChangeShapeType="1" noTextEdit="1"/>
+          </p:cNvSpPr>
+          <p:nvPr>
+            <p:extLst>
+              <p:ext uri="{386F3935-93C4-4BCD-93E2-E3B085C9AB24}">
+                <p16:designElem xmlns:p16="http://schemas.microsoft.com/office/powerpoint/2015/main" val="1"/>
+              </p:ext>
+            </p:extLst>
+          </p:nvPr>
+        </p:nvSpPr>
+        <p:spPr>
+          <a:xfrm>
+            <a:off x="0" y="-1"/>
+            <a:ext cx="12192000" cy="6858001"/>
+          </a:xfrm>
+          <a:prstGeom prst="rect">
+            <a:avLst/>
+          </a:prstGeom>
+          <a:ln>
+            <a:noFill/>
+          </a:ln>
+        </p:spPr>
+        <p:style>
+          <a:lnRef idx="2">
+            <a:schemeClr val="accent1">
+              <a:shade val="50000"/>
+            </a:schemeClr>
+          </a:lnRef>
+          <a:fillRef idx="1">
+            <a:schemeClr val="accent1"/>
+          </a:fillRef>
+          <a:effectRef idx="0">
+            <a:schemeClr val="accent1"/>
+          </a:effectRef>
+          <a:fontRef idx="minor">
+            <a:schemeClr val="lt1"/>
+          </a:fontRef>
+        </p:style>
+        <p:txBody>
+          <a:bodyPr rtlCol="0" anchor="ctr"/>
+          <a:lstStyle/>
+          <a:p>
+            <a:pPr marL="0" marR="0" lvl="0" indent="0" algn="ctr" defTabSz="914400" rtl="0" eaLnBrk="1" fontAlgn="auto" latinLnBrk="0" hangingPunct="1">
+              <a:lnSpc>
+                <a:spcPct val="100000"/>
+              </a:lnSpc>
+              <a:spcBef>
+                <a:spcPts val="0"/>
+              </a:spcBef>
+              <a:spcAft>
+                <a:spcPts val="0"/>
+              </a:spcAft>
+              <a:buClrTx/>
+              <a:buSzTx/>
+              <a:buFontTx/>
+              <a:buNone/>
+              <a:tabLst/>
+              <a:defRPr/>
+            </a:pPr>
+            <a:endParaRPr kumimoji="0" lang="en-US" sz="1800" b="0" i="0" u="none" strike="noStrike" kern="1200" cap="none" spc="0" normalizeH="0" baseline="0" noProof="0">
+              <a:ln>
+                <a:noFill/>
+              </a:ln>
+              <a:solidFill>
+                <a:prstClr val="white"/>
+              </a:solidFill>
+              <a:effectLst/>
+              <a:uLnTx/>
+              <a:uFillTx/>
+              <a:latin typeface="Calibri" panose="020F0502020204030204"/>
+              <a:ea typeface="+mn-ea"/>
+              <a:cs typeface="+mn-cs"/>
+            </a:endParaRPr>
+          </a:p>
+        </p:txBody>
+      </p:sp>
+      <p:grpSp>
+        <p:nvGrpSpPr>
+          <p:cNvPr id="13" name="Group 12">
+            <a:extLst>
+              <a:ext uri="{FF2B5EF4-FFF2-40B4-BE49-F238E27FC236}">
+                <a16:creationId xmlns:a16="http://schemas.microsoft.com/office/drawing/2014/main" id="{E21ADB3D-AD65-44B4-847D-5E90E90A5D16}"/>
+              </a:ext>
+              <a:ext uri="{C183D7F6-B498-43B3-948B-1728B52AA6E4}">
+                <adec:decorative xmlns:adec="http://schemas.microsoft.com/office/drawing/2017/decorative" val="1"/>
+              </a:ext>
+            </a:extLst>
+          </p:cNvPr>
+          <p:cNvGrpSpPr>
+            <a:grpSpLocks noGrp="1" noUngrp="1" noRot="1" noChangeAspect="1" noMove="1" noResize="1"/>
+          </p:cNvGrpSpPr>
+          <p:nvPr>
+            <p:extLst>
+              <p:ext uri="{386F3935-93C4-4BCD-93E2-E3B085C9AB24}">
+                <p16:designElem xmlns:p16="http://schemas.microsoft.com/office/powerpoint/2015/main" val="1"/>
+              </p:ext>
+            </p:extLst>
+          </p:nvPr>
+        </p:nvGrpSpPr>
+        <p:grpSpPr>
+          <a:xfrm>
+            <a:off x="-417513" y="0"/>
+            <a:ext cx="12584114" cy="6853238"/>
+            <a:chOff x="-417513" y="0"/>
+            <a:chExt cx="12584114" cy="6853238"/>
+          </a:xfrm>
+        </p:grpSpPr>
+        <p:sp>
+          <p:nvSpPr>
+            <p:cNvPr id="14" name="Freeform 5">
+              <a:extLst>
+                <a:ext uri="{FF2B5EF4-FFF2-40B4-BE49-F238E27FC236}">
+                  <a16:creationId xmlns:a16="http://schemas.microsoft.com/office/drawing/2014/main" id="{CF580C70-814C-4845-B645-919BFFBD16BA}"/>
+                </a:ext>
+                <a:ext uri="{C183D7F6-B498-43B3-948B-1728B52AA6E4}">
+                  <adec:decorative xmlns:adec="http://schemas.microsoft.com/office/drawing/2017/decorative" val="1"/>
+                </a:ext>
+              </a:extLst>
+            </p:cNvPr>
+            <p:cNvSpPr/>
+            <p:nvPr>
+              <p:extLst>
+                <p:ext uri="{386F3935-93C4-4BCD-93E2-E3B085C9AB24}">
+                  <p16:designElem xmlns:p16="http://schemas.microsoft.com/office/powerpoint/2015/main" val="1"/>
+                </p:ext>
+              </p:extLst>
+            </p:nvPr>
+          </p:nvSpPr>
+          <p:spPr bwMode="auto">
+            <a:xfrm>
+              <a:off x="1306513" y="0"/>
+              <a:ext cx="3862388" cy="6843713"/>
+            </a:xfrm>
+            <a:custGeom>
+              <a:avLst/>
+              <a:gdLst/>
+              <a:ahLst/>
+              <a:cxnLst/>
+              <a:rect l="0" t="0" r="r" b="b"/>
+              <a:pathLst>
+                <a:path w="813" h="1440">
+                  <a:moveTo>
+                    <a:pt x="813" y="0"/>
+                  </a:moveTo>
+                  <a:cubicBezTo>
+                    <a:pt x="331" y="221"/>
+                    <a:pt x="0" y="1039"/>
+                    <a:pt x="435" y="1440"/>
+                  </a:cubicBezTo>
+                </a:path>
+              </a:pathLst>
+            </a:custGeom>
+            <a:noFill/>
+            <a:ln w="9525" cap="flat">
+              <a:solidFill>
+                <a:schemeClr val="tx1">
+                  <a:alpha val="20000"/>
+                </a:schemeClr>
+              </a:solidFill>
+              <a:prstDash val="solid"/>
+              <a:miter lim="800000"/>
+              <a:headEnd/>
+              <a:tailEnd/>
+            </a:ln>
+            <a:extLst>
+              <a:ext uri="{909E8E84-426E-40DD-AFC4-6F175D3DCCD1}">
+                <a14:hiddenFill xmlns:a14="http://schemas.microsoft.com/office/drawing/2010/main">
+                  <a:solidFill>
+                    <a:srgbClr val="FFFFFF"/>
+                  </a:solidFill>
+                </a14:hiddenFill>
+              </a:ext>
+            </a:extLst>
+          </p:spPr>
+        </p:sp>
+        <p:sp>
+          <p:nvSpPr>
+            <p:cNvPr id="15" name="Freeform 6">
+              <a:extLst>
+                <a:ext uri="{FF2B5EF4-FFF2-40B4-BE49-F238E27FC236}">
+                  <a16:creationId xmlns:a16="http://schemas.microsoft.com/office/drawing/2014/main" id="{34D7BF57-4CAA-45B2-9EF0-0AA1FCF70B16}"/>
+                </a:ext>
+                <a:ext uri="{C183D7F6-B498-43B3-948B-1728B52AA6E4}">
+                  <adec:decorative xmlns:adec="http://schemas.microsoft.com/office/drawing/2017/decorative" val="1"/>
+                </a:ext>
+              </a:extLst>
+            </p:cNvPr>
+            <p:cNvSpPr/>
+            <p:nvPr>
+              <p:extLst>
+                <p:ext uri="{386F3935-93C4-4BCD-93E2-E3B085C9AB24}">
+                  <p16:designElem xmlns:p16="http://schemas.microsoft.com/office/powerpoint/2015/main" val="1"/>
+                </p:ext>
+              </p:extLst>
+            </p:nvPr>
+          </p:nvSpPr>
+          <p:spPr bwMode="auto">
+            <a:xfrm>
+              <a:off x="10626725" y="9525"/>
+              <a:ext cx="1539875" cy="555625"/>
+            </a:xfrm>
+            <a:custGeom>
+              <a:avLst/>
+              <a:gdLst/>
+              <a:ahLst/>
+              <a:cxnLst/>
+              <a:rect l="0" t="0" r="r" b="b"/>
+              <a:pathLst>
+                <a:path w="324" h="117">
+                  <a:moveTo>
+                    <a:pt x="324" y="117"/>
+                  </a:moveTo>
+                  <a:cubicBezTo>
+                    <a:pt x="223" y="64"/>
+                    <a:pt x="107" y="28"/>
+                    <a:pt x="0" y="0"/>
+                  </a:cubicBezTo>
+                </a:path>
+              </a:pathLst>
+            </a:custGeom>
+            <a:noFill/>
+            <a:ln w="9525" cap="flat">
+              <a:solidFill>
+                <a:schemeClr val="tx1">
+                  <a:alpha val="20000"/>
+                </a:schemeClr>
+              </a:solidFill>
+              <a:prstDash val="solid"/>
+              <a:miter lim="800000"/>
+              <a:headEnd/>
+              <a:tailEnd/>
+            </a:ln>
+            <a:extLst>
+              <a:ext uri="{909E8E84-426E-40DD-AFC4-6F175D3DCCD1}">
+                <a14:hiddenFill xmlns:a14="http://schemas.microsoft.com/office/drawing/2010/main">
+                  <a:solidFill>
+                    <a:srgbClr val="FFFFFF"/>
+                  </a:solidFill>
+                </a14:hiddenFill>
+              </a:ext>
+            </a:extLst>
+          </p:spPr>
+        </p:sp>
+        <p:sp>
+          <p:nvSpPr>
+            <p:cNvPr id="16" name="Freeform 7">
+              <a:extLst>
+                <a:ext uri="{FF2B5EF4-FFF2-40B4-BE49-F238E27FC236}">
+                  <a16:creationId xmlns:a16="http://schemas.microsoft.com/office/drawing/2014/main" id="{7886F306-C03A-40C6-8FD5-DCE3D4595D6D}"/>
+                </a:ext>
+                <a:ext uri="{C183D7F6-B498-43B3-948B-1728B52AA6E4}">
+                  <adec:decorative xmlns:adec="http://schemas.microsoft.com/office/drawing/2017/decorative" val="1"/>
+                </a:ext>
+              </a:extLst>
+            </p:cNvPr>
+            <p:cNvSpPr/>
+            <p:nvPr>
+              <p:extLst>
+                <p:ext uri="{386F3935-93C4-4BCD-93E2-E3B085C9AB24}">
+                  <p16:designElem xmlns:p16="http://schemas.microsoft.com/office/powerpoint/2015/main" val="1"/>
+                </p:ext>
+              </p:extLst>
+            </p:nvPr>
+          </p:nvSpPr>
+          <p:spPr bwMode="auto">
+            <a:xfrm>
+              <a:off x="10247313" y="5013325"/>
+              <a:ext cx="1919288" cy="1830388"/>
+            </a:xfrm>
+            <a:custGeom>
+              <a:avLst/>
+              <a:gdLst/>
+              <a:ahLst/>
+              <a:cxnLst/>
+              <a:rect l="0" t="0" r="r" b="b"/>
+              <a:pathLst>
+                <a:path w="404" h="385">
+                  <a:moveTo>
+                    <a:pt x="0" y="385"/>
+                  </a:moveTo>
+                  <a:cubicBezTo>
+                    <a:pt x="146" y="272"/>
+                    <a:pt x="285" y="142"/>
+                    <a:pt x="404" y="0"/>
+                  </a:cubicBezTo>
+                </a:path>
+              </a:pathLst>
+            </a:custGeom>
+            <a:noFill/>
+            <a:ln w="9525" cap="flat">
+              <a:solidFill>
+                <a:schemeClr val="tx1">
+                  <a:alpha val="20000"/>
+                </a:schemeClr>
+              </a:solidFill>
+              <a:prstDash val="solid"/>
+              <a:miter lim="800000"/>
+              <a:headEnd/>
+              <a:tailEnd/>
+            </a:ln>
+            <a:extLst>
+              <a:ext uri="{909E8E84-426E-40DD-AFC4-6F175D3DCCD1}">
+                <a14:hiddenFill xmlns:a14="http://schemas.microsoft.com/office/drawing/2010/main">
+                  <a:solidFill>
+                    <a:srgbClr val="FFFFFF"/>
+                  </a:solidFill>
+                </a14:hiddenFill>
+              </a:ext>
+            </a:extLst>
+          </p:spPr>
+        </p:sp>
+        <p:sp>
+          <p:nvSpPr>
+            <p:cNvPr id="17" name="Freeform 8">
+              <a:extLst>
+                <a:ext uri="{FF2B5EF4-FFF2-40B4-BE49-F238E27FC236}">
+                  <a16:creationId xmlns:a16="http://schemas.microsoft.com/office/drawing/2014/main" id="{2FDC9A36-C7C3-47D7-A64E-ED25C47EC704}"/>
+                </a:ext>
+                <a:ext uri="{C183D7F6-B498-43B3-948B-1728B52AA6E4}">
+                  <adec:decorative xmlns:adec="http://schemas.microsoft.com/office/drawing/2017/decorative" val="1"/>
+                </a:ext>
+              </a:extLst>
+            </p:cNvPr>
+            <p:cNvSpPr/>
+            <p:nvPr>
+              <p:extLst>
+                <p:ext uri="{386F3935-93C4-4BCD-93E2-E3B085C9AB24}">
+                  <p16:designElem xmlns:p16="http://schemas.microsoft.com/office/powerpoint/2015/main" val="1"/>
+                </p:ext>
+              </p:extLst>
+            </p:nvPr>
+          </p:nvSpPr>
+          <p:spPr bwMode="auto">
+            <a:xfrm>
+              <a:off x="1120775" y="0"/>
+              <a:ext cx="3676650" cy="6843713"/>
+            </a:xfrm>
+            <a:custGeom>
+              <a:avLst/>
+              <a:gdLst/>
+              <a:ahLst/>
+              <a:cxnLst/>
+              <a:rect l="0" t="0" r="r" b="b"/>
+              <a:pathLst>
+                <a:path w="774" h="1440">
+                  <a:moveTo>
+                    <a:pt x="774" y="0"/>
+                  </a:moveTo>
+                  <a:cubicBezTo>
+                    <a:pt x="312" y="240"/>
+                    <a:pt x="0" y="1034"/>
+                    <a:pt x="411" y="1440"/>
+                  </a:cubicBezTo>
+                </a:path>
+              </a:pathLst>
+            </a:custGeom>
+            <a:noFill/>
+            <a:ln w="9525" cap="flat">
+              <a:solidFill>
+                <a:schemeClr val="tx1">
+                  <a:alpha val="20000"/>
+                </a:schemeClr>
+              </a:solidFill>
+              <a:prstDash val="dash"/>
+              <a:miter lim="800000"/>
+              <a:headEnd/>
+              <a:tailEnd/>
+            </a:ln>
+            <a:extLst>
+              <a:ext uri="{909E8E84-426E-40DD-AFC4-6F175D3DCCD1}">
+                <a14:hiddenFill xmlns:a14="http://schemas.microsoft.com/office/drawing/2010/main">
+                  <a:solidFill>
+                    <a:srgbClr val="FFFFFF"/>
+                  </a:solidFill>
+                </a14:hiddenFill>
+              </a:ext>
+            </a:extLst>
+          </p:spPr>
+        </p:sp>
+        <p:sp>
+          <p:nvSpPr>
+            <p:cNvPr id="18" name="Freeform 9">
+              <a:extLst>
+                <a:ext uri="{FF2B5EF4-FFF2-40B4-BE49-F238E27FC236}">
+                  <a16:creationId xmlns:a16="http://schemas.microsoft.com/office/drawing/2014/main" id="{BB19BC37-158A-43DC-9A9E-E45CC71954DC}"/>
+                </a:ext>
+                <a:ext uri="{C183D7F6-B498-43B3-948B-1728B52AA6E4}">
+                  <adec:decorative xmlns:adec="http://schemas.microsoft.com/office/drawing/2017/decorative" val="1"/>
+                </a:ext>
+              </a:extLst>
+            </p:cNvPr>
+            <p:cNvSpPr/>
+            <p:nvPr>
+              <p:extLst>
+                <p:ext uri="{386F3935-93C4-4BCD-93E2-E3B085C9AB24}">
+                  <p16:designElem xmlns:p16="http://schemas.microsoft.com/office/powerpoint/2015/main" val="1"/>
+                </p:ext>
+              </p:extLst>
+            </p:nvPr>
+          </p:nvSpPr>
+          <p:spPr bwMode="auto">
+            <a:xfrm>
+              <a:off x="11202988" y="9525"/>
+              <a:ext cx="963613" cy="366713"/>
+            </a:xfrm>
+            <a:custGeom>
+              <a:avLst/>
+              <a:gdLst/>
+              <a:ahLst/>
+              <a:cxnLst/>
+              <a:rect l="0" t="0" r="r" b="b"/>
+              <a:pathLst>
+                <a:path w="203" h="77">
+                  <a:moveTo>
+                    <a:pt x="203" y="77"/>
+                  </a:moveTo>
+                  <a:cubicBezTo>
+                    <a:pt x="138" y="46"/>
+                    <a:pt x="68" y="21"/>
+                    <a:pt x="0" y="0"/>
+                  </a:cubicBezTo>
+                </a:path>
+              </a:pathLst>
+            </a:custGeom>
+            <a:noFill/>
+            <a:ln w="9525" cap="flat">
+              <a:solidFill>
+                <a:schemeClr val="tx1">
+                  <a:alpha val="20000"/>
+                </a:schemeClr>
+              </a:solidFill>
+              <a:prstDash val="dash"/>
+              <a:miter lim="800000"/>
+              <a:headEnd/>
+              <a:tailEnd/>
+            </a:ln>
+            <a:extLst>
+              <a:ext uri="{909E8E84-426E-40DD-AFC4-6F175D3DCCD1}">
+                <a14:hiddenFill xmlns:a14="http://schemas.microsoft.com/office/drawing/2010/main">
+                  <a:solidFill>
+                    <a:srgbClr val="FFFFFF"/>
+                  </a:solidFill>
+                </a14:hiddenFill>
+              </a:ext>
+            </a:extLst>
+          </p:spPr>
+        </p:sp>
+        <p:sp>
+          <p:nvSpPr>
+            <p:cNvPr id="19" name="Freeform 10">
+              <a:extLst>
+                <a:ext uri="{FF2B5EF4-FFF2-40B4-BE49-F238E27FC236}">
+                  <a16:creationId xmlns:a16="http://schemas.microsoft.com/office/drawing/2014/main" id="{077654CC-108F-48D5-B5E9-437F164F52A5}"/>
+                </a:ext>
+                <a:ext uri="{C183D7F6-B498-43B3-948B-1728B52AA6E4}">
+                  <adec:decorative xmlns:adec="http://schemas.microsoft.com/office/drawing/2017/decorative" val="1"/>
+                </a:ext>
+              </a:extLst>
+            </p:cNvPr>
+            <p:cNvSpPr/>
+            <p:nvPr>
+              <p:extLst>
+                <p:ext uri="{386F3935-93C4-4BCD-93E2-E3B085C9AB24}">
+                  <p16:designElem xmlns:p16="http://schemas.microsoft.com/office/powerpoint/2015/main" val="1"/>
+                </p:ext>
+              </p:extLst>
+            </p:nvPr>
+          </p:nvSpPr>
+          <p:spPr bwMode="auto">
+            <a:xfrm>
+              <a:off x="10494963" y="5275263"/>
+              <a:ext cx="1666875" cy="1577975"/>
+            </a:xfrm>
+            <a:custGeom>
+              <a:avLst/>
+              <a:gdLst/>
+              <a:ahLst/>
+              <a:cxnLst/>
+              <a:rect l="0" t="0" r="r" b="b"/>
+              <a:pathLst>
+                <a:path w="351" h="332">
+                  <a:moveTo>
+                    <a:pt x="0" y="332"/>
+                  </a:moveTo>
+                  <a:cubicBezTo>
+                    <a:pt x="125" y="232"/>
+                    <a:pt x="245" y="121"/>
+                    <a:pt x="351" y="0"/>
+                  </a:cubicBezTo>
+                </a:path>
+              </a:pathLst>
+            </a:custGeom>
+            <a:noFill/>
+            <a:ln w="9525" cap="flat">
+              <a:solidFill>
+                <a:schemeClr val="tx1">
+                  <a:alpha val="20000"/>
+                </a:schemeClr>
+              </a:solidFill>
+              <a:prstDash val="dash"/>
+              <a:miter lim="800000"/>
+              <a:headEnd/>
+              <a:tailEnd/>
+            </a:ln>
+            <a:extLst>
+              <a:ext uri="{909E8E84-426E-40DD-AFC4-6F175D3DCCD1}">
+                <a14:hiddenFill xmlns:a14="http://schemas.microsoft.com/office/drawing/2010/main">
+                  <a:solidFill>
+                    <a:srgbClr val="FFFFFF"/>
+                  </a:solidFill>
+                </a14:hiddenFill>
+              </a:ext>
+            </a:extLst>
+          </p:spPr>
+        </p:sp>
+        <p:sp>
+          <p:nvSpPr>
+            <p:cNvPr id="20" name="Freeform 11">
+              <a:extLst>
+                <a:ext uri="{FF2B5EF4-FFF2-40B4-BE49-F238E27FC236}">
+                  <a16:creationId xmlns:a16="http://schemas.microsoft.com/office/drawing/2014/main" id="{A3CF3A63-1C1E-4E85-A78A-FDC16431E3A0}"/>
+                </a:ext>
+                <a:ext uri="{C183D7F6-B498-43B3-948B-1728B52AA6E4}">
+                  <adec:decorative xmlns:adec="http://schemas.microsoft.com/office/drawing/2017/decorative" val="1"/>
+                </a:ext>
+              </a:extLst>
+            </p:cNvPr>
+            <p:cNvSpPr/>
+            <p:nvPr>
+              <p:extLst>
+                <p:ext uri="{386F3935-93C4-4BCD-93E2-E3B085C9AB24}">
+                  <p16:designElem xmlns:p16="http://schemas.microsoft.com/office/powerpoint/2015/main" val="1"/>
+                </p:ext>
+              </p:extLst>
+            </p:nvPr>
+          </p:nvSpPr>
+          <p:spPr bwMode="auto">
+            <a:xfrm>
+              <a:off x="1001713" y="0"/>
+              <a:ext cx="3621088" cy="6843713"/>
+            </a:xfrm>
+            <a:custGeom>
+              <a:avLst/>
+              <a:gdLst/>
+              <a:ahLst/>
+              <a:cxnLst/>
+              <a:rect l="0" t="0" r="r" b="b"/>
+              <a:pathLst>
+                <a:path w="762" h="1440">
+                  <a:moveTo>
+                    <a:pt x="762" y="0"/>
+                  </a:moveTo>
+                  <a:cubicBezTo>
+                    <a:pt x="308" y="245"/>
+                    <a:pt x="0" y="1033"/>
+                    <a:pt x="403" y="1440"/>
+                  </a:cubicBezTo>
+                </a:path>
+              </a:pathLst>
+            </a:custGeom>
+            <a:noFill/>
+            <a:ln w="9525" cap="flat">
+              <a:solidFill>
+                <a:schemeClr val="tx1">
+                  <a:alpha val="20000"/>
+                </a:schemeClr>
+              </a:solidFill>
+              <a:prstDash val="solid"/>
+              <a:miter lim="800000"/>
+              <a:headEnd/>
+              <a:tailEnd/>
+            </a:ln>
+            <a:extLst>
+              <a:ext uri="{909E8E84-426E-40DD-AFC4-6F175D3DCCD1}">
+                <a14:hiddenFill xmlns:a14="http://schemas.microsoft.com/office/drawing/2010/main">
+                  <a:solidFill>
+                    <a:srgbClr val="FFFFFF"/>
+                  </a:solidFill>
+                </a14:hiddenFill>
+              </a:ext>
+            </a:extLst>
+          </p:spPr>
+        </p:sp>
+        <p:sp>
+          <p:nvSpPr>
+            <p:cNvPr id="21" name="Freeform 12">
+              <a:extLst>
+                <a:ext uri="{FF2B5EF4-FFF2-40B4-BE49-F238E27FC236}">
+                  <a16:creationId xmlns:a16="http://schemas.microsoft.com/office/drawing/2014/main" id="{8740FC9A-72DD-4D9B-BA25-1CCED1352408}"/>
+                </a:ext>
+                <a:ext uri="{C183D7F6-B498-43B3-948B-1728B52AA6E4}">
+                  <adec:decorative xmlns:adec="http://schemas.microsoft.com/office/drawing/2017/decorative" val="1"/>
+                </a:ext>
+              </a:extLst>
+            </p:cNvPr>
+            <p:cNvSpPr/>
+            <p:nvPr>
+              <p:extLst>
+                <p:ext uri="{386F3935-93C4-4BCD-93E2-E3B085C9AB24}">
+                  <p16:designElem xmlns:p16="http://schemas.microsoft.com/office/powerpoint/2015/main" val="1"/>
+                </p:ext>
+              </p:extLst>
+            </p:nvPr>
+          </p:nvSpPr>
+          <p:spPr bwMode="auto">
+            <a:xfrm>
+              <a:off x="11501438" y="9525"/>
+              <a:ext cx="665163" cy="257175"/>
+            </a:xfrm>
+            <a:custGeom>
+              <a:avLst/>
+              <a:gdLst/>
+              <a:ahLst/>
+              <a:cxnLst/>
+              <a:rect l="0" t="0" r="r" b="b"/>
+              <a:pathLst>
+                <a:path w="140" h="54">
+                  <a:moveTo>
+                    <a:pt x="140" y="54"/>
+                  </a:moveTo>
+                  <a:cubicBezTo>
+                    <a:pt x="95" y="34"/>
+                    <a:pt x="48" y="16"/>
+                    <a:pt x="0" y="0"/>
+                  </a:cubicBezTo>
+                </a:path>
+              </a:pathLst>
+            </a:custGeom>
+            <a:noFill/>
+            <a:ln w="9525" cap="flat">
+              <a:solidFill>
+                <a:schemeClr val="tx1">
+                  <a:alpha val="20000"/>
+                </a:schemeClr>
+              </a:solidFill>
+              <a:prstDash val="solid"/>
+              <a:miter lim="800000"/>
+              <a:headEnd/>
+              <a:tailEnd/>
+            </a:ln>
+            <a:extLst>
+              <a:ext uri="{909E8E84-426E-40DD-AFC4-6F175D3DCCD1}">
+                <a14:hiddenFill xmlns:a14="http://schemas.microsoft.com/office/drawing/2010/main">
+                  <a:solidFill>
+                    <a:srgbClr val="FFFFFF"/>
+                  </a:solidFill>
+                </a14:hiddenFill>
+              </a:ext>
+            </a:extLst>
+          </p:spPr>
+        </p:sp>
+        <p:sp>
+          <p:nvSpPr>
+            <p:cNvPr id="22" name="Freeform 13">
+              <a:extLst>
+                <a:ext uri="{FF2B5EF4-FFF2-40B4-BE49-F238E27FC236}">
+                  <a16:creationId xmlns:a16="http://schemas.microsoft.com/office/drawing/2014/main" id="{7FBF5743-F2AE-4D0D-BCD1-01F7686D012A}"/>
+                </a:ext>
+                <a:ext uri="{C183D7F6-B498-43B3-948B-1728B52AA6E4}">
+                  <adec:decorative xmlns:adec="http://schemas.microsoft.com/office/drawing/2017/decorative" val="1"/>
+                </a:ext>
+              </a:extLst>
+            </p:cNvPr>
+            <p:cNvSpPr/>
+            <p:nvPr>
+              <p:extLst>
+                <p:ext uri="{386F3935-93C4-4BCD-93E2-E3B085C9AB24}">
+                  <p16:designElem xmlns:p16="http://schemas.microsoft.com/office/powerpoint/2015/main" val="1"/>
+                </p:ext>
+              </p:extLst>
+            </p:nvPr>
+          </p:nvSpPr>
+          <p:spPr bwMode="auto">
+            <a:xfrm>
+              <a:off x="10641013" y="5408613"/>
+              <a:ext cx="1525588" cy="1435100"/>
+            </a:xfrm>
+            <a:custGeom>
+              <a:avLst/>
+              <a:gdLst/>
+              <a:ahLst/>
+              <a:cxnLst/>
+              <a:rect l="0" t="0" r="r" b="b"/>
+              <a:pathLst>
+                <a:path w="321" h="302">
+                  <a:moveTo>
+                    <a:pt x="0" y="302"/>
+                  </a:moveTo>
+                  <a:cubicBezTo>
+                    <a:pt x="114" y="210"/>
+                    <a:pt x="223" y="109"/>
+                    <a:pt x="321" y="0"/>
+                  </a:cubicBezTo>
+                </a:path>
+              </a:pathLst>
+            </a:custGeom>
+            <a:noFill/>
+            <a:ln w="9525" cap="flat">
+              <a:solidFill>
+                <a:schemeClr val="tx1">
+                  <a:alpha val="20000"/>
+                </a:schemeClr>
+              </a:solidFill>
+              <a:prstDash val="solid"/>
+              <a:miter lim="800000"/>
+              <a:headEnd/>
+              <a:tailEnd/>
+            </a:ln>
+            <a:extLst>
+              <a:ext uri="{909E8E84-426E-40DD-AFC4-6F175D3DCCD1}">
+                <a14:hiddenFill xmlns:a14="http://schemas.microsoft.com/office/drawing/2010/main">
+                  <a:solidFill>
+                    <a:srgbClr val="FFFFFF"/>
+                  </a:solidFill>
+                </a14:hiddenFill>
+              </a:ext>
+            </a:extLst>
+          </p:spPr>
+        </p:sp>
+        <p:sp>
+          <p:nvSpPr>
+            <p:cNvPr id="23" name="Freeform 14">
+              <a:extLst>
+                <a:ext uri="{FF2B5EF4-FFF2-40B4-BE49-F238E27FC236}">
+                  <a16:creationId xmlns:a16="http://schemas.microsoft.com/office/drawing/2014/main" id="{CED32316-D4F7-4795-BBE0-DEBB60E27CE3}"/>
+                </a:ext>
+                <a:ext uri="{C183D7F6-B498-43B3-948B-1728B52AA6E4}">
+                  <adec:decorative xmlns:adec="http://schemas.microsoft.com/office/drawing/2017/decorative" val="1"/>
+                </a:ext>
+              </a:extLst>
+            </p:cNvPr>
+            <p:cNvSpPr/>
+            <p:nvPr>
+              <p:extLst>
+                <p:ext uri="{386F3935-93C4-4BCD-93E2-E3B085C9AB24}">
+                  <p16:designElem xmlns:p16="http://schemas.microsoft.com/office/powerpoint/2015/main" val="1"/>
+                </p:ext>
+              </p:extLst>
+            </p:nvPr>
+          </p:nvSpPr>
+          <p:spPr bwMode="auto">
+            <a:xfrm>
+              <a:off x="1001713" y="0"/>
+              <a:ext cx="3244850" cy="6843713"/>
+            </a:xfrm>
+            <a:custGeom>
+              <a:avLst/>
+              <a:gdLst/>
+              <a:ahLst/>
+              <a:cxnLst/>
+              <a:rect l="0" t="0" r="r" b="b"/>
+              <a:pathLst>
+                <a:path w="683" h="1440">
+                  <a:moveTo>
+                    <a:pt x="683" y="0"/>
+                  </a:moveTo>
+                  <a:cubicBezTo>
+                    <a:pt x="258" y="256"/>
+                    <a:pt x="0" y="1041"/>
+                    <a:pt x="355" y="1440"/>
+                  </a:cubicBezTo>
+                </a:path>
+              </a:pathLst>
+            </a:custGeom>
+            <a:noFill/>
+            <a:ln w="9525" cap="flat">
+              <a:solidFill>
+                <a:schemeClr val="tx1">
+                  <a:alpha val="20000"/>
+                </a:schemeClr>
+              </a:solidFill>
+              <a:prstDash val="solid"/>
+              <a:miter lim="800000"/>
+              <a:headEnd/>
+              <a:tailEnd/>
+            </a:ln>
+            <a:extLst>
+              <a:ext uri="{909E8E84-426E-40DD-AFC4-6F175D3DCCD1}">
+                <a14:hiddenFill xmlns:a14="http://schemas.microsoft.com/office/drawing/2010/main">
+                  <a:solidFill>
+                    <a:srgbClr val="FFFFFF"/>
+                  </a:solidFill>
+                </a14:hiddenFill>
+              </a:ext>
+            </a:extLst>
+          </p:spPr>
+        </p:sp>
+        <p:sp>
+          <p:nvSpPr>
+            <p:cNvPr id="24" name="Freeform 15">
+              <a:extLst>
+                <a:ext uri="{FF2B5EF4-FFF2-40B4-BE49-F238E27FC236}">
+                  <a16:creationId xmlns:a16="http://schemas.microsoft.com/office/drawing/2014/main" id="{583B23C9-B9B7-4E93-9538-CBE316F83FDD}"/>
+                </a:ext>
+                <a:ext uri="{C183D7F6-B498-43B3-948B-1728B52AA6E4}">
+                  <adec:decorative xmlns:adec="http://schemas.microsoft.com/office/drawing/2017/decorative" val="1"/>
+                </a:ext>
+              </a:extLst>
+            </p:cNvPr>
+            <p:cNvSpPr/>
+            <p:nvPr>
+              <p:extLst>
+                <p:ext uri="{386F3935-93C4-4BCD-93E2-E3B085C9AB24}">
+                  <p16:designElem xmlns:p16="http://schemas.microsoft.com/office/powerpoint/2015/main" val="1"/>
+                </p:ext>
+              </p:extLst>
+            </p:nvPr>
+          </p:nvSpPr>
+          <p:spPr bwMode="auto">
+            <a:xfrm>
+              <a:off x="10802938" y="5518150"/>
+              <a:ext cx="1363663" cy="1325563"/>
+            </a:xfrm>
+            <a:custGeom>
+              <a:avLst/>
+              <a:gdLst/>
+              <a:ahLst/>
+              <a:cxnLst/>
+              <a:rect l="0" t="0" r="r" b="b"/>
+              <a:pathLst>
+                <a:path w="287" h="279">
+                  <a:moveTo>
+                    <a:pt x="0" y="279"/>
+                  </a:moveTo>
+                  <a:cubicBezTo>
+                    <a:pt x="101" y="193"/>
+                    <a:pt x="198" y="100"/>
+                    <a:pt x="287" y="0"/>
+                  </a:cubicBezTo>
+                </a:path>
+              </a:pathLst>
+            </a:custGeom>
+            <a:noFill/>
+            <a:ln w="9525" cap="flat">
+              <a:solidFill>
+                <a:schemeClr val="tx1">
+                  <a:alpha val="20000"/>
+                </a:schemeClr>
+              </a:solidFill>
+              <a:prstDash val="solid"/>
+              <a:miter lim="800000"/>
+              <a:headEnd/>
+              <a:tailEnd/>
+            </a:ln>
+            <a:extLst>
+              <a:ext uri="{909E8E84-426E-40DD-AFC4-6F175D3DCCD1}">
+                <a14:hiddenFill xmlns:a14="http://schemas.microsoft.com/office/drawing/2010/main">
+                  <a:solidFill>
+                    <a:srgbClr val="FFFFFF"/>
+                  </a:solidFill>
+                </a14:hiddenFill>
+              </a:ext>
+            </a:extLst>
+          </p:spPr>
+        </p:sp>
+        <p:sp>
+          <p:nvSpPr>
+            <p:cNvPr id="25" name="Freeform 16">
+              <a:extLst>
+                <a:ext uri="{FF2B5EF4-FFF2-40B4-BE49-F238E27FC236}">
+                  <a16:creationId xmlns:a16="http://schemas.microsoft.com/office/drawing/2014/main" id="{5B144260-9F2C-4ADB-A37C-1CFB4B428B1B}"/>
+                </a:ext>
+                <a:ext uri="{C183D7F6-B498-43B3-948B-1728B52AA6E4}">
+                  <adec:decorative xmlns:adec="http://schemas.microsoft.com/office/drawing/2017/decorative" val="1"/>
+                </a:ext>
+              </a:extLst>
+            </p:cNvPr>
+            <p:cNvSpPr/>
+            <p:nvPr>
+              <p:extLst>
+                <p:ext uri="{386F3935-93C4-4BCD-93E2-E3B085C9AB24}">
+                  <p16:designElem xmlns:p16="http://schemas.microsoft.com/office/powerpoint/2015/main" val="1"/>
+                </p:ext>
+              </p:extLst>
+            </p:nvPr>
+          </p:nvSpPr>
+          <p:spPr bwMode="auto">
+            <a:xfrm>
+              <a:off x="889000" y="0"/>
+              <a:ext cx="3230563" cy="6843713"/>
+            </a:xfrm>
+            <a:custGeom>
+              <a:avLst/>
+              <a:gdLst/>
+              <a:ahLst/>
+              <a:cxnLst/>
+              <a:rect l="0" t="0" r="r" b="b"/>
+              <a:pathLst>
+                <a:path w="680" h="1440">
+                  <a:moveTo>
+                    <a:pt x="680" y="0"/>
+                  </a:moveTo>
+                  <a:cubicBezTo>
+                    <a:pt x="257" y="265"/>
+                    <a:pt x="0" y="1026"/>
+                    <a:pt x="337" y="1440"/>
+                  </a:cubicBezTo>
+                </a:path>
+              </a:pathLst>
+            </a:custGeom>
+            <a:noFill/>
+            <a:ln w="9525" cap="flat">
+              <a:solidFill>
+                <a:schemeClr val="tx1">
+                  <a:alpha val="20000"/>
+                </a:schemeClr>
+              </a:solidFill>
+              <a:prstDash val="solid"/>
+              <a:miter lim="800000"/>
+              <a:headEnd/>
+              <a:tailEnd/>
+            </a:ln>
+            <a:extLst>
+              <a:ext uri="{909E8E84-426E-40DD-AFC4-6F175D3DCCD1}">
+                <a14:hiddenFill xmlns:a14="http://schemas.microsoft.com/office/drawing/2010/main">
+                  <a:solidFill>
+                    <a:srgbClr val="FFFFFF"/>
+                  </a:solidFill>
+                </a14:hiddenFill>
+              </a:ext>
+            </a:extLst>
+          </p:spPr>
+        </p:sp>
+        <p:sp>
+          <p:nvSpPr>
+            <p:cNvPr id="26" name="Freeform 17">
+              <a:extLst>
+                <a:ext uri="{FF2B5EF4-FFF2-40B4-BE49-F238E27FC236}">
+                  <a16:creationId xmlns:a16="http://schemas.microsoft.com/office/drawing/2014/main" id="{53FF918D-79D3-4F55-A68C-0DD5880DABDF}"/>
+                </a:ext>
+                <a:ext uri="{C183D7F6-B498-43B3-948B-1728B52AA6E4}">
+                  <adec:decorative xmlns:adec="http://schemas.microsoft.com/office/drawing/2017/decorative" val="1"/>
+                </a:ext>
+              </a:extLst>
+            </p:cNvPr>
+            <p:cNvSpPr/>
+            <p:nvPr>
+              <p:extLst>
+                <p:ext uri="{386F3935-93C4-4BCD-93E2-E3B085C9AB24}">
+                  <p16:designElem xmlns:p16="http://schemas.microsoft.com/office/powerpoint/2015/main" val="1"/>
+                </p:ext>
+              </p:extLst>
+            </p:nvPr>
+          </p:nvSpPr>
+          <p:spPr bwMode="auto">
+            <a:xfrm>
+              <a:off x="10979150" y="5694363"/>
+              <a:ext cx="1187450" cy="1149350"/>
+            </a:xfrm>
+            <a:custGeom>
+              <a:avLst/>
+              <a:gdLst/>
+              <a:ahLst/>
+              <a:cxnLst/>
+              <a:rect l="0" t="0" r="r" b="b"/>
+              <a:pathLst>
+                <a:path w="250" h="242">
+                  <a:moveTo>
+                    <a:pt x="0" y="242"/>
+                  </a:moveTo>
+                  <a:cubicBezTo>
+                    <a:pt x="88" y="166"/>
+                    <a:pt x="172" y="85"/>
+                    <a:pt x="250" y="0"/>
+                  </a:cubicBezTo>
+                </a:path>
+              </a:pathLst>
+            </a:custGeom>
+            <a:noFill/>
+            <a:ln w="9525" cap="flat">
+              <a:solidFill>
+                <a:schemeClr val="tx1">
+                  <a:alpha val="20000"/>
+                </a:schemeClr>
+              </a:solidFill>
+              <a:prstDash val="solid"/>
+              <a:miter lim="800000"/>
+              <a:headEnd/>
+              <a:tailEnd/>
+            </a:ln>
+            <a:extLst>
+              <a:ext uri="{909E8E84-426E-40DD-AFC4-6F175D3DCCD1}">
+                <a14:hiddenFill xmlns:a14="http://schemas.microsoft.com/office/drawing/2010/main">
+                  <a:solidFill>
+                    <a:srgbClr val="FFFFFF"/>
+                  </a:solidFill>
+                </a14:hiddenFill>
+              </a:ext>
+            </a:extLst>
+          </p:spPr>
+        </p:sp>
+        <p:sp>
+          <p:nvSpPr>
+            <p:cNvPr id="27" name="Freeform 18">
+              <a:extLst>
+                <a:ext uri="{FF2B5EF4-FFF2-40B4-BE49-F238E27FC236}">
+                  <a16:creationId xmlns:a16="http://schemas.microsoft.com/office/drawing/2014/main" id="{B9FC1440-933F-44FE-8D77-4827DD0F99A5}"/>
+                </a:ext>
+                <a:ext uri="{C183D7F6-B498-43B3-948B-1728B52AA6E4}">
+                  <adec:decorative xmlns:adec="http://schemas.microsoft.com/office/drawing/2017/decorative" val="1"/>
+                </a:ext>
+              </a:extLst>
+            </p:cNvPr>
+            <p:cNvSpPr/>
+            <p:nvPr>
+              <p:extLst>
+                <p:ext uri="{386F3935-93C4-4BCD-93E2-E3B085C9AB24}">
+                  <p16:designElem xmlns:p16="http://schemas.microsoft.com/office/powerpoint/2015/main" val="1"/>
+                </p:ext>
+              </p:extLst>
+            </p:nvPr>
+          </p:nvSpPr>
+          <p:spPr bwMode="auto">
+            <a:xfrm>
+              <a:off x="484188" y="0"/>
+              <a:ext cx="3421063" cy="6843713"/>
+            </a:xfrm>
+            <a:custGeom>
+              <a:avLst/>
+              <a:gdLst/>
+              <a:ahLst/>
+              <a:cxnLst/>
+              <a:rect l="0" t="0" r="r" b="b"/>
+              <a:pathLst>
+                <a:path w="720" h="1440">
+                  <a:moveTo>
+                    <a:pt x="720" y="0"/>
+                  </a:moveTo>
+                  <a:cubicBezTo>
+                    <a:pt x="316" y="282"/>
+                    <a:pt x="0" y="1018"/>
+                    <a:pt x="362" y="1440"/>
+                  </a:cubicBezTo>
+                </a:path>
+              </a:pathLst>
+            </a:custGeom>
+            <a:noFill/>
+            <a:ln w="9525" cap="flat">
+              <a:solidFill>
+                <a:schemeClr val="tx1">
+                  <a:alpha val="20000"/>
+                </a:schemeClr>
+              </a:solidFill>
+              <a:prstDash val="solid"/>
+              <a:miter lim="800000"/>
+              <a:headEnd/>
+              <a:tailEnd/>
+            </a:ln>
+            <a:extLst>
+              <a:ext uri="{909E8E84-426E-40DD-AFC4-6F175D3DCCD1}">
+                <a14:hiddenFill xmlns:a14="http://schemas.microsoft.com/office/drawing/2010/main">
+                  <a:solidFill>
+                    <a:srgbClr val="FFFFFF"/>
+                  </a:solidFill>
+                </a14:hiddenFill>
+              </a:ext>
+            </a:extLst>
+          </p:spPr>
+        </p:sp>
+        <p:sp>
+          <p:nvSpPr>
+            <p:cNvPr id="28" name="Freeform 19">
+              <a:extLst>
+                <a:ext uri="{FF2B5EF4-FFF2-40B4-BE49-F238E27FC236}">
+                  <a16:creationId xmlns:a16="http://schemas.microsoft.com/office/drawing/2014/main" id="{0F67F308-A67C-4D2E-B081-59BB31D8EC50}"/>
+                </a:ext>
+                <a:ext uri="{C183D7F6-B498-43B3-948B-1728B52AA6E4}">
+                  <adec:decorative xmlns:adec="http://schemas.microsoft.com/office/drawing/2017/decorative" val="1"/>
+                </a:ext>
+              </a:extLst>
+            </p:cNvPr>
+            <p:cNvSpPr/>
+            <p:nvPr>
+              <p:extLst>
+                <p:ext uri="{386F3935-93C4-4BCD-93E2-E3B085C9AB24}">
+                  <p16:designElem xmlns:p16="http://schemas.microsoft.com/office/powerpoint/2015/main" val="1"/>
+                </p:ext>
+              </p:extLst>
+            </p:nvPr>
+          </p:nvSpPr>
+          <p:spPr bwMode="auto">
+            <a:xfrm>
+              <a:off x="11287125" y="6049963"/>
+              <a:ext cx="879475" cy="793750"/>
+            </a:xfrm>
+            <a:custGeom>
+              <a:avLst/>
+              <a:gdLst/>
+              <a:ahLst/>
+              <a:cxnLst/>
+              <a:rect l="0" t="0" r="r" b="b"/>
+              <a:pathLst>
+                <a:path w="185" h="167">
+                  <a:moveTo>
+                    <a:pt x="0" y="167"/>
+                  </a:moveTo>
+                  <a:cubicBezTo>
+                    <a:pt x="63" y="114"/>
+                    <a:pt x="125" y="58"/>
+                    <a:pt x="185" y="0"/>
+                  </a:cubicBezTo>
+                </a:path>
+              </a:pathLst>
+            </a:custGeom>
+            <a:noFill/>
+            <a:ln w="9525" cap="flat">
+              <a:solidFill>
+                <a:schemeClr val="tx1">
+                  <a:alpha val="20000"/>
+                </a:schemeClr>
+              </a:solidFill>
+              <a:prstDash val="solid"/>
+              <a:miter lim="800000"/>
+              <a:headEnd/>
+              <a:tailEnd/>
+            </a:ln>
+            <a:extLst>
+              <a:ext uri="{909E8E84-426E-40DD-AFC4-6F175D3DCCD1}">
+                <a14:hiddenFill xmlns:a14="http://schemas.microsoft.com/office/drawing/2010/main">
+                  <a:solidFill>
+                    <a:srgbClr val="FFFFFF"/>
+                  </a:solidFill>
+                </a14:hiddenFill>
+              </a:ext>
+            </a:extLst>
+          </p:spPr>
+        </p:sp>
+        <p:sp>
+          <p:nvSpPr>
+            <p:cNvPr id="29" name="Freeform 20">
+              <a:extLst>
+                <a:ext uri="{FF2B5EF4-FFF2-40B4-BE49-F238E27FC236}">
+                  <a16:creationId xmlns:a16="http://schemas.microsoft.com/office/drawing/2014/main" id="{80112F01-90EB-4AEC-A39C-5C6875FFB99B}"/>
+                </a:ext>
+                <a:ext uri="{C183D7F6-B498-43B3-948B-1728B52AA6E4}">
+                  <adec:decorative xmlns:adec="http://schemas.microsoft.com/office/drawing/2017/decorative" val="1"/>
+                </a:ext>
+              </a:extLst>
+            </p:cNvPr>
+            <p:cNvSpPr/>
+            <p:nvPr>
+              <p:extLst>
+                <p:ext uri="{386F3935-93C4-4BCD-93E2-E3B085C9AB24}">
+                  <p16:designElem xmlns:p16="http://schemas.microsoft.com/office/powerpoint/2015/main" val="1"/>
+                </p:ext>
+              </p:extLst>
+            </p:nvPr>
+          </p:nvSpPr>
+          <p:spPr bwMode="auto">
+            <a:xfrm>
+              <a:off x="598488" y="0"/>
+              <a:ext cx="2717800" cy="6843713"/>
+            </a:xfrm>
+            <a:custGeom>
+              <a:avLst/>
+              <a:gdLst/>
+              <a:ahLst/>
+              <a:cxnLst/>
+              <a:rect l="0" t="0" r="r" b="b"/>
+              <a:pathLst>
+                <a:path w="572" h="1440">
+                  <a:moveTo>
+                    <a:pt x="572" y="0"/>
+                  </a:moveTo>
+                  <a:cubicBezTo>
+                    <a:pt x="213" y="320"/>
+                    <a:pt x="0" y="979"/>
+                    <a:pt x="164" y="1440"/>
+                  </a:cubicBezTo>
+                </a:path>
+              </a:pathLst>
+            </a:custGeom>
+            <a:noFill/>
+            <a:ln w="12700" cap="flat">
+              <a:solidFill>
+                <a:schemeClr val="tx1">
+                  <a:alpha val="20000"/>
+                </a:schemeClr>
+              </a:solidFill>
+              <a:prstDash val="dashDot"/>
+              <a:miter lim="800000"/>
+              <a:headEnd/>
+              <a:tailEnd/>
+            </a:ln>
+            <a:extLst>
+              <a:ext uri="{909E8E84-426E-40DD-AFC4-6F175D3DCCD1}">
+                <a14:hiddenFill xmlns:a14="http://schemas.microsoft.com/office/drawing/2010/main">
+                  <a:solidFill>
+                    <a:srgbClr val="FFFFFF"/>
+                  </a:solidFill>
+                </a14:hiddenFill>
+              </a:ext>
+            </a:extLst>
+          </p:spPr>
+        </p:sp>
+        <p:sp>
+          <p:nvSpPr>
+            <p:cNvPr id="30" name="Freeform 21">
+              <a:extLst>
+                <a:ext uri="{FF2B5EF4-FFF2-40B4-BE49-F238E27FC236}">
+                  <a16:creationId xmlns:a16="http://schemas.microsoft.com/office/drawing/2014/main" id="{893F6B05-90EB-4C75-A0F0-C7247553BD81}"/>
+                </a:ext>
+                <a:ext uri="{C183D7F6-B498-43B3-948B-1728B52AA6E4}">
+                  <adec:decorative xmlns:adec="http://schemas.microsoft.com/office/drawing/2017/decorative" val="1"/>
+                </a:ext>
+              </a:extLst>
+            </p:cNvPr>
+            <p:cNvSpPr/>
+            <p:nvPr>
+              <p:extLst>
+                <p:ext uri="{386F3935-93C4-4BCD-93E2-E3B085C9AB24}">
+                  <p16:designElem xmlns:p16="http://schemas.microsoft.com/office/powerpoint/2015/main" val="1"/>
+                </p:ext>
+              </p:extLst>
+            </p:nvPr>
+          </p:nvSpPr>
+          <p:spPr bwMode="auto">
+            <a:xfrm>
+              <a:off x="261938" y="0"/>
+              <a:ext cx="2944813" cy="6843713"/>
+            </a:xfrm>
+            <a:custGeom>
+              <a:avLst/>
+              <a:gdLst/>
+              <a:ahLst/>
+              <a:cxnLst/>
+              <a:rect l="0" t="0" r="r" b="b"/>
+              <a:pathLst>
+                <a:path w="620" h="1440">
+                  <a:moveTo>
+                    <a:pt x="620" y="0"/>
+                  </a:moveTo>
+                  <a:cubicBezTo>
+                    <a:pt x="248" y="325"/>
+                    <a:pt x="0" y="960"/>
+                    <a:pt x="186" y="1440"/>
+                  </a:cubicBezTo>
+                </a:path>
+              </a:pathLst>
+            </a:custGeom>
+            <a:noFill/>
+            <a:ln w="9525" cap="flat">
+              <a:solidFill>
+                <a:schemeClr val="tx1">
+                  <a:alpha val="20000"/>
+                </a:schemeClr>
+              </a:solidFill>
+              <a:prstDash val="lgDash"/>
+              <a:miter lim="800000"/>
+              <a:headEnd/>
+              <a:tailEnd/>
+            </a:ln>
+            <a:extLst>
+              <a:ext uri="{909E8E84-426E-40DD-AFC4-6F175D3DCCD1}">
+                <a14:hiddenFill xmlns:a14="http://schemas.microsoft.com/office/drawing/2010/main">
+                  <a:solidFill>
+                    <a:srgbClr val="FFFFFF"/>
+                  </a:solidFill>
+                </a14:hiddenFill>
+              </a:ext>
+            </a:extLst>
+          </p:spPr>
+        </p:sp>
+        <p:sp>
+          <p:nvSpPr>
+            <p:cNvPr id="31" name="Freeform 22">
+              <a:extLst>
+                <a:ext uri="{FF2B5EF4-FFF2-40B4-BE49-F238E27FC236}">
+                  <a16:creationId xmlns:a16="http://schemas.microsoft.com/office/drawing/2014/main" id="{227B563B-E0C0-4D81-966D-B5E2DBAAE8B5}"/>
+                </a:ext>
+                <a:ext uri="{C183D7F6-B498-43B3-948B-1728B52AA6E4}">
+                  <adec:decorative xmlns:adec="http://schemas.microsoft.com/office/drawing/2017/decorative" val="1"/>
+                </a:ext>
+              </a:extLst>
+            </p:cNvPr>
+            <p:cNvSpPr/>
+            <p:nvPr>
+              <p:extLst>
+                <p:ext uri="{386F3935-93C4-4BCD-93E2-E3B085C9AB24}">
+                  <p16:designElem xmlns:p16="http://schemas.microsoft.com/office/powerpoint/2015/main" val="1"/>
+                </p:ext>
+              </p:extLst>
+            </p:nvPr>
+          </p:nvSpPr>
+          <p:spPr bwMode="auto">
+            <a:xfrm>
+              <a:off x="-417513" y="0"/>
+              <a:ext cx="2403475" cy="6843713"/>
+            </a:xfrm>
+            <a:custGeom>
+              <a:avLst/>
+              <a:gdLst/>
+              <a:ahLst/>
+              <a:cxnLst/>
+              <a:rect l="0" t="0" r="r" b="b"/>
+              <a:pathLst>
+                <a:path w="506" h="1440">
+                  <a:moveTo>
+                    <a:pt x="506" y="0"/>
+                  </a:moveTo>
+                  <a:cubicBezTo>
+                    <a:pt x="109" y="356"/>
+                    <a:pt x="0" y="943"/>
+                    <a:pt x="171" y="1440"/>
+                  </a:cubicBezTo>
+                </a:path>
+              </a:pathLst>
+            </a:custGeom>
+            <a:noFill/>
+            <a:ln w="9525" cap="flat">
+              <a:solidFill>
+                <a:schemeClr val="tx1">
+                  <a:alpha val="20000"/>
+                </a:schemeClr>
+              </a:solidFill>
+              <a:prstDash val="solid"/>
+              <a:miter lim="800000"/>
+              <a:headEnd/>
+              <a:tailEnd/>
+            </a:ln>
+            <a:extLst>
+              <a:ext uri="{909E8E84-426E-40DD-AFC4-6F175D3DCCD1}">
+                <a14:hiddenFill xmlns:a14="http://schemas.microsoft.com/office/drawing/2010/main">
+                  <a:solidFill>
+                    <a:srgbClr val="FFFFFF"/>
+                  </a:solidFill>
+                </a14:hiddenFill>
+              </a:ext>
+            </a:extLst>
+          </p:spPr>
+        </p:sp>
+        <p:sp>
+          <p:nvSpPr>
+            <p:cNvPr id="32" name="Freeform 23">
+              <a:extLst>
+                <a:ext uri="{FF2B5EF4-FFF2-40B4-BE49-F238E27FC236}">
+                  <a16:creationId xmlns:a16="http://schemas.microsoft.com/office/drawing/2014/main" id="{130DF93D-D1FF-477A-BDCE-C8B01C3B476C}"/>
+                </a:ext>
+                <a:ext uri="{C183D7F6-B498-43B3-948B-1728B52AA6E4}">
+                  <adec:decorative xmlns:adec="http://schemas.microsoft.com/office/drawing/2017/decorative" val="1"/>
+                </a:ext>
+              </a:extLst>
+            </p:cNvPr>
+            <p:cNvSpPr/>
+            <p:nvPr>
+              <p:extLst>
+                <p:ext uri="{386F3935-93C4-4BCD-93E2-E3B085C9AB24}">
+                  <p16:designElem xmlns:p16="http://schemas.microsoft.com/office/powerpoint/2015/main" val="1"/>
+                </p:ext>
+              </p:extLst>
+            </p:nvPr>
+          </p:nvSpPr>
+          <p:spPr bwMode="auto">
+            <a:xfrm>
+              <a:off x="14288" y="9525"/>
+              <a:ext cx="1771650" cy="3198813"/>
+            </a:xfrm>
+            <a:custGeom>
+              <a:avLst/>
+              <a:gdLst/>
+              <a:ahLst/>
+              <a:cxnLst/>
+              <a:rect l="0" t="0" r="r" b="b"/>
+              <a:pathLst>
+                <a:path w="373" h="673">
+                  <a:moveTo>
+                    <a:pt x="373" y="0"/>
+                  </a:moveTo>
+                  <a:cubicBezTo>
+                    <a:pt x="175" y="183"/>
+                    <a:pt x="51" y="409"/>
+                    <a:pt x="0" y="673"/>
+                  </a:cubicBezTo>
+                </a:path>
+              </a:pathLst>
+            </a:custGeom>
+            <a:noFill/>
+            <a:ln w="9525" cap="flat">
+              <a:solidFill>
+                <a:schemeClr val="tx1">
+                  <a:alpha val="20000"/>
+                </a:schemeClr>
+              </a:solidFill>
+              <a:prstDash val="solid"/>
+              <a:miter lim="800000"/>
+              <a:headEnd/>
+              <a:tailEnd/>
+            </a:ln>
+            <a:extLst>
+              <a:ext uri="{909E8E84-426E-40DD-AFC4-6F175D3DCCD1}">
+                <a14:hiddenFill xmlns:a14="http://schemas.microsoft.com/office/drawing/2010/main">
+                  <a:solidFill>
+                    <a:srgbClr val="FFFFFF"/>
+                  </a:solidFill>
+                </a14:hiddenFill>
+              </a:ext>
+            </a:extLst>
+          </p:spPr>
+        </p:sp>
+        <p:sp>
+          <p:nvSpPr>
+            <p:cNvPr id="33" name="Freeform 24">
+              <a:extLst>
+                <a:ext uri="{FF2B5EF4-FFF2-40B4-BE49-F238E27FC236}">
+                  <a16:creationId xmlns:a16="http://schemas.microsoft.com/office/drawing/2014/main" id="{44ED67A1-C6FE-4AC8-8473-11DAC03DCD33}"/>
+                </a:ext>
+                <a:ext uri="{C183D7F6-B498-43B3-948B-1728B52AA6E4}">
+                  <adec:decorative xmlns:adec="http://schemas.microsoft.com/office/drawing/2017/decorative" val="1"/>
+                </a:ext>
+              </a:extLst>
+            </p:cNvPr>
+            <p:cNvSpPr/>
+            <p:nvPr>
+              <p:extLst>
+                <p:ext uri="{386F3935-93C4-4BCD-93E2-E3B085C9AB24}">
+                  <p16:designElem xmlns:p16="http://schemas.microsoft.com/office/powerpoint/2015/main" val="1"/>
+                </p:ext>
+              </p:extLst>
+            </p:nvPr>
+          </p:nvSpPr>
+          <p:spPr bwMode="auto">
+            <a:xfrm>
+              <a:off x="4763" y="6016625"/>
+              <a:ext cx="214313" cy="827088"/>
+            </a:xfrm>
+            <a:custGeom>
+              <a:avLst/>
+              <a:gdLst/>
+              <a:ahLst/>
+              <a:cxnLst/>
+              <a:rect l="0" t="0" r="r" b="b"/>
+              <a:pathLst>
+                <a:path w="45" h="174">
+                  <a:moveTo>
+                    <a:pt x="0" y="0"/>
+                  </a:moveTo>
+                  <a:cubicBezTo>
+                    <a:pt x="11" y="59"/>
+                    <a:pt x="26" y="118"/>
+                    <a:pt x="45" y="174"/>
+                  </a:cubicBezTo>
+                </a:path>
+              </a:pathLst>
+            </a:custGeom>
+            <a:noFill/>
+            <a:ln w="9525" cap="flat">
+              <a:solidFill>
+                <a:schemeClr val="tx1">
+                  <a:alpha val="20000"/>
+                </a:schemeClr>
+              </a:solidFill>
+              <a:prstDash val="solid"/>
+              <a:miter lim="800000"/>
+              <a:headEnd/>
+              <a:tailEnd/>
+            </a:ln>
+            <a:extLst>
+              <a:ext uri="{909E8E84-426E-40DD-AFC4-6F175D3DCCD1}">
+                <a14:hiddenFill xmlns:a14="http://schemas.microsoft.com/office/drawing/2010/main">
+                  <a:solidFill>
+                    <a:srgbClr val="FFFFFF"/>
+                  </a:solidFill>
+                </a14:hiddenFill>
+              </a:ext>
+            </a:extLst>
+          </p:spPr>
+        </p:sp>
+        <p:sp>
+          <p:nvSpPr>
+            <p:cNvPr id="34" name="Freeform 25">
+              <a:extLst>
+                <a:ext uri="{FF2B5EF4-FFF2-40B4-BE49-F238E27FC236}">
+                  <a16:creationId xmlns:a16="http://schemas.microsoft.com/office/drawing/2014/main" id="{213A54F3-15FA-4C8F-8ABF-CE77E7219658}"/>
+                </a:ext>
+                <a:ext uri="{C183D7F6-B498-43B3-948B-1728B52AA6E4}">
+                  <adec:decorative xmlns:adec="http://schemas.microsoft.com/office/drawing/2017/decorative" val="1"/>
+                </a:ext>
+              </a:extLst>
+            </p:cNvPr>
+            <p:cNvSpPr/>
+            <p:nvPr>
+              <p:extLst>
+                <p:ext uri="{386F3935-93C4-4BCD-93E2-E3B085C9AB24}">
+                  <p16:designElem xmlns:p16="http://schemas.microsoft.com/office/powerpoint/2015/main" val="1"/>
+                </p:ext>
+              </p:extLst>
+            </p:nvPr>
+          </p:nvSpPr>
+          <p:spPr bwMode="auto">
+            <a:xfrm>
+              <a:off x="14288" y="0"/>
+              <a:ext cx="1562100" cy="2228850"/>
+            </a:xfrm>
+            <a:custGeom>
+              <a:avLst/>
+              <a:gdLst/>
+              <a:ahLst/>
+              <a:cxnLst/>
+              <a:rect l="0" t="0" r="r" b="b"/>
+              <a:pathLst>
+                <a:path w="329" h="469">
+                  <a:moveTo>
+                    <a:pt x="329" y="0"/>
+                  </a:moveTo>
+                  <a:cubicBezTo>
+                    <a:pt x="189" y="133"/>
+                    <a:pt x="69" y="288"/>
+                    <a:pt x="0" y="469"/>
+                  </a:cubicBezTo>
+                </a:path>
+              </a:pathLst>
+            </a:custGeom>
+            <a:noFill/>
+            <a:ln w="9525" cap="flat">
+              <a:solidFill>
+                <a:schemeClr val="tx1">
+                  <a:alpha val="20000"/>
+                </a:schemeClr>
+              </a:solidFill>
+              <a:prstDash val="solid"/>
+              <a:miter lim="800000"/>
+              <a:headEnd/>
+              <a:tailEnd/>
+            </a:ln>
+            <a:extLst>
+              <a:ext uri="{909E8E84-426E-40DD-AFC4-6F175D3DCCD1}">
+                <a14:hiddenFill xmlns:a14="http://schemas.microsoft.com/office/drawing/2010/main">
+                  <a:solidFill>
+                    <a:srgbClr val="FFFFFF"/>
+                  </a:solidFill>
+                </a14:hiddenFill>
+              </a:ext>
+            </a:extLst>
+          </p:spPr>
+        </p:sp>
+      </p:grpSp>
+      <p:grpSp>
+        <p:nvGrpSpPr>
+          <p:cNvPr id="36" name="Group 35">
+            <a:extLst>
+              <a:ext uri="{FF2B5EF4-FFF2-40B4-BE49-F238E27FC236}">
+                <a16:creationId xmlns:a16="http://schemas.microsoft.com/office/drawing/2014/main" id="{5F8A7F7F-DD1A-4F41-98AC-B9CE2A620CDC}"/>
+              </a:ext>
+              <a:ext uri="{C183D7F6-B498-43B3-948B-1728B52AA6E4}">
+                <adec:decorative xmlns:adec="http://schemas.microsoft.com/office/drawing/2017/decorative" val="1"/>
+              </a:ext>
+            </a:extLst>
+          </p:cNvPr>
+          <p:cNvGrpSpPr>
+            <a:grpSpLocks noGrp="1" noUngrp="1" noRot="1" noChangeAspect="1" noMove="1" noResize="1"/>
+          </p:cNvGrpSpPr>
+          <p:nvPr>
+            <p:extLst>
+              <p:ext uri="{386F3935-93C4-4BCD-93E2-E3B085C9AB24}">
+                <p16:designElem xmlns:p16="http://schemas.microsoft.com/office/powerpoint/2015/main" val="1"/>
+              </p:ext>
+            </p:extLst>
+          </p:nvPr>
+        </p:nvGrpSpPr>
+        <p:grpSpPr>
+          <a:xfrm>
+            <a:off x="800144" y="1699589"/>
+            <a:ext cx="3674476" cy="3470421"/>
+            <a:chOff x="697883" y="1816768"/>
+            <a:chExt cx="3674476" cy="3470421"/>
+          </a:xfrm>
+        </p:grpSpPr>
+        <p:sp>
+          <p:nvSpPr>
+            <p:cNvPr id="37" name="Rectangle 36">
+              <a:extLst>
+                <a:ext uri="{FF2B5EF4-FFF2-40B4-BE49-F238E27FC236}">
+                  <a16:creationId xmlns:a16="http://schemas.microsoft.com/office/drawing/2014/main" id="{CEF47228-EB7C-4EBA-BE01-DA6CB2410289}"/>
+                </a:ext>
+                <a:ext uri="{C183D7F6-B498-43B3-948B-1728B52AA6E4}">
+                  <adec:decorative xmlns:adec="http://schemas.microsoft.com/office/drawing/2017/decorative" val="1"/>
+                </a:ext>
+              </a:extLst>
+            </p:cNvPr>
+            <p:cNvSpPr/>
+            <p:nvPr>
+              <p:extLst>
+                <p:ext uri="{386F3935-93C4-4BCD-93E2-E3B085C9AB24}">
+                  <p16:designElem xmlns:p16="http://schemas.microsoft.com/office/powerpoint/2015/main" val="1"/>
+                </p:ext>
+              </p:extLst>
+            </p:nvPr>
+          </p:nvSpPr>
+          <p:spPr>
+            <a:xfrm>
+              <a:off x="697883" y="1816768"/>
+              <a:ext cx="3674476" cy="502920"/>
+            </a:xfrm>
+            <a:prstGeom prst="rect">
+              <a:avLst/>
+            </a:prstGeom>
+            <a:solidFill>
+              <a:schemeClr val="accent1"/>
+            </a:solidFill>
+            <a:ln>
+              <a:noFill/>
+            </a:ln>
+          </p:spPr>
+          <p:style>
+            <a:lnRef idx="2">
+              <a:schemeClr val="accent1">
+                <a:shade val="50000"/>
+              </a:schemeClr>
+            </a:lnRef>
+            <a:fillRef idx="1">
+              <a:schemeClr val="accent1"/>
+            </a:fillRef>
+            <a:effectRef idx="0">
+              <a:schemeClr val="accent1"/>
+            </a:effectRef>
+            <a:fontRef idx="minor">
+              <a:schemeClr val="lt1"/>
+            </a:fontRef>
+          </p:style>
+        </p:sp>
+        <p:sp>
+          <p:nvSpPr>
+            <p:cNvPr id="38" name="Isosceles Triangle 22">
+              <a:extLst>
+                <a:ext uri="{FF2B5EF4-FFF2-40B4-BE49-F238E27FC236}">
+                  <a16:creationId xmlns:a16="http://schemas.microsoft.com/office/drawing/2014/main" id="{3D2FD25A-EFFD-4F5C-9258-981F5907DE21}"/>
+                </a:ext>
+                <a:ext uri="{C183D7F6-B498-43B3-948B-1728B52AA6E4}">
+                  <adec:decorative xmlns:adec="http://schemas.microsoft.com/office/drawing/2017/decorative" val="1"/>
+                </a:ext>
+              </a:extLst>
+            </p:cNvPr>
+            <p:cNvSpPr/>
+            <p:nvPr>
+              <p:extLst>
+                <p:ext uri="{386F3935-93C4-4BCD-93E2-E3B085C9AB24}">
+                  <p16:designElem xmlns:p16="http://schemas.microsoft.com/office/powerpoint/2015/main" val="1"/>
+                </p:ext>
+              </p:extLst>
+            </p:nvPr>
+          </p:nvSpPr>
+          <p:spPr>
+            <a:xfrm rot="10800000">
+              <a:off x="2380224" y="5014786"/>
+              <a:ext cx="315988" cy="272403"/>
+            </a:xfrm>
+            <a:prstGeom prst="triangle">
+              <a:avLst/>
+            </a:prstGeom>
+            <a:solidFill>
+              <a:schemeClr val="accent1"/>
+            </a:solidFill>
+            <a:ln>
+              <a:noFill/>
+            </a:ln>
+          </p:spPr>
+          <p:style>
+            <a:lnRef idx="2">
+              <a:schemeClr val="accent1">
+                <a:shade val="50000"/>
+              </a:schemeClr>
+            </a:lnRef>
+            <a:fillRef idx="1">
+              <a:schemeClr val="accent1"/>
+            </a:fillRef>
+            <a:effectRef idx="0">
+              <a:schemeClr val="accent1"/>
+            </a:effectRef>
+            <a:fontRef idx="minor">
+              <a:schemeClr val="lt1"/>
+            </a:fontRef>
+          </p:style>
+        </p:sp>
+        <p:sp>
+          <p:nvSpPr>
+            <p:cNvPr id="39" name="Rectangle 38">
+              <a:extLst>
+                <a:ext uri="{FF2B5EF4-FFF2-40B4-BE49-F238E27FC236}">
+                  <a16:creationId xmlns:a16="http://schemas.microsoft.com/office/drawing/2014/main" id="{DCF573BC-A06F-4036-A3A8-9D07DDE62253}"/>
+                </a:ext>
+                <a:ext uri="{C183D7F6-B498-43B3-948B-1728B52AA6E4}">
+                  <adec:decorative xmlns:adec="http://schemas.microsoft.com/office/drawing/2017/decorative" val="1"/>
+                </a:ext>
+              </a:extLst>
+            </p:cNvPr>
+            <p:cNvSpPr/>
+            <p:nvPr>
+              <p:extLst>
+                <p:ext uri="{386F3935-93C4-4BCD-93E2-E3B085C9AB24}">
+                  <p16:designElem xmlns:p16="http://schemas.microsoft.com/office/powerpoint/2015/main" val="1"/>
+                </p:ext>
+              </p:extLst>
+            </p:nvPr>
+          </p:nvSpPr>
+          <p:spPr>
+            <a:xfrm>
+              <a:off x="704075" y="2392840"/>
+              <a:ext cx="3668284" cy="2624327"/>
+            </a:xfrm>
+            <a:prstGeom prst="rect">
+              <a:avLst/>
+            </a:prstGeom>
+            <a:solidFill>
+              <a:schemeClr val="accent1"/>
+            </a:solidFill>
+            <a:ln>
+              <a:noFill/>
+            </a:ln>
+          </p:spPr>
+          <p:style>
+            <a:lnRef idx="2">
+              <a:schemeClr val="accent1">
+                <a:shade val="50000"/>
+              </a:schemeClr>
+            </a:lnRef>
+            <a:fillRef idx="1">
+              <a:schemeClr val="accent1"/>
+            </a:fillRef>
+            <a:effectRef idx="0">
+              <a:schemeClr val="accent1"/>
+            </a:effectRef>
+            <a:fontRef idx="minor">
+              <a:schemeClr val="lt1"/>
+            </a:fontRef>
+          </p:style>
+        </p:sp>
+      </p:grpSp>
+      <p:sp>
+        <p:nvSpPr>
+          <p:cNvPr id="5" name="Titel 4">
+            <a:extLst>
+              <a:ext uri="{FF2B5EF4-FFF2-40B4-BE49-F238E27FC236}">
+                <a16:creationId xmlns:a16="http://schemas.microsoft.com/office/drawing/2014/main" id="{E81BA5F4-190A-4564-A229-DDB267FF859D}"/>
+              </a:ext>
+            </a:extLst>
+          </p:cNvPr>
+          <p:cNvSpPr>
+            <a:spLocks noGrp="1"/>
+          </p:cNvSpPr>
+          <p:nvPr>
+            <p:ph type="title"/>
+          </p:nvPr>
+        </p:nvSpPr>
+        <p:spPr>
+          <a:xfrm>
+            <a:off x="904877" y="2415322"/>
+            <a:ext cx="3451730" cy="2399869"/>
+          </a:xfrm>
+        </p:spPr>
+        <p:txBody>
+          <a:bodyPr>
+            <a:normAutofit/>
+          </a:bodyPr>
+          <a:lstStyle/>
+          <a:p>
+            <a:pPr algn="ctr"/>
+            <a:r>
+              <a:rPr lang="da-DK" sz="4000">
+                <a:solidFill>
+                  <a:srgbClr val="FFFFFF"/>
+                </a:solidFill>
+              </a:rPr>
+              <a:t>First time setup</a:t>
+            </a:r>
+          </a:p>
+        </p:txBody>
+      </p:sp>
+      <p:sp>
+        <p:nvSpPr>
+          <p:cNvPr id="6" name="Pladsholder til indhold 5">
+            <a:extLst>
+              <a:ext uri="{FF2B5EF4-FFF2-40B4-BE49-F238E27FC236}">
+                <a16:creationId xmlns:a16="http://schemas.microsoft.com/office/drawing/2014/main" id="{051DB812-75E7-489B-8598-40A226F8C30B}"/>
+              </a:ext>
+            </a:extLst>
+          </p:cNvPr>
+          <p:cNvSpPr>
+            <a:spLocks noGrp="1"/>
+          </p:cNvSpPr>
+          <p:nvPr>
+            <p:ph idx="1"/>
+          </p:nvPr>
+        </p:nvSpPr>
+        <p:spPr>
+          <a:xfrm>
+            <a:off x="5120640" y="804672"/>
+            <a:ext cx="6281928" cy="5248656"/>
+          </a:xfrm>
+        </p:spPr>
+        <p:txBody>
+          <a:bodyPr anchor="ctr">
+            <a:normAutofit/>
+          </a:bodyPr>
+          <a:lstStyle/>
+          <a:p>
+            <a:r>
+              <a:rPr lang="da-DK" sz="2000" dirty="0"/>
+              <a:t>Opsætning af bruger</a:t>
+            </a:r>
+          </a:p>
+          <a:p>
+            <a:pPr lvl="1"/>
+            <a:endParaRPr lang="da-DK" sz="2000" dirty="0"/>
+          </a:p>
+          <a:p>
+            <a:pPr lvl="1"/>
+            <a:r>
+              <a:rPr lang="da-DK" sz="2000" dirty="0"/>
+              <a:t>$ </a:t>
+            </a:r>
+            <a:r>
+              <a:rPr lang="da-DK" sz="2000" dirty="0" err="1"/>
+              <a:t>git</a:t>
+            </a:r>
+            <a:r>
+              <a:rPr lang="da-DK" sz="2000" dirty="0"/>
+              <a:t> </a:t>
+            </a:r>
+            <a:r>
+              <a:rPr lang="da-DK" sz="2000" dirty="0" err="1"/>
+              <a:t>config</a:t>
+            </a:r>
+            <a:r>
+              <a:rPr lang="da-DK" sz="2000" dirty="0"/>
+              <a:t> –global user.name ”John </a:t>
+            </a:r>
+            <a:r>
+              <a:rPr lang="da-DK" sz="2000" dirty="0" err="1"/>
+              <a:t>Doe</a:t>
+            </a:r>
+            <a:r>
+              <a:rPr lang="da-DK" sz="2000" dirty="0"/>
+              <a:t>”</a:t>
+            </a:r>
+          </a:p>
+          <a:p>
+            <a:pPr lvl="1"/>
+            <a:r>
+              <a:rPr lang="da-DK" sz="2000" dirty="0"/>
+              <a:t>$ </a:t>
+            </a:r>
+            <a:r>
+              <a:rPr lang="da-DK" sz="2000" dirty="0" err="1"/>
+              <a:t>git</a:t>
+            </a:r>
+            <a:r>
+              <a:rPr lang="da-DK" sz="2000" dirty="0"/>
+              <a:t> </a:t>
+            </a:r>
+            <a:r>
+              <a:rPr lang="da-DK" sz="2000" dirty="0" err="1"/>
+              <a:t>config</a:t>
+            </a:r>
+            <a:r>
+              <a:rPr lang="da-DK" sz="2000" dirty="0"/>
+              <a:t> –global </a:t>
+            </a:r>
+            <a:r>
+              <a:rPr lang="da-DK" sz="2000" dirty="0" err="1"/>
+              <a:t>user.email</a:t>
+            </a:r>
+            <a:r>
+              <a:rPr lang="da-DK" sz="2000" dirty="0"/>
+              <a:t> </a:t>
+            </a:r>
+            <a:r>
+              <a:rPr lang="da-DK" sz="2000" dirty="0" err="1"/>
+              <a:t>johndoe@example</a:t>
+            </a:r>
+            <a:endParaRPr lang="da-DK" sz="2000" dirty="0"/>
+          </a:p>
+          <a:p>
+            <a:pPr marL="457200" lvl="1" indent="0">
+              <a:buNone/>
+            </a:pPr>
+            <a:endParaRPr lang="da-DK" sz="2000" dirty="0"/>
+          </a:p>
+          <a:p>
+            <a:pPr marL="457200" lvl="1" indent="0">
+              <a:buNone/>
+            </a:pPr>
+            <a:r>
+              <a:rPr lang="da-DK" sz="2000" dirty="0"/>
+              <a:t>(Brug din mail, du bruger på </a:t>
+            </a:r>
+            <a:r>
+              <a:rPr lang="da-DK" sz="2000" dirty="0" err="1"/>
+              <a:t>Github</a:t>
+            </a:r>
+            <a:r>
+              <a:rPr lang="da-DK" sz="2000" dirty="0"/>
+              <a:t>)</a:t>
+            </a:r>
+          </a:p>
+          <a:p>
+            <a:pPr marL="457200" lvl="1" indent="0">
+              <a:buNone/>
+            </a:pPr>
+            <a:endParaRPr lang="da-DK" sz="2000" dirty="0"/>
+          </a:p>
+        </p:txBody>
+      </p:sp>
+    </p:spTree>
+    <p:extLst>
+      <p:ext uri="{BB962C8B-B14F-4D97-AF65-F5344CB8AC3E}">
+        <p14:creationId xmlns:p14="http://schemas.microsoft.com/office/powerpoint/2010/main" val="3436294359"/>
+      </p:ext>
+    </p:extLst>
+  </p:cSld>
+  <p:clrMapOvr>
+    <a:masterClrMapping/>
+  </p:clrMapOvr>
+</p:sld>
+</file>
+
+<file path=ppt/slides/slide13.xml><?xml version="1.0" encoding="utf-8"?>
+<p:sld xmlns:a="http://schemas.openxmlformats.org/drawingml/2006/main" xmlns:r="http://schemas.openxmlformats.org/officeDocument/2006/relationships" xmlns:p="http://schemas.openxmlformats.org/presentationml/2006/main">
+  <p:cSld>
+    <p:bg>
+      <p:bgPr>
+        <a:solidFill>
+          <a:schemeClr val="bg1"/>
+        </a:solidFill>
+        <a:effectLst/>
+      </p:bgPr>
+    </p:bg>
+    <p:spTree>
+      <p:nvGrpSpPr>
+        <p:cNvPr id="1" name=""/>
+        <p:cNvGrpSpPr/>
+        <p:nvPr/>
+      </p:nvGrpSpPr>
+      <p:grpSpPr>
+        <a:xfrm>
+          <a:off x="0" y="0"/>
+          <a:ext cx="0" cy="0"/>
+          <a:chOff x="0" y="0"/>
+          <a:chExt cx="0" cy="0"/>
+        </a:xfrm>
+      </p:grpSpPr>
+      <p:sp>
+        <p:nvSpPr>
+          <p:cNvPr id="11" name="Rectangle 10">
+            <a:extLst>
+              <a:ext uri="{FF2B5EF4-FFF2-40B4-BE49-F238E27FC236}">
+                <a16:creationId xmlns:a16="http://schemas.microsoft.com/office/drawing/2014/main" id="{8D70B121-56F4-4848-B38B-182089D909FA}"/>
+              </a:ext>
+              <a:ext uri="{C183D7F6-B498-43B3-948B-1728B52AA6E4}">
+                <adec:decorative xmlns:adec="http://schemas.microsoft.com/office/drawing/2017/decorative" val="1"/>
+              </a:ext>
+            </a:extLst>
+          </p:cNvPr>
+          <p:cNvSpPr>
+            <a:spLocks noGrp="1" noRot="1" noChangeAspect="1" noMove="1" noResize="1" noEditPoints="1" noAdjustHandles="1" noChangeArrowheads="1" noChangeShapeType="1" noTextEdit="1"/>
+          </p:cNvSpPr>
+          <p:nvPr>
+            <p:extLst>
+              <p:ext uri="{386F3935-93C4-4BCD-93E2-E3B085C9AB24}">
+                <p16:designElem xmlns:p16="http://schemas.microsoft.com/office/powerpoint/2015/main" val="1"/>
+              </p:ext>
+            </p:extLst>
+          </p:nvPr>
+        </p:nvSpPr>
+        <p:spPr bwMode="ltGray">
+          <a:xfrm>
+            <a:off x="321564" y="320040"/>
+            <a:ext cx="11548872" cy="6217920"/>
+          </a:xfrm>
+          <a:prstGeom prst="rect">
+            <a:avLst/>
+          </a:prstGeom>
+          <a:solidFill>
+            <a:schemeClr val="tx1">
+              <a:alpha val="8000"/>
+            </a:schemeClr>
+          </a:solidFill>
+          <a:ln w="127000" cap="sq" cmpd="thinThick">
+            <a:noFill/>
+          </a:ln>
+        </p:spPr>
+        <p:style>
+          <a:lnRef idx="2">
+            <a:schemeClr val="accent1">
+              <a:shade val="50000"/>
+            </a:schemeClr>
+          </a:lnRef>
+          <a:fillRef idx="1">
+            <a:schemeClr val="accent1"/>
+          </a:fillRef>
+          <a:effectRef idx="0">
+            <a:schemeClr val="accent1"/>
+          </a:effectRef>
+          <a:fontRef idx="minor">
+            <a:schemeClr val="lt1"/>
+          </a:fontRef>
+        </p:style>
+        <p:txBody>
+          <a:bodyPr rtlCol="0" anchor="ctr"/>
+          <a:lstStyle/>
+          <a:p>
+            <a:pPr algn="ctr"/>
+            <a:endParaRPr lang="en-US"/>
+          </a:p>
+        </p:txBody>
+      </p:sp>
+      <p:sp>
+        <p:nvSpPr>
+          <p:cNvPr id="5" name="Titel 4">
+            <a:extLst>
+              <a:ext uri="{FF2B5EF4-FFF2-40B4-BE49-F238E27FC236}">
+                <a16:creationId xmlns:a16="http://schemas.microsoft.com/office/drawing/2014/main" id="{05056475-DBDE-4432-ABDF-A28470E1076A}"/>
+              </a:ext>
+            </a:extLst>
+          </p:cNvPr>
+          <p:cNvSpPr>
+            <a:spLocks noGrp="1"/>
+          </p:cNvSpPr>
+          <p:nvPr>
+            <p:ph type="title"/>
+          </p:nvPr>
+        </p:nvSpPr>
+        <p:spPr>
+          <a:xfrm>
+            <a:off x="838200" y="963877"/>
+            <a:ext cx="3494362" cy="4930246"/>
+          </a:xfrm>
+        </p:spPr>
+        <p:txBody>
+          <a:bodyPr>
+            <a:normAutofit/>
+          </a:bodyPr>
+          <a:lstStyle/>
+          <a:p>
+            <a:pPr algn="r"/>
+            <a:r>
+              <a:rPr lang="da-DK" b="1" dirty="0">
+                <a:solidFill>
+                  <a:schemeClr val="accent1"/>
+                </a:solidFill>
+              </a:rPr>
+              <a:t>Opgaver 1</a:t>
+            </a:r>
+            <a:br>
+              <a:rPr lang="da-DK" b="1" dirty="0">
+                <a:solidFill>
+                  <a:schemeClr val="accent1"/>
+                </a:solidFill>
+              </a:rPr>
+            </a:br>
+            <a:r>
+              <a:rPr lang="da-DK" b="1" dirty="0">
+                <a:solidFill>
+                  <a:schemeClr val="accent1"/>
+                </a:solidFill>
+              </a:rPr>
+              <a:t>Git </a:t>
+            </a:r>
+            <a:r>
+              <a:rPr lang="da-DK" b="1" dirty="0" err="1">
+                <a:solidFill>
+                  <a:schemeClr val="accent1"/>
+                </a:solidFill>
+              </a:rPr>
+              <a:t>clone</a:t>
+            </a:r>
+            <a:endParaRPr lang="da-DK" dirty="0">
+              <a:solidFill>
+                <a:schemeClr val="accent1"/>
+              </a:solidFill>
+            </a:endParaRPr>
+          </a:p>
+        </p:txBody>
+      </p:sp>
+      <p:cxnSp>
+        <p:nvCxnSpPr>
+          <p:cNvPr id="15" name="Straight Connector 12">
+            <a:extLst>
+              <a:ext uri="{FF2B5EF4-FFF2-40B4-BE49-F238E27FC236}">
+                <a16:creationId xmlns:a16="http://schemas.microsoft.com/office/drawing/2014/main" id="{2D72A2C9-F3CA-4216-8BAD-FA4C970C3C4E}"/>
+              </a:ext>
+              <a:ext uri="{C183D7F6-B498-43B3-948B-1728B52AA6E4}">
+                <adec:decorative xmlns:adec="http://schemas.microsoft.com/office/drawing/2017/decorative" val="1"/>
+              </a:ext>
+            </a:extLst>
+          </p:cNvPr>
+          <p:cNvCxnSpPr>
+            <a:cxnSpLocks noGrp="1" noRot="1" noChangeAspect="1" noMove="1" noResize="1" noEditPoints="1" noAdjustHandles="1" noChangeArrowheads="1" noChangeShapeType="1"/>
+          </p:cNvCxnSpPr>
+          <p:nvPr>
+            <p:extLst>
+              <p:ext uri="{386F3935-93C4-4BCD-93E2-E3B085C9AB24}">
+                <p16:designElem xmlns:p16="http://schemas.microsoft.com/office/powerpoint/2015/main" val="1"/>
+              </p:ext>
+            </p:extLst>
+          </p:nvPr>
+        </p:nvCxnSpPr>
+        <p:spPr>
+          <a:xfrm>
+            <a:off x="4654296" y="2057400"/>
+            <a:ext cx="0" cy="2743200"/>
+          </a:xfrm>
+          <a:prstGeom prst="line">
+            <a:avLst/>
+          </a:prstGeom>
+          <a:ln w="19050">
+            <a:solidFill>
+              <a:schemeClr val="tx1">
+                <a:lumMod val="85000"/>
+                <a:lumOff val="15000"/>
+              </a:schemeClr>
+            </a:solidFill>
+          </a:ln>
+        </p:spPr>
+        <p:style>
+          <a:lnRef idx="1">
+            <a:schemeClr val="accent1"/>
+          </a:lnRef>
+          <a:fillRef idx="0">
+            <a:schemeClr val="accent1"/>
+          </a:fillRef>
+          <a:effectRef idx="0">
+            <a:schemeClr val="accent1"/>
+          </a:effectRef>
+          <a:fontRef idx="minor">
+            <a:schemeClr val="tx1"/>
+          </a:fontRef>
+        </p:style>
+      </p:cxnSp>
+      <p:sp>
+        <p:nvSpPr>
+          <p:cNvPr id="6" name="Pladsholder til indhold 5">
+            <a:extLst>
+              <a:ext uri="{FF2B5EF4-FFF2-40B4-BE49-F238E27FC236}">
+                <a16:creationId xmlns:a16="http://schemas.microsoft.com/office/drawing/2014/main" id="{3AEEA5A2-EF6A-4301-ADE6-381E93B95072}"/>
+              </a:ext>
+            </a:extLst>
+          </p:cNvPr>
+          <p:cNvSpPr>
+            <a:spLocks noGrp="1"/>
+          </p:cNvSpPr>
+          <p:nvPr>
+            <p:ph idx="1"/>
+          </p:nvPr>
+        </p:nvSpPr>
+        <p:spPr>
+          <a:xfrm>
+            <a:off x="4976031" y="963877"/>
+            <a:ext cx="6377769" cy="4930246"/>
+          </a:xfrm>
+        </p:spPr>
+        <p:txBody>
+          <a:bodyPr anchor="ctr">
+            <a:normAutofit/>
+          </a:bodyPr>
+          <a:lstStyle/>
+          <a:p>
+            <a:pPr lvl="0"/>
+            <a:r>
+              <a:rPr lang="da-DK" sz="2400"/>
+              <a:t>Lav et Repository på Github.</a:t>
+            </a:r>
+          </a:p>
+          <a:p>
+            <a:pPr lvl="0"/>
+            <a:r>
+              <a:rPr lang="da-DK" sz="2400"/>
+              <a:t>Ved brug af Git Bash klon dit repository, så du har det lokalt på din computer.</a:t>
+            </a:r>
+          </a:p>
+          <a:p>
+            <a:pPr lvl="0"/>
+            <a:r>
+              <a:rPr lang="da-DK" sz="2400"/>
+              <a:t>Foretag ændringer i den mappe Git har oprettet for dig.</a:t>
+            </a:r>
+          </a:p>
+          <a:p>
+            <a:pPr lvl="1"/>
+            <a:r>
+              <a:rPr lang="da-DK" dirty="0"/>
+              <a:t>F.eks. kan du lave en </a:t>
+            </a:r>
+            <a:r>
+              <a:rPr lang="da-DK"/>
+              <a:t>java</a:t>
+            </a:r>
+            <a:r>
+              <a:rPr lang="da-DK" dirty="0"/>
+              <a:t> file, med en </a:t>
+            </a:r>
+            <a:r>
+              <a:rPr lang="da-DK"/>
+              <a:t>main</a:t>
+            </a:r>
+            <a:r>
+              <a:rPr lang="da-DK" dirty="0"/>
+              <a:t> metode der udskriver </a:t>
+            </a:r>
+            <a:r>
+              <a:rPr lang="da-DK"/>
+              <a:t>Hello</a:t>
+            </a:r>
+            <a:r>
+              <a:rPr lang="da-DK" dirty="0"/>
+              <a:t> World til </a:t>
+            </a:r>
+            <a:r>
+              <a:rPr lang="da-DK"/>
+              <a:t>konsolen</a:t>
+            </a:r>
+            <a:r>
+              <a:rPr lang="da-DK" dirty="0"/>
+              <a:t>. Hvad filen indeholder er ikke vigtigt, bare du har en fil du kan ændre i.</a:t>
+            </a:r>
+          </a:p>
+          <a:p>
+            <a:pPr lvl="0"/>
+            <a:r>
+              <a:rPr lang="da-DK" sz="2400"/>
+              <a:t>Commit dine lokale ændringer. </a:t>
+            </a:r>
+          </a:p>
+          <a:p>
+            <a:r>
+              <a:rPr lang="da-DK" sz="2400"/>
+              <a:t>Skub dine ændringer op på github</a:t>
+            </a:r>
+          </a:p>
+        </p:txBody>
+      </p:sp>
+    </p:spTree>
+    <p:extLst>
+      <p:ext uri="{BB962C8B-B14F-4D97-AF65-F5344CB8AC3E}">
+        <p14:creationId xmlns:p14="http://schemas.microsoft.com/office/powerpoint/2010/main" val="1086878909"/>
+      </p:ext>
+    </p:extLst>
+  </p:cSld>
+  <p:clrMapOvr>
+    <a:masterClrMapping/>
+  </p:clrMapOvr>
+</p:sld>
+</file>
+
+<file path=ppt/slides/slide14.xml><?xml version="1.0" encoding="utf-8"?>
+<p:sld xmlns:a="http://schemas.openxmlformats.org/drawingml/2006/main" xmlns:r="http://schemas.openxmlformats.org/officeDocument/2006/relationships" xmlns:p="http://schemas.openxmlformats.org/presentationml/2006/main">
+  <p:cSld>
+    <p:bg>
+      <p:bgPr>
+        <a:solidFill>
+          <a:schemeClr val="bg1"/>
+        </a:solidFill>
+        <a:effectLst/>
+      </p:bgPr>
+    </p:bg>
+    <p:spTree>
+      <p:nvGrpSpPr>
+        <p:cNvPr id="1" name=""/>
+        <p:cNvGrpSpPr/>
+        <p:nvPr/>
+      </p:nvGrpSpPr>
+      <p:grpSpPr>
+        <a:xfrm>
+          <a:off x="0" y="0"/>
+          <a:ext cx="0" cy="0"/>
+          <a:chOff x="0" y="0"/>
+          <a:chExt cx="0" cy="0"/>
+        </a:xfrm>
+      </p:grpSpPr>
+      <p:sp>
+        <p:nvSpPr>
+          <p:cNvPr id="8" name="Rectangle 7">
+            <a:extLst>
+              <a:ext uri="{FF2B5EF4-FFF2-40B4-BE49-F238E27FC236}">
+                <a16:creationId xmlns:a16="http://schemas.microsoft.com/office/drawing/2014/main" id="{8D70B121-56F4-4848-B38B-182089D909FA}"/>
+              </a:ext>
+              <a:ext uri="{C183D7F6-B498-43B3-948B-1728B52AA6E4}">
+                <adec:decorative xmlns:adec="http://schemas.microsoft.com/office/drawing/2017/decorative" val="1"/>
+              </a:ext>
+            </a:extLst>
+          </p:cNvPr>
+          <p:cNvSpPr>
+            <a:spLocks noGrp="1" noRot="1" noChangeAspect="1" noMove="1" noResize="1" noEditPoints="1" noAdjustHandles="1" noChangeArrowheads="1" noChangeShapeType="1" noTextEdit="1"/>
+          </p:cNvSpPr>
+          <p:nvPr>
+            <p:extLst>
+              <p:ext uri="{386F3935-93C4-4BCD-93E2-E3B085C9AB24}">
+                <p16:designElem xmlns:p16="http://schemas.microsoft.com/office/powerpoint/2015/main" val="1"/>
+              </p:ext>
+            </p:extLst>
+          </p:nvPr>
+        </p:nvSpPr>
+        <p:spPr bwMode="ltGray">
+          <a:xfrm>
+            <a:off x="321564" y="320040"/>
+            <a:ext cx="11548872" cy="6217920"/>
+          </a:xfrm>
+          <a:prstGeom prst="rect">
+            <a:avLst/>
+          </a:prstGeom>
+          <a:solidFill>
+            <a:schemeClr val="tx1">
+              <a:alpha val="8000"/>
+            </a:schemeClr>
+          </a:solidFill>
+          <a:ln w="127000" cap="sq" cmpd="thinThick">
+            <a:noFill/>
+          </a:ln>
+        </p:spPr>
+        <p:style>
+          <a:lnRef idx="2">
+            <a:schemeClr val="accent1">
+              <a:shade val="50000"/>
+            </a:schemeClr>
+          </a:lnRef>
+          <a:fillRef idx="1">
+            <a:schemeClr val="accent1"/>
+          </a:fillRef>
+          <a:effectRef idx="0">
+            <a:schemeClr val="accent1"/>
+          </a:effectRef>
+          <a:fontRef idx="minor">
+            <a:schemeClr val="lt1"/>
+          </a:fontRef>
+        </p:style>
+        <p:txBody>
+          <a:bodyPr rtlCol="0" anchor="ctr"/>
+          <a:lstStyle/>
+          <a:p>
+            <a:pPr algn="ctr"/>
+            <a:endParaRPr lang="en-US"/>
+          </a:p>
+        </p:txBody>
+      </p:sp>
+      <p:sp>
+        <p:nvSpPr>
+          <p:cNvPr id="2" name="Titel 1">
+            <a:extLst>
+              <a:ext uri="{FF2B5EF4-FFF2-40B4-BE49-F238E27FC236}">
+                <a16:creationId xmlns:a16="http://schemas.microsoft.com/office/drawing/2014/main" id="{9693758C-893C-43A2-96B0-6C7FC6B990D7}"/>
+              </a:ext>
+            </a:extLst>
+          </p:cNvPr>
+          <p:cNvSpPr>
+            <a:spLocks noGrp="1"/>
+          </p:cNvSpPr>
+          <p:nvPr>
+            <p:ph type="title"/>
+          </p:nvPr>
+        </p:nvSpPr>
+        <p:spPr>
+          <a:xfrm>
+            <a:off x="838200" y="963877"/>
+            <a:ext cx="3494362" cy="4930246"/>
+          </a:xfrm>
+        </p:spPr>
+        <p:txBody>
+          <a:bodyPr>
+            <a:normAutofit/>
+          </a:bodyPr>
+          <a:lstStyle/>
+          <a:p>
+            <a:pPr algn="r"/>
+            <a:r>
+              <a:rPr lang="da-DK" b="1" dirty="0">
+                <a:solidFill>
+                  <a:schemeClr val="accent1"/>
+                </a:solidFill>
+              </a:rPr>
+              <a:t>Opgave 2</a:t>
+            </a:r>
+            <a:br>
+              <a:rPr lang="da-DK" b="1" dirty="0">
+                <a:solidFill>
+                  <a:schemeClr val="accent1"/>
+                </a:solidFill>
+              </a:rPr>
+            </a:br>
+            <a:r>
+              <a:rPr lang="da-DK" b="1" dirty="0">
+                <a:solidFill>
+                  <a:schemeClr val="accent1"/>
+                </a:solidFill>
+              </a:rPr>
+              <a:t>Git + Grupper</a:t>
+            </a:r>
+          </a:p>
+        </p:txBody>
+      </p:sp>
+      <p:cxnSp>
+        <p:nvCxnSpPr>
+          <p:cNvPr id="10" name="Straight Connector 9">
+            <a:extLst>
+              <a:ext uri="{FF2B5EF4-FFF2-40B4-BE49-F238E27FC236}">
+                <a16:creationId xmlns:a16="http://schemas.microsoft.com/office/drawing/2014/main" id="{2D72A2C9-F3CA-4216-8BAD-FA4C970C3C4E}"/>
+              </a:ext>
+              <a:ext uri="{C183D7F6-B498-43B3-948B-1728B52AA6E4}">
+                <adec:decorative xmlns:adec="http://schemas.microsoft.com/office/drawing/2017/decorative" val="1"/>
+              </a:ext>
+            </a:extLst>
+          </p:cNvPr>
+          <p:cNvCxnSpPr>
+            <a:cxnSpLocks noGrp="1" noRot="1" noChangeAspect="1" noMove="1" noResize="1" noEditPoints="1" noAdjustHandles="1" noChangeArrowheads="1" noChangeShapeType="1"/>
+          </p:cNvCxnSpPr>
+          <p:nvPr>
+            <p:extLst>
+              <p:ext uri="{386F3935-93C4-4BCD-93E2-E3B085C9AB24}">
+                <p16:designElem xmlns:p16="http://schemas.microsoft.com/office/powerpoint/2015/main" val="1"/>
+              </p:ext>
+            </p:extLst>
+          </p:nvPr>
+        </p:nvCxnSpPr>
+        <p:spPr>
+          <a:xfrm>
+            <a:off x="4654296" y="2057400"/>
+            <a:ext cx="0" cy="2743200"/>
+          </a:xfrm>
+          <a:prstGeom prst="line">
+            <a:avLst/>
+          </a:prstGeom>
+          <a:ln w="19050">
+            <a:solidFill>
+              <a:schemeClr val="tx1">
+                <a:lumMod val="85000"/>
+                <a:lumOff val="15000"/>
+              </a:schemeClr>
+            </a:solidFill>
+          </a:ln>
+        </p:spPr>
+        <p:style>
+          <a:lnRef idx="1">
+            <a:schemeClr val="accent1"/>
+          </a:lnRef>
+          <a:fillRef idx="0">
+            <a:schemeClr val="accent1"/>
+          </a:fillRef>
+          <a:effectRef idx="0">
+            <a:schemeClr val="accent1"/>
+          </a:effectRef>
+          <a:fontRef idx="minor">
+            <a:schemeClr val="tx1"/>
+          </a:fontRef>
+        </p:style>
+      </p:cxnSp>
+      <p:sp>
+        <p:nvSpPr>
+          <p:cNvPr id="3" name="Pladsholder til indhold 2">
+            <a:extLst>
+              <a:ext uri="{FF2B5EF4-FFF2-40B4-BE49-F238E27FC236}">
+                <a16:creationId xmlns:a16="http://schemas.microsoft.com/office/drawing/2014/main" id="{24E94DF2-3C96-4108-BB73-7441EB6AF0FE}"/>
+              </a:ext>
+            </a:extLst>
+          </p:cNvPr>
+          <p:cNvSpPr>
+            <a:spLocks noGrp="1"/>
+          </p:cNvSpPr>
+          <p:nvPr>
+            <p:ph idx="1"/>
+          </p:nvPr>
+        </p:nvSpPr>
+        <p:spPr>
+          <a:xfrm>
+            <a:off x="4976031" y="963877"/>
+            <a:ext cx="6377769" cy="4930246"/>
+          </a:xfrm>
+        </p:spPr>
+        <p:txBody>
+          <a:bodyPr anchor="ctr">
+            <a:normAutofit/>
+          </a:bodyPr>
+          <a:lstStyle/>
+          <a:p>
+            <a:pPr lvl="0"/>
+            <a:r>
+              <a:rPr lang="da-DK" sz="2200" dirty="0"/>
+              <a:t>En i gruppen laver et </a:t>
+            </a:r>
+            <a:r>
+              <a:rPr lang="da-DK" sz="2200" dirty="0" err="1"/>
+              <a:t>repository</a:t>
+            </a:r>
+            <a:r>
+              <a:rPr lang="da-DK" sz="2200" dirty="0"/>
+              <a:t> (eller bruger det fra opgave 1)</a:t>
+            </a:r>
+          </a:p>
+          <a:p>
+            <a:pPr lvl="0"/>
+            <a:r>
+              <a:rPr lang="da-DK" sz="2200" dirty="0"/>
+              <a:t>Den der lavede et </a:t>
+            </a:r>
+            <a:r>
+              <a:rPr lang="da-DK" sz="2200" dirty="0" err="1"/>
+              <a:t>repository</a:t>
+            </a:r>
+            <a:r>
+              <a:rPr lang="da-DK" sz="2200" dirty="0"/>
+              <a:t> skal tilføje alle gruppemedlemmer som ’</a:t>
+            </a:r>
+            <a:r>
+              <a:rPr lang="da-DK" sz="2200" dirty="0" err="1"/>
+              <a:t>Collaborators</a:t>
+            </a:r>
+            <a:r>
+              <a:rPr lang="da-DK" sz="2200" dirty="0"/>
+              <a:t>’</a:t>
+            </a:r>
+          </a:p>
+          <a:p>
+            <a:pPr lvl="1"/>
+            <a:r>
+              <a:rPr lang="da-DK" sz="2200" dirty="0"/>
+              <a:t>Under ’</a:t>
+            </a:r>
+            <a:r>
+              <a:rPr lang="da-DK" sz="2200" dirty="0" err="1"/>
+              <a:t>settings</a:t>
+            </a:r>
+            <a:r>
+              <a:rPr lang="da-DK" sz="2200" dirty="0"/>
+              <a:t>’ er der en tab der hedder ’</a:t>
+            </a:r>
+            <a:r>
+              <a:rPr lang="da-DK" sz="2200" dirty="0" err="1"/>
+              <a:t>Collaborators</a:t>
+            </a:r>
+            <a:r>
+              <a:rPr lang="da-DK" sz="2200" dirty="0"/>
+              <a:t>’, her skal alle gruppes medlemmers mail angives.</a:t>
+            </a:r>
+          </a:p>
+          <a:p>
+            <a:pPr lvl="0"/>
+            <a:r>
+              <a:rPr lang="da-DK" sz="2200" dirty="0"/>
+              <a:t>Når alle er tilmeldt som </a:t>
+            </a:r>
+            <a:r>
+              <a:rPr lang="da-DK" sz="2200" dirty="0" err="1"/>
+              <a:t>collaborators</a:t>
+            </a:r>
+            <a:r>
+              <a:rPr lang="da-DK" sz="2200" dirty="0"/>
+              <a:t>, så skal alle klone dette ene </a:t>
+            </a:r>
+            <a:r>
+              <a:rPr lang="da-DK" sz="2200" dirty="0" err="1"/>
+              <a:t>repository</a:t>
+            </a:r>
+            <a:r>
+              <a:rPr lang="da-DK" sz="2200" dirty="0"/>
+              <a:t> til hver sin computer.</a:t>
+            </a:r>
+          </a:p>
+          <a:p>
+            <a:pPr lvl="0"/>
+            <a:r>
+              <a:rPr lang="da-DK" sz="2200" dirty="0"/>
+              <a:t>Hvert medlem skal oprette en ny fil i sit lokale </a:t>
+            </a:r>
+            <a:r>
+              <a:rPr lang="da-DK" sz="2200" dirty="0" err="1"/>
+              <a:t>repository</a:t>
+            </a:r>
+            <a:r>
+              <a:rPr lang="da-DK" sz="2200" dirty="0"/>
+              <a:t> og dele den med de andre.</a:t>
+            </a:r>
+          </a:p>
+          <a:p>
+            <a:pPr lvl="1"/>
+            <a:r>
+              <a:rPr lang="da-DK" sz="2200" dirty="0"/>
+              <a:t>Til at starte med kan det være en meget god ide at hver fil har forskellige navne.</a:t>
+            </a:r>
+          </a:p>
+          <a:p>
+            <a:endParaRPr lang="da-DK" sz="2200" dirty="0"/>
+          </a:p>
+        </p:txBody>
+      </p:sp>
+    </p:spTree>
+    <p:extLst>
+      <p:ext uri="{BB962C8B-B14F-4D97-AF65-F5344CB8AC3E}">
+        <p14:creationId xmlns:p14="http://schemas.microsoft.com/office/powerpoint/2010/main" val="273010030"/>
+      </p:ext>
+    </p:extLst>
+  </p:cSld>
+  <p:clrMapOvr>
+    <a:masterClrMapping/>
+  </p:clrMapOvr>
+</p:sld>
+</file>
+
+<file path=ppt/slides/slide15.xml><?xml version="1.0" encoding="utf-8"?>
+<p:sld xmlns:a="http://schemas.openxmlformats.org/drawingml/2006/main" xmlns:r="http://schemas.openxmlformats.org/officeDocument/2006/relationships" xmlns:p="http://schemas.openxmlformats.org/presentationml/2006/main">
+  <p:cSld>
+    <p:bg>
+      <p:bgPr>
+        <a:solidFill>
+          <a:schemeClr val="bg1"/>
+        </a:solidFill>
+        <a:effectLst/>
+      </p:bgPr>
+    </p:bg>
+    <p:spTree>
+      <p:nvGrpSpPr>
+        <p:cNvPr id="1" name=""/>
+        <p:cNvGrpSpPr/>
+        <p:nvPr/>
+      </p:nvGrpSpPr>
+      <p:grpSpPr>
+        <a:xfrm>
+          <a:off x="0" y="0"/>
+          <a:ext cx="0" cy="0"/>
+          <a:chOff x="0" y="0"/>
+          <a:chExt cx="0" cy="0"/>
+        </a:xfrm>
+      </p:grpSpPr>
+      <p:sp>
+        <p:nvSpPr>
+          <p:cNvPr id="8" name="Rectangle 7">
+            <a:extLst>
+              <a:ext uri="{FF2B5EF4-FFF2-40B4-BE49-F238E27FC236}">
+                <a16:creationId xmlns:a16="http://schemas.microsoft.com/office/drawing/2014/main" id="{8D70B121-56F4-4848-B38B-182089D909FA}"/>
+              </a:ext>
+              <a:ext uri="{C183D7F6-B498-43B3-948B-1728B52AA6E4}">
+                <adec:decorative xmlns:adec="http://schemas.microsoft.com/office/drawing/2017/decorative" val="1"/>
+              </a:ext>
+            </a:extLst>
+          </p:cNvPr>
+          <p:cNvSpPr>
+            <a:spLocks noGrp="1" noRot="1" noChangeAspect="1" noMove="1" noResize="1" noEditPoints="1" noAdjustHandles="1" noChangeArrowheads="1" noChangeShapeType="1" noTextEdit="1"/>
+          </p:cNvSpPr>
+          <p:nvPr>
+            <p:extLst>
+              <p:ext uri="{386F3935-93C4-4BCD-93E2-E3B085C9AB24}">
+                <p16:designElem xmlns:p16="http://schemas.microsoft.com/office/powerpoint/2015/main" val="1"/>
+              </p:ext>
+            </p:extLst>
+          </p:nvPr>
+        </p:nvSpPr>
+        <p:spPr bwMode="ltGray">
+          <a:xfrm>
+            <a:off x="321564" y="320040"/>
+            <a:ext cx="11548872" cy="6217920"/>
+          </a:xfrm>
+          <a:prstGeom prst="rect">
+            <a:avLst/>
+          </a:prstGeom>
+          <a:solidFill>
+            <a:schemeClr val="tx1">
+              <a:alpha val="8000"/>
+            </a:schemeClr>
+          </a:solidFill>
+          <a:ln w="127000" cap="sq" cmpd="thinThick">
+            <a:noFill/>
+          </a:ln>
+        </p:spPr>
+        <p:style>
+          <a:lnRef idx="2">
+            <a:schemeClr val="accent1">
+              <a:shade val="50000"/>
+            </a:schemeClr>
+          </a:lnRef>
+          <a:fillRef idx="1">
+            <a:schemeClr val="accent1"/>
+          </a:fillRef>
+          <a:effectRef idx="0">
+            <a:schemeClr val="accent1"/>
+          </a:effectRef>
+          <a:fontRef idx="minor">
+            <a:schemeClr val="lt1"/>
+          </a:fontRef>
+        </p:style>
+        <p:txBody>
+          <a:bodyPr rtlCol="0" anchor="ctr"/>
+          <a:lstStyle/>
+          <a:p>
+            <a:pPr algn="ctr"/>
+            <a:endParaRPr lang="en-US"/>
+          </a:p>
+        </p:txBody>
+      </p:sp>
+      <p:sp>
+        <p:nvSpPr>
+          <p:cNvPr id="2" name="Titel 1">
+            <a:extLst>
+              <a:ext uri="{FF2B5EF4-FFF2-40B4-BE49-F238E27FC236}">
+                <a16:creationId xmlns:a16="http://schemas.microsoft.com/office/drawing/2014/main" id="{A5F55A03-72CD-4969-B3C8-E903FFD8FEB2}"/>
+              </a:ext>
+            </a:extLst>
+          </p:cNvPr>
+          <p:cNvSpPr>
+            <a:spLocks noGrp="1"/>
+          </p:cNvSpPr>
+          <p:nvPr>
+            <p:ph type="title"/>
+          </p:nvPr>
+        </p:nvSpPr>
+        <p:spPr>
+          <a:xfrm>
+            <a:off x="838200" y="963877"/>
+            <a:ext cx="3494362" cy="4930246"/>
+          </a:xfrm>
+        </p:spPr>
+        <p:txBody>
+          <a:bodyPr>
+            <a:normAutofit/>
+          </a:bodyPr>
+          <a:lstStyle/>
+          <a:p>
+            <a:pPr algn="r"/>
+            <a:r>
+              <a:rPr lang="da-DK" b="1" dirty="0">
+                <a:solidFill>
+                  <a:schemeClr val="accent1"/>
+                </a:solidFill>
+              </a:rPr>
+              <a:t>Opgave 3</a:t>
+            </a:r>
+            <a:br>
+              <a:rPr lang="da-DK" b="1" dirty="0">
+                <a:solidFill>
+                  <a:schemeClr val="accent1"/>
+                </a:solidFill>
+              </a:rPr>
+            </a:br>
+            <a:r>
+              <a:rPr lang="da-DK" b="1" dirty="0">
+                <a:solidFill>
+                  <a:schemeClr val="accent1"/>
+                </a:solidFill>
+              </a:rPr>
+              <a:t>Git + </a:t>
+            </a:r>
+            <a:r>
+              <a:rPr lang="da-DK" b="1" dirty="0" err="1">
+                <a:solidFill>
+                  <a:schemeClr val="accent1"/>
+                </a:solidFill>
+              </a:rPr>
+              <a:t>Conflicts</a:t>
+            </a:r>
+            <a:endParaRPr lang="da-DK" b="1" dirty="0">
+              <a:solidFill>
+                <a:schemeClr val="accent1"/>
+              </a:solidFill>
+            </a:endParaRPr>
+          </a:p>
+        </p:txBody>
+      </p:sp>
+      <p:cxnSp>
+        <p:nvCxnSpPr>
+          <p:cNvPr id="10" name="Straight Connector 9">
+            <a:extLst>
+              <a:ext uri="{FF2B5EF4-FFF2-40B4-BE49-F238E27FC236}">
+                <a16:creationId xmlns:a16="http://schemas.microsoft.com/office/drawing/2014/main" id="{2D72A2C9-F3CA-4216-8BAD-FA4C970C3C4E}"/>
+              </a:ext>
+              <a:ext uri="{C183D7F6-B498-43B3-948B-1728B52AA6E4}">
+                <adec:decorative xmlns:adec="http://schemas.microsoft.com/office/drawing/2017/decorative" val="1"/>
+              </a:ext>
+            </a:extLst>
+          </p:cNvPr>
+          <p:cNvCxnSpPr>
+            <a:cxnSpLocks noGrp="1" noRot="1" noChangeAspect="1" noMove="1" noResize="1" noEditPoints="1" noAdjustHandles="1" noChangeArrowheads="1" noChangeShapeType="1"/>
+          </p:cNvCxnSpPr>
+          <p:nvPr>
+            <p:extLst>
+              <p:ext uri="{386F3935-93C4-4BCD-93E2-E3B085C9AB24}">
+                <p16:designElem xmlns:p16="http://schemas.microsoft.com/office/powerpoint/2015/main" val="1"/>
+              </p:ext>
+            </p:extLst>
+          </p:nvPr>
+        </p:nvCxnSpPr>
+        <p:spPr>
+          <a:xfrm>
+            <a:off x="4654296" y="2057400"/>
+            <a:ext cx="0" cy="2743200"/>
+          </a:xfrm>
+          <a:prstGeom prst="line">
+            <a:avLst/>
+          </a:prstGeom>
+          <a:ln w="19050">
+            <a:solidFill>
+              <a:schemeClr val="tx1">
+                <a:lumMod val="85000"/>
+                <a:lumOff val="15000"/>
+              </a:schemeClr>
+            </a:solidFill>
+          </a:ln>
+        </p:spPr>
+        <p:style>
+          <a:lnRef idx="1">
+            <a:schemeClr val="accent1"/>
+          </a:lnRef>
+          <a:fillRef idx="0">
+            <a:schemeClr val="accent1"/>
+          </a:fillRef>
+          <a:effectRef idx="0">
+            <a:schemeClr val="accent1"/>
+          </a:effectRef>
+          <a:fontRef idx="minor">
+            <a:schemeClr val="tx1"/>
+          </a:fontRef>
+        </p:style>
+      </p:cxnSp>
+      <p:sp>
+        <p:nvSpPr>
+          <p:cNvPr id="3" name="Pladsholder til indhold 2">
+            <a:extLst>
+              <a:ext uri="{FF2B5EF4-FFF2-40B4-BE49-F238E27FC236}">
+                <a16:creationId xmlns:a16="http://schemas.microsoft.com/office/drawing/2014/main" id="{FDCB4B3B-2126-41E6-A20B-26D03B164977}"/>
+              </a:ext>
+            </a:extLst>
+          </p:cNvPr>
+          <p:cNvSpPr>
+            <a:spLocks noGrp="1"/>
+          </p:cNvSpPr>
+          <p:nvPr>
+            <p:ph idx="1"/>
+          </p:nvPr>
+        </p:nvSpPr>
+        <p:spPr>
+          <a:xfrm>
+            <a:off x="4976031" y="963877"/>
+            <a:ext cx="6377769" cy="4930246"/>
+          </a:xfrm>
+        </p:spPr>
+        <p:txBody>
+          <a:bodyPr anchor="ctr">
+            <a:normAutofit/>
+          </a:bodyPr>
+          <a:lstStyle/>
+          <a:p>
+            <a:pPr lvl="0"/>
+            <a:r>
+              <a:rPr lang="da-DK" sz="2200"/>
+              <a:t>Fortsæt med det repository i gjorde brug af i opgave 2.</a:t>
+            </a:r>
+          </a:p>
+          <a:p>
+            <a:pPr lvl="0"/>
+            <a:r>
+              <a:rPr lang="da-DK" sz="2200"/>
+              <a:t>Nu hvor alle i gruppe har alle filer, så skal i begynde at rette i den sammen fil.</a:t>
+            </a:r>
+          </a:p>
+          <a:p>
+            <a:pPr lvl="1"/>
+            <a:r>
+              <a:rPr lang="da-DK" sz="2200"/>
+              <a:t>Ændringer skal også commits til det lokale repository.</a:t>
+            </a:r>
+          </a:p>
+          <a:p>
+            <a:pPr lvl="0"/>
+            <a:r>
+              <a:rPr lang="da-DK" sz="2200"/>
+              <a:t>En i gruppe skal så skubbe sine ændringer op på github.</a:t>
+            </a:r>
+          </a:p>
+          <a:p>
+            <a:pPr lvl="0"/>
+            <a:r>
+              <a:rPr lang="da-DK" sz="2200"/>
+              <a:t>Alle andre i gruppe skal derefter hente disse ændringer og løse de konflikter der kan forekomme.</a:t>
+            </a:r>
+          </a:p>
+          <a:p>
+            <a:pPr lvl="0"/>
+            <a:r>
+              <a:rPr lang="da-DK" sz="2200"/>
+              <a:t>Til sidst skal man gerne (på github) se alle gruppemedlemmers ændringer i den samme fil. </a:t>
+            </a:r>
+          </a:p>
+          <a:p>
+            <a:endParaRPr lang="da-DK" sz="2200"/>
+          </a:p>
+        </p:txBody>
+      </p:sp>
+    </p:spTree>
+    <p:extLst>
+      <p:ext uri="{BB962C8B-B14F-4D97-AF65-F5344CB8AC3E}">
+        <p14:creationId xmlns:p14="http://schemas.microsoft.com/office/powerpoint/2010/main" val="271970957"/>
+      </p:ext>
+    </p:extLst>
+  </p:cSld>
+  <p:clrMapOvr>
+    <a:masterClrMapping/>
+  </p:clrMapOvr>
+</p:sld>
+</file>
+
+<file path=ppt/slides/slide16.xml><?xml version="1.0" encoding="utf-8"?>
+<p:sld xmlns:a="http://schemas.openxmlformats.org/drawingml/2006/main" xmlns:r="http://schemas.openxmlformats.org/officeDocument/2006/relationships" xmlns:p="http://schemas.openxmlformats.org/presentationml/2006/main">
+  <p:cSld>
+    <p:bg>
+      <p:bgPr>
+        <a:solidFill>
+          <a:schemeClr val="bg1"/>
+        </a:solidFill>
+        <a:effectLst/>
+      </p:bgPr>
+    </p:bg>
+    <p:spTree>
+      <p:nvGrpSpPr>
+        <p:cNvPr id="1" name=""/>
+        <p:cNvGrpSpPr/>
+        <p:nvPr/>
+      </p:nvGrpSpPr>
+      <p:grpSpPr>
+        <a:xfrm>
+          <a:off x="0" y="0"/>
+          <a:ext cx="0" cy="0"/>
+          <a:chOff x="0" y="0"/>
+          <a:chExt cx="0" cy="0"/>
+        </a:xfrm>
+      </p:grpSpPr>
+      <p:sp>
+        <p:nvSpPr>
+          <p:cNvPr id="8" name="Rectangle 7">
+            <a:extLst>
+              <a:ext uri="{FF2B5EF4-FFF2-40B4-BE49-F238E27FC236}">
+                <a16:creationId xmlns:a16="http://schemas.microsoft.com/office/drawing/2014/main" id="{8D70B121-56F4-4848-B38B-182089D909FA}"/>
+              </a:ext>
+              <a:ext uri="{C183D7F6-B498-43B3-948B-1728B52AA6E4}">
+                <adec:decorative xmlns:adec="http://schemas.microsoft.com/office/drawing/2017/decorative" val="1"/>
+              </a:ext>
+            </a:extLst>
+          </p:cNvPr>
+          <p:cNvSpPr>
+            <a:spLocks noGrp="1" noRot="1" noChangeAspect="1" noMove="1" noResize="1" noEditPoints="1" noAdjustHandles="1" noChangeArrowheads="1" noChangeShapeType="1" noTextEdit="1"/>
+          </p:cNvSpPr>
+          <p:nvPr>
+            <p:extLst>
+              <p:ext uri="{386F3935-93C4-4BCD-93E2-E3B085C9AB24}">
+                <p16:designElem xmlns:p16="http://schemas.microsoft.com/office/powerpoint/2015/main" val="1"/>
+              </p:ext>
+            </p:extLst>
+          </p:nvPr>
+        </p:nvSpPr>
+        <p:spPr bwMode="ltGray">
+          <a:xfrm>
+            <a:off x="321564" y="320040"/>
+            <a:ext cx="11548872" cy="6217920"/>
+          </a:xfrm>
+          <a:prstGeom prst="rect">
+            <a:avLst/>
+          </a:prstGeom>
+          <a:solidFill>
+            <a:schemeClr val="tx1">
+              <a:alpha val="8000"/>
+            </a:schemeClr>
+          </a:solidFill>
+          <a:ln w="127000" cap="sq" cmpd="thinThick">
+            <a:noFill/>
+          </a:ln>
+        </p:spPr>
+        <p:style>
+          <a:lnRef idx="2">
+            <a:schemeClr val="accent1">
+              <a:shade val="50000"/>
+            </a:schemeClr>
+          </a:lnRef>
+          <a:fillRef idx="1">
+            <a:schemeClr val="accent1"/>
+          </a:fillRef>
+          <a:effectRef idx="0">
+            <a:schemeClr val="accent1"/>
+          </a:effectRef>
+          <a:fontRef idx="minor">
+            <a:schemeClr val="lt1"/>
+          </a:fontRef>
+        </p:style>
+        <p:txBody>
+          <a:bodyPr rtlCol="0" anchor="ctr"/>
+          <a:lstStyle/>
+          <a:p>
+            <a:pPr algn="ctr"/>
+            <a:endParaRPr lang="en-US"/>
+          </a:p>
+        </p:txBody>
+      </p:sp>
+      <p:sp>
+        <p:nvSpPr>
+          <p:cNvPr id="2" name="Titel 1">
+            <a:extLst>
+              <a:ext uri="{FF2B5EF4-FFF2-40B4-BE49-F238E27FC236}">
+                <a16:creationId xmlns:a16="http://schemas.microsoft.com/office/drawing/2014/main" id="{33534E3E-FF04-4617-988F-B17E5E8748BE}"/>
+              </a:ext>
+            </a:extLst>
+          </p:cNvPr>
+          <p:cNvSpPr>
+            <a:spLocks noGrp="1"/>
+          </p:cNvSpPr>
+          <p:nvPr>
+            <p:ph type="title"/>
+          </p:nvPr>
+        </p:nvSpPr>
+        <p:spPr>
+          <a:xfrm>
+            <a:off x="838200" y="963877"/>
+            <a:ext cx="3494362" cy="4930246"/>
+          </a:xfrm>
+        </p:spPr>
+        <p:txBody>
+          <a:bodyPr>
+            <a:normAutofit/>
+          </a:bodyPr>
+          <a:lstStyle/>
+          <a:p>
+            <a:pPr algn="r"/>
+            <a:r>
+              <a:rPr lang="da-DK" b="1" dirty="0">
+                <a:solidFill>
+                  <a:schemeClr val="accent1"/>
+                </a:solidFill>
+              </a:rPr>
+              <a:t>Opgave 4</a:t>
+            </a:r>
+            <a:br>
+              <a:rPr lang="da-DK" b="1" dirty="0">
+                <a:solidFill>
+                  <a:schemeClr val="accent1"/>
+                </a:solidFill>
+              </a:rPr>
+            </a:br>
+            <a:r>
+              <a:rPr lang="da-DK" b="1" dirty="0">
+                <a:solidFill>
+                  <a:schemeClr val="accent1"/>
+                </a:solidFill>
+              </a:rPr>
+              <a:t>Git </a:t>
+            </a:r>
+            <a:r>
+              <a:rPr lang="da-DK" b="1" dirty="0" err="1">
+                <a:solidFill>
+                  <a:schemeClr val="accent1"/>
+                </a:solidFill>
+              </a:rPr>
+              <a:t>Init</a:t>
+            </a:r>
+            <a:endParaRPr lang="da-DK" b="1" dirty="0">
+              <a:solidFill>
+                <a:schemeClr val="accent1"/>
+              </a:solidFill>
+            </a:endParaRPr>
+          </a:p>
+        </p:txBody>
+      </p:sp>
+      <p:cxnSp>
+        <p:nvCxnSpPr>
+          <p:cNvPr id="10" name="Straight Connector 9">
+            <a:extLst>
+              <a:ext uri="{FF2B5EF4-FFF2-40B4-BE49-F238E27FC236}">
+                <a16:creationId xmlns:a16="http://schemas.microsoft.com/office/drawing/2014/main" id="{2D72A2C9-F3CA-4216-8BAD-FA4C970C3C4E}"/>
+              </a:ext>
+              <a:ext uri="{C183D7F6-B498-43B3-948B-1728B52AA6E4}">
+                <adec:decorative xmlns:adec="http://schemas.microsoft.com/office/drawing/2017/decorative" val="1"/>
+              </a:ext>
+            </a:extLst>
+          </p:cNvPr>
+          <p:cNvCxnSpPr>
+            <a:cxnSpLocks noGrp="1" noRot="1" noChangeAspect="1" noMove="1" noResize="1" noEditPoints="1" noAdjustHandles="1" noChangeArrowheads="1" noChangeShapeType="1"/>
+          </p:cNvCxnSpPr>
+          <p:nvPr>
+            <p:extLst>
+              <p:ext uri="{386F3935-93C4-4BCD-93E2-E3B085C9AB24}">
+                <p16:designElem xmlns:p16="http://schemas.microsoft.com/office/powerpoint/2015/main" val="1"/>
+              </p:ext>
+            </p:extLst>
+          </p:nvPr>
+        </p:nvCxnSpPr>
+        <p:spPr>
+          <a:xfrm>
+            <a:off x="4654296" y="2057400"/>
+            <a:ext cx="0" cy="2743200"/>
+          </a:xfrm>
+          <a:prstGeom prst="line">
+            <a:avLst/>
+          </a:prstGeom>
+          <a:ln w="19050">
+            <a:solidFill>
+              <a:schemeClr val="tx1">
+                <a:lumMod val="85000"/>
+                <a:lumOff val="15000"/>
+              </a:schemeClr>
+            </a:solidFill>
+          </a:ln>
+        </p:spPr>
+        <p:style>
+          <a:lnRef idx="1">
+            <a:schemeClr val="accent1"/>
+          </a:lnRef>
+          <a:fillRef idx="0">
+            <a:schemeClr val="accent1"/>
+          </a:fillRef>
+          <a:effectRef idx="0">
+            <a:schemeClr val="accent1"/>
+          </a:effectRef>
+          <a:fontRef idx="minor">
+            <a:schemeClr val="tx1"/>
+          </a:fontRef>
+        </p:style>
+      </p:cxnSp>
+      <p:sp>
+        <p:nvSpPr>
+          <p:cNvPr id="3" name="Pladsholder til indhold 2">
+            <a:extLst>
+              <a:ext uri="{FF2B5EF4-FFF2-40B4-BE49-F238E27FC236}">
+                <a16:creationId xmlns:a16="http://schemas.microsoft.com/office/drawing/2014/main" id="{F2DC1D29-6C22-4067-9578-71707ECB1FF8}"/>
+              </a:ext>
+            </a:extLst>
+          </p:cNvPr>
+          <p:cNvSpPr>
+            <a:spLocks noGrp="1"/>
+          </p:cNvSpPr>
+          <p:nvPr>
+            <p:ph idx="1"/>
+          </p:nvPr>
+        </p:nvSpPr>
+        <p:spPr>
+          <a:xfrm>
+            <a:off x="4976031" y="963877"/>
+            <a:ext cx="6377769" cy="4930246"/>
+          </a:xfrm>
+        </p:spPr>
+        <p:txBody>
+          <a:bodyPr anchor="ctr">
+            <a:normAutofit/>
+          </a:bodyPr>
+          <a:lstStyle/>
+          <a:p>
+            <a:pPr lvl="0"/>
+            <a:r>
+              <a:rPr lang="da-DK" sz="2400"/>
+              <a:t>Lav et repository på github.</a:t>
+            </a:r>
+          </a:p>
+          <a:p>
+            <a:pPr lvl="0"/>
+            <a:r>
+              <a:rPr lang="da-DK" sz="2400"/>
+              <a:t>Lav en mappe med navnet Test-Projekt, eller find på noget selv, og lav en fil i mappen som hedder HelloWorld.java</a:t>
+            </a:r>
+          </a:p>
+          <a:p>
+            <a:pPr lvl="0"/>
+            <a:r>
+              <a:rPr lang="da-DK" sz="2400"/>
+              <a:t>Fyld filen ud med en klasse, af samme navn, og lav samtidig en main metode</a:t>
+            </a:r>
+          </a:p>
+          <a:p>
+            <a:pPr lvl="0"/>
+            <a:r>
+              <a:rPr lang="da-DK" sz="2400"/>
+              <a:t>Initialiser mappen til brug med git.</a:t>
+            </a:r>
+          </a:p>
+          <a:p>
+            <a:pPr lvl="1"/>
+            <a:r>
+              <a:rPr lang="da-DK" dirty="0"/>
+              <a:t>Git </a:t>
+            </a:r>
+            <a:r>
+              <a:rPr lang="da-DK"/>
+              <a:t>init</a:t>
+            </a:r>
+            <a:r>
+              <a:rPr lang="da-DK" dirty="0"/>
+              <a:t>, initialiserer den mappe du står i.</a:t>
+            </a:r>
+          </a:p>
+          <a:p>
+            <a:pPr lvl="0"/>
+            <a:r>
+              <a:rPr lang="da-DK" sz="2400"/>
+              <a:t>Skub nu filen på dit github repository.</a:t>
+            </a:r>
+          </a:p>
+          <a:p>
+            <a:pPr lvl="1"/>
+            <a:r>
+              <a:rPr lang="da-DK" dirty="0"/>
+              <a:t>Når du har lave et </a:t>
+            </a:r>
+            <a:r>
+              <a:rPr lang="da-DK"/>
+              <a:t>commit</a:t>
+            </a:r>
+            <a:r>
+              <a:rPr lang="da-DK" dirty="0"/>
+              <a:t> og kalder </a:t>
+            </a:r>
+            <a:r>
+              <a:rPr lang="da-DK"/>
+              <a:t>git</a:t>
+            </a:r>
+            <a:r>
+              <a:rPr lang="da-DK" dirty="0"/>
+              <a:t> push, så skal du blot følge vejledningen </a:t>
+            </a:r>
+            <a:r>
+              <a:rPr lang="da-DK"/>
+              <a:t>git</a:t>
+            </a:r>
+            <a:r>
+              <a:rPr lang="da-DK" dirty="0"/>
+              <a:t> selv giver.</a:t>
+            </a:r>
+          </a:p>
+          <a:p>
+            <a:pPr marL="0" indent="0">
+              <a:buNone/>
+            </a:pPr>
+            <a:endParaRPr lang="da-DK" sz="2400"/>
+          </a:p>
+        </p:txBody>
+      </p:sp>
+    </p:spTree>
+    <p:extLst>
+      <p:ext uri="{BB962C8B-B14F-4D97-AF65-F5344CB8AC3E}">
+        <p14:creationId xmlns:p14="http://schemas.microsoft.com/office/powerpoint/2010/main" val="848532942"/>
+      </p:ext>
+    </p:extLst>
+  </p:cSld>
+  <p:clrMapOvr>
+    <a:masterClrMapping/>
+  </p:clrMapOvr>
+</p:sld>
+</file>
+
+<file path=ppt/slides/slide2.xml><?xml version="1.0" encoding="utf-8"?>
+<p:sld xmlns:a="http://schemas.openxmlformats.org/drawingml/2006/main" xmlns:r="http://schemas.openxmlformats.org/officeDocument/2006/relationships" xmlns:p="http://schemas.openxmlformats.org/presentationml/2006/main">
+  <p:cSld>
+    <p:bg>
+      <p:bgPr>
+        <a:solidFill>
+          <a:srgbClr val="FFFFFF"/>
+        </a:solidFill>
+        <a:effectLst/>
+      </p:bgPr>
+    </p:bg>
+    <p:spTree>
+      <p:nvGrpSpPr>
+        <p:cNvPr id="1" name=""/>
+        <p:cNvGrpSpPr/>
+        <p:nvPr/>
+      </p:nvGrpSpPr>
+      <p:grpSpPr>
+        <a:xfrm>
+          <a:off x="0" y="0"/>
+          <a:ext cx="0" cy="0"/>
+          <a:chOff x="0" y="0"/>
+          <a:chExt cx="0" cy="0"/>
+        </a:xfrm>
+      </p:grpSpPr>
+      <p:pic>
+        <p:nvPicPr>
+          <p:cNvPr id="5" name="Pladsholder til indhold 4" descr="Et billede, der indeholder skærmbillede&#10;&#10;Automatisk genereret beskrivelse">
+            <a:extLst>
+              <a:ext uri="{FF2B5EF4-FFF2-40B4-BE49-F238E27FC236}">
+                <a16:creationId xmlns:a16="http://schemas.microsoft.com/office/drawing/2014/main" id="{CAB345A0-AA03-42DB-ABA5-12F68098175B}"/>
+              </a:ext>
+            </a:extLst>
+          </p:cNvPr>
+          <p:cNvPicPr>
+            <a:picLocks noGrp="1" noChangeAspect="1"/>
+          </p:cNvPicPr>
+          <p:nvPr>
+            <p:ph idx="1"/>
+          </p:nvPr>
+        </p:nvPicPr>
+        <p:blipFill>
+          <a:blip r:embed="rId3"/>
+          <a:stretch>
+            <a:fillRect/>
+          </a:stretch>
+        </p:blipFill>
+        <p:spPr>
+          <a:xfrm>
+            <a:off x="643467" y="1118207"/>
+            <a:ext cx="10929788" cy="2240606"/>
+          </a:xfrm>
+          <a:prstGeom prst="rect">
+            <a:avLst/>
+          </a:prstGeom>
+        </p:spPr>
+      </p:pic>
+      <p:sp>
+        <p:nvSpPr>
+          <p:cNvPr id="15" name="Rectangle 14">
+            <a:extLst>
+              <a:ext uri="{FF2B5EF4-FFF2-40B4-BE49-F238E27FC236}">
+                <a16:creationId xmlns:a16="http://schemas.microsoft.com/office/drawing/2014/main" id="{72257994-BD97-4691-8B89-198A6D2BABDC}"/>
+              </a:ext>
+              <a:ext uri="{C183D7F6-B498-43B3-948B-1728B52AA6E4}">
+                <adec:decorative xmlns:adec="http://schemas.microsoft.com/office/drawing/2017/decorative" val="1"/>
+              </a:ext>
+            </a:extLst>
+          </p:cNvPr>
+          <p:cNvSpPr>
+            <a:spLocks noGrp="1" noRot="1" noChangeAspect="1" noMove="1" noResize="1" noEditPoints="1" noAdjustHandles="1" noChangeArrowheads="1" noChangeShapeType="1" noTextEdit="1"/>
+          </p:cNvSpPr>
+          <p:nvPr>
+            <p:extLst>
+              <p:ext uri="{386F3935-93C4-4BCD-93E2-E3B085C9AB24}">
+                <p16:designElem xmlns:p16="http://schemas.microsoft.com/office/powerpoint/2015/main" val="1"/>
+              </p:ext>
+            </p:extLst>
+          </p:nvPr>
+        </p:nvSpPr>
+        <p:spPr>
+          <a:xfrm>
+            <a:off x="0" y="4918509"/>
+            <a:ext cx="12192000" cy="1939491"/>
+          </a:xfrm>
+          <a:prstGeom prst="rect">
+            <a:avLst/>
+          </a:prstGeom>
+          <a:solidFill>
+            <a:srgbClr val="404040"/>
+          </a:solidFill>
+          <a:ln>
+            <a:noFill/>
+          </a:ln>
+        </p:spPr>
+        <p:style>
+          <a:lnRef idx="2">
+            <a:schemeClr val="accent1">
+              <a:shade val="50000"/>
+            </a:schemeClr>
+          </a:lnRef>
+          <a:fillRef idx="1">
+            <a:schemeClr val="accent1"/>
+          </a:fillRef>
+          <a:effectRef idx="0">
+            <a:schemeClr val="accent1"/>
+          </a:effectRef>
+          <a:fontRef idx="minor">
+            <a:schemeClr val="lt1"/>
+          </a:fontRef>
+        </p:style>
+        <p:txBody>
+          <a:bodyPr rtlCol="0" anchor="ctr"/>
+          <a:lstStyle/>
+          <a:p>
+            <a:pPr algn="ctr"/>
+            <a:endParaRPr lang="en-US"/>
+          </a:p>
+        </p:txBody>
+      </p:sp>
+      <p:sp>
+        <p:nvSpPr>
+          <p:cNvPr id="2" name="Titel 1">
+            <a:extLst>
+              <a:ext uri="{FF2B5EF4-FFF2-40B4-BE49-F238E27FC236}">
+                <a16:creationId xmlns:a16="http://schemas.microsoft.com/office/drawing/2014/main" id="{A7F9BF7C-A747-4ED0-A6DD-4B362FF74B5A}"/>
+              </a:ext>
+            </a:extLst>
+          </p:cNvPr>
+          <p:cNvSpPr>
+            <a:spLocks noGrp="1"/>
+          </p:cNvSpPr>
+          <p:nvPr>
+            <p:ph type="title"/>
+          </p:nvPr>
+        </p:nvSpPr>
+        <p:spPr>
+          <a:xfrm>
+            <a:off x="1600200" y="4269282"/>
+            <a:ext cx="8991600" cy="1264762"/>
+          </a:xfrm>
+          <a:solidFill>
+            <a:srgbClr val="FFFFFF"/>
+          </a:solidFill>
+          <a:ln w="38100">
+            <a:solidFill>
+              <a:srgbClr val="404040"/>
+            </a:solidFill>
+            <a:miter lim="800000"/>
+          </a:ln>
+        </p:spPr>
+        <p:txBody>
+          <a:bodyPr vert="horz" lIns="91440" tIns="45720" rIns="91440" bIns="45720" rtlCol="0" anchor="ctr">
+            <a:normAutofit/>
+          </a:bodyPr>
+          <a:lstStyle/>
+          <a:p>
+            <a:pPr algn="ctr"/>
+            <a:r>
+              <a:rPr lang="en-US" sz="4000" kern="1200">
+                <a:solidFill>
+                  <a:srgbClr val="404040"/>
+                </a:solidFill>
+                <a:latin typeface="+mj-lt"/>
+                <a:ea typeface="+mj-ea"/>
+                <a:cs typeface="+mj-cs"/>
+              </a:rPr>
+              <a:t>GIT Som Versionsstyring</a:t>
+            </a:r>
+          </a:p>
+        </p:txBody>
+      </p:sp>
+    </p:spTree>
+    <p:extLst>
+      <p:ext uri="{BB962C8B-B14F-4D97-AF65-F5344CB8AC3E}">
+        <p14:creationId xmlns:p14="http://schemas.microsoft.com/office/powerpoint/2010/main" val="3113409647"/>
+      </p:ext>
+    </p:extLst>
+  </p:cSld>
+  <p:clrMapOvr>
+    <a:masterClrMapping/>
+  </p:clrMapOvr>
+</p:sld>
+</file>
+
+<file path=ppt/slides/slide3.xml><?xml version="1.0" encoding="utf-8"?>
+<p:sld xmlns:a="http://schemas.openxmlformats.org/drawingml/2006/main" xmlns:r="http://schemas.openxmlformats.org/officeDocument/2006/relationships" xmlns:p="http://schemas.openxmlformats.org/presentationml/2006/main">
+  <p:cSld>
+    <p:bg>
+      <p:bgPr>
+        <a:solidFill>
+          <a:schemeClr val="bg1"/>
+        </a:solidFill>
+        <a:effectLst/>
+      </p:bgPr>
+    </p:bg>
+    <p:spTree>
+      <p:nvGrpSpPr>
+        <p:cNvPr id="1" name=""/>
+        <p:cNvGrpSpPr/>
+        <p:nvPr/>
+      </p:nvGrpSpPr>
+      <p:grpSpPr>
+        <a:xfrm>
+          <a:off x="0" y="0"/>
+          <a:ext cx="0" cy="0"/>
+          <a:chOff x="0" y="0"/>
+          <a:chExt cx="0" cy="0"/>
+        </a:xfrm>
+      </p:grpSpPr>
+      <p:sp>
+        <p:nvSpPr>
+          <p:cNvPr id="2" name="Titel 1">
+            <a:extLst>
+              <a:ext uri="{FF2B5EF4-FFF2-40B4-BE49-F238E27FC236}">
+                <a16:creationId xmlns:a16="http://schemas.microsoft.com/office/drawing/2014/main" id="{A815F205-7C51-4B3D-BC66-07B32FA2EAB3}"/>
+              </a:ext>
+            </a:extLst>
+          </p:cNvPr>
+          <p:cNvSpPr>
+            <a:spLocks noGrp="1"/>
+          </p:cNvSpPr>
+          <p:nvPr>
+            <p:ph type="title"/>
+          </p:nvPr>
+        </p:nvSpPr>
+        <p:spPr>
+          <a:xfrm>
+            <a:off x="838200" y="365125"/>
+            <a:ext cx="10515600" cy="1325563"/>
+          </a:xfrm>
+        </p:spPr>
+        <p:txBody>
+          <a:bodyPr vert="horz" lIns="91440" tIns="45720" rIns="91440" bIns="45720" rtlCol="0" anchor="ctr">
+            <a:normAutofit/>
+          </a:bodyPr>
+          <a:lstStyle/>
+          <a:p>
+            <a:r>
+              <a:rPr lang="en-US" sz="4400" kern="1200">
+                <a:solidFill>
+                  <a:schemeClr val="tx1"/>
+                </a:solidFill>
+                <a:latin typeface="+mj-lt"/>
+                <a:ea typeface="+mj-ea"/>
+                <a:cs typeface="+mj-cs"/>
+              </a:rPr>
+              <a:t>Commits</a:t>
+            </a:r>
+          </a:p>
+        </p:txBody>
+      </p:sp>
+      <p:graphicFrame>
+        <p:nvGraphicFramePr>
+          <p:cNvPr id="6" name="Pladsholder til indhold 2">
+            <a:extLst>
+              <a:ext uri="{FF2B5EF4-FFF2-40B4-BE49-F238E27FC236}">
+                <a16:creationId xmlns:a16="http://schemas.microsoft.com/office/drawing/2014/main" id="{491F020D-380F-4348-B1C4-5FE54F5617EC}"/>
+              </a:ext>
+            </a:extLst>
+          </p:cNvPr>
+          <p:cNvGraphicFramePr/>
+          <p:nvPr>
+            <p:extLst>
+              <p:ext uri="{D42A27DB-BD31-4B8C-83A1-F6EECF244321}">
+                <p14:modId xmlns:p14="http://schemas.microsoft.com/office/powerpoint/2010/main" val="1072512287"/>
+              </p:ext>
+            </p:extLst>
+          </p:nvPr>
+        </p:nvGraphicFramePr>
+        <p:xfrm>
+          <a:off x="838200" y="1825625"/>
+          <a:ext cx="10515600" cy="4351338"/>
+        </p:xfrm>
+        <a:graphic>
+          <a:graphicData uri="http://schemas.openxmlformats.org/drawingml/2006/diagram">
+            <dgm:relIds xmlns:dgm="http://schemas.openxmlformats.org/drawingml/2006/diagram" xmlns:r="http://schemas.openxmlformats.org/officeDocument/2006/relationships" r:dm="rId3" r:lo="rId4" r:qs="rId5" r:cs="rId6"/>
+          </a:graphicData>
+        </a:graphic>
+      </p:graphicFrame>
+    </p:spTree>
+    <p:extLst>
+      <p:ext uri="{BB962C8B-B14F-4D97-AF65-F5344CB8AC3E}">
+        <p14:creationId xmlns:p14="http://schemas.microsoft.com/office/powerpoint/2010/main" val="1861890904"/>
+      </p:ext>
+    </p:extLst>
+  </p:cSld>
+  <p:clrMapOvr>
+    <a:masterClrMapping/>
+  </p:clrMapOvr>
+</p:sld>
+</file>
+
+<file path=ppt/slides/slide4.xml><?xml version="1.0" encoding="utf-8"?>
+<p:sld xmlns:a="http://schemas.openxmlformats.org/drawingml/2006/main" xmlns:r="http://schemas.openxmlformats.org/officeDocument/2006/relationships" xmlns:p="http://schemas.openxmlformats.org/presentationml/2006/main">
+  <p:cSld>
+    <p:spTree>
+      <p:nvGrpSpPr>
+        <p:cNvPr id="1" name=""/>
+        <p:cNvGrpSpPr/>
+        <p:nvPr/>
+      </p:nvGrpSpPr>
+      <p:grpSpPr>
+        <a:xfrm>
+          <a:off x="0" y="0"/>
+          <a:ext cx="0" cy="0"/>
+          <a:chOff x="0" y="0"/>
+          <a:chExt cx="0" cy="0"/>
+        </a:xfrm>
+      </p:grpSpPr>
+      <p:sp>
+        <p:nvSpPr>
+          <p:cNvPr id="2" name="Titel 1">
+            <a:extLst>
+              <a:ext uri="{FF2B5EF4-FFF2-40B4-BE49-F238E27FC236}">
+                <a16:creationId xmlns:a16="http://schemas.microsoft.com/office/drawing/2014/main" id="{FF07C6A3-3F8B-4400-9AAB-B5EDD467D2EE}"/>
+              </a:ext>
+            </a:extLst>
+          </p:cNvPr>
+          <p:cNvSpPr>
+            <a:spLocks noGrp="1"/>
+          </p:cNvSpPr>
+          <p:nvPr>
+            <p:ph type="title"/>
+          </p:nvPr>
+        </p:nvSpPr>
+        <p:spPr/>
+        <p:txBody>
+          <a:bodyPr/>
+          <a:lstStyle/>
+          <a:p>
+            <a:r>
+              <a:rPr lang="da-DK" dirty="0" err="1"/>
+              <a:t>Untracted</a:t>
+            </a:r>
+            <a:r>
+              <a:rPr lang="da-DK" dirty="0"/>
+              <a:t> Files</a:t>
+            </a:r>
+          </a:p>
+        </p:txBody>
+      </p:sp>
+      <p:sp>
+        <p:nvSpPr>
+          <p:cNvPr id="4" name="Pladsholder til indhold 3">
+            <a:extLst>
+              <a:ext uri="{FF2B5EF4-FFF2-40B4-BE49-F238E27FC236}">
+                <a16:creationId xmlns:a16="http://schemas.microsoft.com/office/drawing/2014/main" id="{088BB9EE-10F2-49FA-B735-3CAC79ED813A}"/>
+              </a:ext>
+            </a:extLst>
+          </p:cNvPr>
+          <p:cNvSpPr>
+            <a:spLocks noGrp="1"/>
+          </p:cNvSpPr>
+          <p:nvPr>
+            <p:ph sz="half" idx="1"/>
+          </p:nvPr>
+        </p:nvSpPr>
+        <p:spPr/>
+        <p:txBody>
+          <a:bodyPr/>
+          <a:lstStyle/>
+          <a:p>
+            <a:r>
+              <a:rPr lang="da-DK" dirty="0"/>
+              <a:t>Disse filer bliver ikke holdt øje med af Git, det vil sige de er altså ikke inkluderet i din versionsstyring og vil derfor ikke blive taget med når </a:t>
+            </a:r>
+            <a:r>
+              <a:rPr lang="da-DK" dirty="0" err="1"/>
+              <a:t>git</a:t>
+            </a:r>
+            <a:r>
+              <a:rPr lang="da-DK" dirty="0"/>
+              <a:t> skal gemme en ’version’</a:t>
+            </a:r>
+          </a:p>
+        </p:txBody>
+      </p:sp>
+      <p:pic>
+        <p:nvPicPr>
+          <p:cNvPr id="6" name="Pladsholder til indhold 5">
+            <a:extLst>
+              <a:ext uri="{FF2B5EF4-FFF2-40B4-BE49-F238E27FC236}">
+                <a16:creationId xmlns:a16="http://schemas.microsoft.com/office/drawing/2014/main" id="{E7AFB710-4A91-4B74-9644-6EFC9D226518}"/>
+              </a:ext>
+            </a:extLst>
+          </p:cNvPr>
+          <p:cNvPicPr>
+            <a:picLocks noGrp="1"/>
+          </p:cNvPicPr>
+          <p:nvPr>
+            <p:ph sz="half" idx="2"/>
+          </p:nvPr>
+        </p:nvPicPr>
+        <p:blipFill rotWithShape="1">
+          <a:blip r:embed="rId3"/>
+          <a:srcRect t="3509" r="46843" b="68491"/>
+          <a:stretch/>
+        </p:blipFill>
+        <p:spPr bwMode="auto">
+          <a:xfrm>
+            <a:off x="6172200" y="1371600"/>
+            <a:ext cx="5962650" cy="5486399"/>
+          </a:xfrm>
+          <a:prstGeom prst="rect">
+            <a:avLst/>
+          </a:prstGeom>
+          <a:ln>
+            <a:noFill/>
+          </a:ln>
+          <a:extLst>
+            <a:ext uri="{53640926-AAD7-44D8-BBD7-CCE9431645EC}">
+              <a14:shadowObscured xmlns:a14="http://schemas.microsoft.com/office/drawing/2010/main"/>
+            </a:ext>
+          </a:extLst>
+        </p:spPr>
+      </p:pic>
+    </p:spTree>
+    <p:extLst>
+      <p:ext uri="{BB962C8B-B14F-4D97-AF65-F5344CB8AC3E}">
+        <p14:creationId xmlns:p14="http://schemas.microsoft.com/office/powerpoint/2010/main" val="1035845674"/>
+      </p:ext>
+    </p:extLst>
+  </p:cSld>
+  <p:clrMapOvr>
+    <a:masterClrMapping/>
+  </p:clrMapOvr>
+</p:sld>
+</file>
+
+<file path=ppt/slides/slide5.xml><?xml version="1.0" encoding="utf-8"?>
+<p:sld xmlns:a="http://schemas.openxmlformats.org/drawingml/2006/main" xmlns:r="http://schemas.openxmlformats.org/officeDocument/2006/relationships" xmlns:p="http://schemas.openxmlformats.org/presentationml/2006/main">
+  <p:cSld>
+    <p:spTree>
+      <p:nvGrpSpPr>
+        <p:cNvPr id="1" name=""/>
+        <p:cNvGrpSpPr/>
+        <p:nvPr/>
+      </p:nvGrpSpPr>
+      <p:grpSpPr>
+        <a:xfrm>
+          <a:off x="0" y="0"/>
+          <a:ext cx="0" cy="0"/>
+          <a:chOff x="0" y="0"/>
+          <a:chExt cx="0" cy="0"/>
+        </a:xfrm>
+      </p:grpSpPr>
+      <p:sp>
+        <p:nvSpPr>
+          <p:cNvPr id="2" name="Titel 1">
+            <a:extLst>
+              <a:ext uri="{FF2B5EF4-FFF2-40B4-BE49-F238E27FC236}">
+                <a16:creationId xmlns:a16="http://schemas.microsoft.com/office/drawing/2014/main" id="{FF07C6A3-3F8B-4400-9AAB-B5EDD467D2EE}"/>
+              </a:ext>
+            </a:extLst>
+          </p:cNvPr>
+          <p:cNvSpPr>
+            <a:spLocks noGrp="1"/>
+          </p:cNvSpPr>
+          <p:nvPr>
+            <p:ph type="title"/>
+          </p:nvPr>
+        </p:nvSpPr>
+        <p:spPr/>
+        <p:txBody>
+          <a:bodyPr/>
+          <a:lstStyle/>
+          <a:p>
+            <a:r>
+              <a:rPr lang="da-DK" dirty="0"/>
+              <a:t>Changes not </a:t>
+            </a:r>
+            <a:r>
+              <a:rPr lang="da-DK" dirty="0" err="1"/>
+              <a:t>staged</a:t>
+            </a:r>
+            <a:r>
+              <a:rPr lang="da-DK" dirty="0"/>
+              <a:t> for </a:t>
+            </a:r>
+            <a:r>
+              <a:rPr lang="da-DK" dirty="0" err="1"/>
+              <a:t>commit</a:t>
+            </a:r>
+            <a:endParaRPr lang="da-DK" dirty="0"/>
+          </a:p>
+        </p:txBody>
+      </p:sp>
+      <p:sp>
+        <p:nvSpPr>
+          <p:cNvPr id="4" name="Pladsholder til indhold 3">
+            <a:extLst>
+              <a:ext uri="{FF2B5EF4-FFF2-40B4-BE49-F238E27FC236}">
+                <a16:creationId xmlns:a16="http://schemas.microsoft.com/office/drawing/2014/main" id="{088BB9EE-10F2-49FA-B735-3CAC79ED813A}"/>
+              </a:ext>
+            </a:extLst>
+          </p:cNvPr>
+          <p:cNvSpPr>
+            <a:spLocks noGrp="1"/>
+          </p:cNvSpPr>
+          <p:nvPr>
+            <p:ph sz="half" idx="1"/>
+          </p:nvPr>
+        </p:nvSpPr>
+        <p:spPr/>
+        <p:txBody>
+          <a:bodyPr/>
+          <a:lstStyle/>
+          <a:p>
+            <a:r>
+              <a:rPr lang="da-DK" dirty="0"/>
+              <a:t>Her er tale om at der er sket ændringer i filer som </a:t>
+            </a:r>
+            <a:r>
+              <a:rPr lang="da-DK" dirty="0" err="1"/>
+              <a:t>git</a:t>
+            </a:r>
+            <a:r>
+              <a:rPr lang="da-DK" dirty="0"/>
+              <a:t> holder øje med</a:t>
+            </a:r>
+          </a:p>
+        </p:txBody>
+      </p:sp>
+      <p:pic>
+        <p:nvPicPr>
+          <p:cNvPr id="7" name="Pladsholder til indhold 6">
+            <a:extLst>
+              <a:ext uri="{FF2B5EF4-FFF2-40B4-BE49-F238E27FC236}">
+                <a16:creationId xmlns:a16="http://schemas.microsoft.com/office/drawing/2014/main" id="{1958547D-1A78-4E7E-BC12-2514448B5D48}"/>
+              </a:ext>
+            </a:extLst>
+          </p:cNvPr>
+          <p:cNvPicPr>
+            <a:picLocks noGrp="1"/>
+          </p:cNvPicPr>
+          <p:nvPr>
+            <p:ph sz="half" idx="2"/>
+          </p:nvPr>
+        </p:nvPicPr>
+        <p:blipFill rotWithShape="1">
+          <a:blip r:embed="rId3"/>
+          <a:srcRect t="3259" r="45592" b="60650"/>
+          <a:stretch/>
+        </p:blipFill>
+        <p:spPr bwMode="auto">
+          <a:xfrm>
+            <a:off x="6172200" y="1690688"/>
+            <a:ext cx="6019800" cy="5167312"/>
+          </a:xfrm>
+          <a:prstGeom prst="rect">
+            <a:avLst/>
+          </a:prstGeom>
+          <a:ln>
+            <a:noFill/>
+          </a:ln>
+          <a:extLst>
+            <a:ext uri="{53640926-AAD7-44D8-BBD7-CCE9431645EC}">
+              <a14:shadowObscured xmlns:a14="http://schemas.microsoft.com/office/drawing/2010/main"/>
+            </a:ext>
+          </a:extLst>
+        </p:spPr>
+      </p:pic>
+    </p:spTree>
+    <p:extLst>
+      <p:ext uri="{BB962C8B-B14F-4D97-AF65-F5344CB8AC3E}">
+        <p14:creationId xmlns:p14="http://schemas.microsoft.com/office/powerpoint/2010/main" val="1808584411"/>
+      </p:ext>
+    </p:extLst>
+  </p:cSld>
+  <p:clrMapOvr>
+    <a:masterClrMapping/>
+  </p:clrMapOvr>
+</p:sld>
+</file>
+
+<file path=ppt/slides/slide6.xml><?xml version="1.0" encoding="utf-8"?>
+<p:sld xmlns:a="http://schemas.openxmlformats.org/drawingml/2006/main" xmlns:r="http://schemas.openxmlformats.org/officeDocument/2006/relationships" xmlns:p="http://schemas.openxmlformats.org/presentationml/2006/main">
+  <p:cSld>
+    <p:spTree>
+      <p:nvGrpSpPr>
+        <p:cNvPr id="1" name=""/>
+        <p:cNvGrpSpPr/>
+        <p:nvPr/>
+      </p:nvGrpSpPr>
+      <p:grpSpPr>
+        <a:xfrm>
+          <a:off x="0" y="0"/>
+          <a:ext cx="0" cy="0"/>
+          <a:chOff x="0" y="0"/>
+          <a:chExt cx="0" cy="0"/>
+        </a:xfrm>
+      </p:grpSpPr>
+      <p:sp>
+        <p:nvSpPr>
+          <p:cNvPr id="2" name="Titel 1">
+            <a:extLst>
+              <a:ext uri="{FF2B5EF4-FFF2-40B4-BE49-F238E27FC236}">
+                <a16:creationId xmlns:a16="http://schemas.microsoft.com/office/drawing/2014/main" id="{2FD31A5C-81BA-44B1-80CB-A94262FBE21D}"/>
+              </a:ext>
+            </a:extLst>
+          </p:cNvPr>
+          <p:cNvSpPr>
+            <a:spLocks noGrp="1"/>
+          </p:cNvSpPr>
+          <p:nvPr>
+            <p:ph type="title"/>
+          </p:nvPr>
+        </p:nvSpPr>
+        <p:spPr>
+          <a:xfrm>
+            <a:off x="838200" y="365125"/>
+            <a:ext cx="10515600" cy="1325563"/>
+          </a:xfrm>
+        </p:spPr>
+        <p:txBody>
+          <a:bodyPr/>
+          <a:lstStyle/>
+          <a:p>
+            <a:r>
+              <a:rPr lang="da-DK"/>
+              <a:t>Changes to be commited</a:t>
+            </a:r>
+            <a:endParaRPr lang="da-DK" dirty="0"/>
+          </a:p>
+        </p:txBody>
+      </p:sp>
+      <p:sp>
+        <p:nvSpPr>
+          <p:cNvPr id="3" name="Pladsholder til indhold 2">
+            <a:extLst>
+              <a:ext uri="{FF2B5EF4-FFF2-40B4-BE49-F238E27FC236}">
+                <a16:creationId xmlns:a16="http://schemas.microsoft.com/office/drawing/2014/main" id="{4A838C08-0A27-430E-AB9F-CF5C5949C7B5}"/>
+              </a:ext>
+            </a:extLst>
+          </p:cNvPr>
+          <p:cNvSpPr>
+            <a:spLocks noGrp="1"/>
+          </p:cNvSpPr>
+          <p:nvPr>
+            <p:ph sz="half" idx="1"/>
+          </p:nvPr>
+        </p:nvSpPr>
+        <p:spPr>
+          <a:xfrm>
+            <a:off x="838200" y="1825625"/>
+            <a:ext cx="5181600" cy="4351338"/>
+          </a:xfrm>
+        </p:spPr>
+        <p:txBody>
+          <a:bodyPr/>
+          <a:lstStyle/>
+          <a:p>
+            <a:r>
+              <a:rPr lang="da-DK"/>
+              <a:t>Her er der tale om at følgende filer er ændret siden sidste commit, men at de er inkluderet i det næste kommende commit.</a:t>
+            </a:r>
+            <a:endParaRPr lang="da-DK" dirty="0"/>
+          </a:p>
+        </p:txBody>
+      </p:sp>
+      <p:pic>
+        <p:nvPicPr>
+          <p:cNvPr id="5" name="Pladsholder til indhold 4">
+            <a:extLst>
+              <a:ext uri="{FF2B5EF4-FFF2-40B4-BE49-F238E27FC236}">
+                <a16:creationId xmlns:a16="http://schemas.microsoft.com/office/drawing/2014/main" id="{4D871C84-8111-44D3-BC7D-6D7E021520EB}"/>
+              </a:ext>
+            </a:extLst>
+          </p:cNvPr>
+          <p:cNvPicPr>
+            <a:picLocks noGrp="1"/>
+          </p:cNvPicPr>
+          <p:nvPr>
+            <p:ph sz="half" idx="2"/>
+          </p:nvPr>
+        </p:nvPicPr>
+        <p:blipFill rotWithShape="1">
+          <a:blip r:embed="rId2"/>
+          <a:srcRect l="-1" t="3259" r="46965" b="71931"/>
+          <a:stretch/>
+        </p:blipFill>
+        <p:spPr bwMode="auto">
+          <a:xfrm>
+            <a:off x="6172199" y="1690688"/>
+            <a:ext cx="6019801" cy="5167312"/>
+          </a:xfrm>
+          <a:prstGeom prst="rect">
+            <a:avLst/>
+          </a:prstGeom>
+          <a:ln>
+            <a:noFill/>
+          </a:ln>
+          <a:extLst>
+            <a:ext uri="{53640926-AAD7-44D8-BBD7-CCE9431645EC}">
+              <a14:shadowObscured xmlns:a14="http://schemas.microsoft.com/office/drawing/2010/main"/>
+            </a:ext>
+          </a:extLst>
+        </p:spPr>
+      </p:pic>
+    </p:spTree>
+    <p:extLst>
+      <p:ext uri="{BB962C8B-B14F-4D97-AF65-F5344CB8AC3E}">
+        <p14:creationId xmlns:p14="http://schemas.microsoft.com/office/powerpoint/2010/main" val="326185448"/>
+      </p:ext>
+    </p:extLst>
+  </p:cSld>
+  <p:clrMapOvr>
+    <a:masterClrMapping/>
+  </p:clrMapOvr>
+</p:sld>
+</file>
+
+<file path=ppt/slides/slide7.xml><?xml version="1.0" encoding="utf-8"?>
+<p:sld xmlns:a="http://schemas.openxmlformats.org/drawingml/2006/main" xmlns:r="http://schemas.openxmlformats.org/officeDocument/2006/relationships" xmlns:p="http://schemas.openxmlformats.org/presentationml/2006/main">
+  <p:cSld>
+    <p:spTree>
+      <p:nvGrpSpPr>
+        <p:cNvPr id="1" name=""/>
+        <p:cNvGrpSpPr/>
+        <p:nvPr/>
+      </p:nvGrpSpPr>
+      <p:grpSpPr>
+        <a:xfrm>
+          <a:off x="0" y="0"/>
+          <a:ext cx="0" cy="0"/>
+          <a:chOff x="0" y="0"/>
+          <a:chExt cx="0" cy="0"/>
+        </a:xfrm>
+      </p:grpSpPr>
+      <p:sp>
+        <p:nvSpPr>
+          <p:cNvPr id="2" name="Titel 1">
+            <a:extLst>
+              <a:ext uri="{FF2B5EF4-FFF2-40B4-BE49-F238E27FC236}">
+                <a16:creationId xmlns:a16="http://schemas.microsoft.com/office/drawing/2014/main" id="{16592B64-0EC1-42F0-9FB8-EFAE7E592467}"/>
+              </a:ext>
+            </a:extLst>
+          </p:cNvPr>
+          <p:cNvSpPr>
+            <a:spLocks noGrp="1"/>
+          </p:cNvSpPr>
+          <p:nvPr>
+            <p:ph type="title"/>
+          </p:nvPr>
+        </p:nvSpPr>
+        <p:spPr>
+          <a:xfrm>
+            <a:off x="838200" y="365125"/>
+            <a:ext cx="10515600" cy="1325563"/>
+          </a:xfrm>
+        </p:spPr>
+        <p:txBody>
+          <a:bodyPr/>
+          <a:lstStyle/>
+          <a:p>
+            <a:r>
+              <a:rPr lang="da-DK" b="1"/>
+              <a:t>Commit</a:t>
+            </a:r>
+            <a:br>
+              <a:rPr lang="da-DK" b="1"/>
+            </a:br>
+            <a:endParaRPr lang="da-DK" dirty="0"/>
+          </a:p>
+        </p:txBody>
+      </p:sp>
+      <p:sp>
+        <p:nvSpPr>
+          <p:cNvPr id="3" name="Pladsholder til indhold 2">
+            <a:extLst>
+              <a:ext uri="{FF2B5EF4-FFF2-40B4-BE49-F238E27FC236}">
+                <a16:creationId xmlns:a16="http://schemas.microsoft.com/office/drawing/2014/main" id="{51F9A86E-DACF-4902-B5F4-B18FA0FF467A}"/>
+              </a:ext>
+            </a:extLst>
+          </p:cNvPr>
+          <p:cNvSpPr>
+            <a:spLocks noGrp="1"/>
+          </p:cNvSpPr>
+          <p:nvPr>
+            <p:ph sz="half" idx="1"/>
+          </p:nvPr>
+        </p:nvSpPr>
+        <p:spPr>
+          <a:xfrm>
+            <a:off x="838200" y="1825625"/>
+            <a:ext cx="5181600" cy="4351338"/>
+          </a:xfrm>
+        </p:spPr>
+        <p:txBody>
+          <a:bodyPr/>
+          <a:lstStyle/>
+          <a:p>
+            <a:r>
+              <a:rPr lang="da-DK"/>
+              <a:t>Når alt er commited, med en ”First commit” commit besked. </a:t>
+            </a:r>
+            <a:endParaRPr lang="da-DK" dirty="0"/>
+          </a:p>
+        </p:txBody>
+      </p:sp>
+      <p:pic>
+        <p:nvPicPr>
+          <p:cNvPr id="5" name="Pladsholder til indhold 4">
+            <a:extLst>
+              <a:ext uri="{FF2B5EF4-FFF2-40B4-BE49-F238E27FC236}">
+                <a16:creationId xmlns:a16="http://schemas.microsoft.com/office/drawing/2014/main" id="{4CAE1A16-C0F1-49C8-AC06-53B7763CFD52}"/>
+              </a:ext>
+            </a:extLst>
+          </p:cNvPr>
+          <p:cNvPicPr>
+            <a:picLocks noGrp="1"/>
+          </p:cNvPicPr>
+          <p:nvPr>
+            <p:ph sz="half" idx="2"/>
+          </p:nvPr>
+        </p:nvPicPr>
+        <p:blipFill rotWithShape="1">
+          <a:blip r:embed="rId3"/>
+          <a:srcRect t="3759" r="48116" b="82457"/>
+          <a:stretch/>
+        </p:blipFill>
+        <p:spPr bwMode="auto">
+          <a:xfrm>
+            <a:off x="6019800" y="1690688"/>
+            <a:ext cx="6172199" cy="3167062"/>
+          </a:xfrm>
+          <a:prstGeom prst="rect">
+            <a:avLst/>
+          </a:prstGeom>
+          <a:ln>
+            <a:noFill/>
+          </a:ln>
+          <a:extLst>
+            <a:ext uri="{53640926-AAD7-44D8-BBD7-CCE9431645EC}">
+              <a14:shadowObscured xmlns:a14="http://schemas.microsoft.com/office/drawing/2010/main"/>
+            </a:ext>
+          </a:extLst>
+        </p:spPr>
+      </p:pic>
+    </p:spTree>
+    <p:extLst>
+      <p:ext uri="{BB962C8B-B14F-4D97-AF65-F5344CB8AC3E}">
+        <p14:creationId xmlns:p14="http://schemas.microsoft.com/office/powerpoint/2010/main" val="576674950"/>
+      </p:ext>
+    </p:extLst>
+  </p:cSld>
+  <p:clrMapOvr>
+    <a:masterClrMapping/>
+  </p:clrMapOvr>
+</p:sld>
+</file>
+
+<file path=ppt/slides/slide8.xml><?xml version="1.0" encoding="utf-8"?>
+<p:sld xmlns:a="http://schemas.openxmlformats.org/drawingml/2006/main" xmlns:r="http://schemas.openxmlformats.org/officeDocument/2006/relationships" xmlns:p="http://schemas.openxmlformats.org/presentationml/2006/main">
+  <p:cSld>
+    <p:spTree>
+      <p:nvGrpSpPr>
+        <p:cNvPr id="1" name=""/>
+        <p:cNvGrpSpPr/>
+        <p:nvPr/>
+      </p:nvGrpSpPr>
+      <p:grpSpPr>
+        <a:xfrm>
+          <a:off x="0" y="0"/>
+          <a:ext cx="0" cy="0"/>
+          <a:chOff x="0" y="0"/>
+          <a:chExt cx="0" cy="0"/>
+        </a:xfrm>
+      </p:grpSpPr>
+      <p:sp>
+        <p:nvSpPr>
+          <p:cNvPr id="2" name="Titel 1">
+            <a:extLst>
+              <a:ext uri="{FF2B5EF4-FFF2-40B4-BE49-F238E27FC236}">
+                <a16:creationId xmlns:a16="http://schemas.microsoft.com/office/drawing/2014/main" id="{CDB62234-062A-4FC5-A4CE-4C51FD73C692}"/>
+              </a:ext>
+            </a:extLst>
+          </p:cNvPr>
+          <p:cNvSpPr>
+            <a:spLocks noGrp="1"/>
+          </p:cNvSpPr>
+          <p:nvPr>
+            <p:ph type="title"/>
+          </p:nvPr>
+        </p:nvSpPr>
+        <p:spPr/>
+        <p:txBody>
+          <a:bodyPr/>
+          <a:lstStyle/>
+          <a:p>
+            <a:r>
+              <a:rPr lang="da-DK" dirty="0"/>
+              <a:t>PUSH &amp; PULL</a:t>
+            </a:r>
+          </a:p>
+        </p:txBody>
+      </p:sp>
+      <p:sp>
+        <p:nvSpPr>
+          <p:cNvPr id="3" name="Pladsholder til indhold 2">
+            <a:extLst>
+              <a:ext uri="{FF2B5EF4-FFF2-40B4-BE49-F238E27FC236}">
+                <a16:creationId xmlns:a16="http://schemas.microsoft.com/office/drawing/2014/main" id="{D096901D-1A79-4910-A4D5-5F754DBC6CFC}"/>
+              </a:ext>
+            </a:extLst>
+          </p:cNvPr>
+          <p:cNvSpPr>
+            <a:spLocks noGrp="1"/>
+          </p:cNvSpPr>
+          <p:nvPr>
+            <p:ph idx="1"/>
+          </p:nvPr>
+        </p:nvSpPr>
+        <p:spPr/>
+        <p:txBody>
+          <a:bodyPr/>
+          <a:lstStyle/>
+          <a:p>
+            <a:r>
+              <a:rPr lang="da-DK" dirty="0"/>
+              <a:t>PULL: Hent alle </a:t>
+            </a:r>
+            <a:r>
+              <a:rPr lang="da-DK" dirty="0" err="1"/>
+              <a:t>commits</a:t>
+            </a:r>
+            <a:r>
+              <a:rPr lang="da-DK" dirty="0"/>
+              <a:t> fra </a:t>
+            </a:r>
+            <a:r>
+              <a:rPr lang="da-DK" dirty="0" err="1"/>
+              <a:t>Github</a:t>
+            </a:r>
+            <a:r>
+              <a:rPr lang="da-DK" dirty="0"/>
+              <a:t>, som ikke allerede er hentet.</a:t>
+            </a:r>
+          </a:p>
+          <a:p>
+            <a:r>
+              <a:rPr lang="da-DK" dirty="0"/>
+              <a:t>PUSH: Skub alle </a:t>
+            </a:r>
+            <a:r>
+              <a:rPr lang="da-DK" dirty="0" err="1"/>
+              <a:t>commits</a:t>
+            </a:r>
+            <a:r>
+              <a:rPr lang="da-DK" dirty="0"/>
+              <a:t>, der ikke allerede er skubbet, op på </a:t>
+            </a:r>
+            <a:r>
+              <a:rPr lang="da-DK" dirty="0" err="1"/>
+              <a:t>Github</a:t>
+            </a:r>
+            <a:endParaRPr lang="da-DK" dirty="0"/>
+          </a:p>
+          <a:p>
+            <a:endParaRPr lang="da-DK" dirty="0"/>
+          </a:p>
+          <a:p>
+            <a:r>
+              <a:rPr lang="da-DK" dirty="0"/>
+              <a:t>Hent først og derefter skub</a:t>
+            </a:r>
+          </a:p>
+          <a:p>
+            <a:pPr lvl="1"/>
+            <a:r>
+              <a:rPr lang="da-DK" dirty="0"/>
+              <a:t>Er der andre der har ændret noget, så skal du hente deres ændringer først.</a:t>
+            </a:r>
+          </a:p>
+          <a:p>
+            <a:pPr lvl="1"/>
+            <a:r>
+              <a:rPr lang="da-DK" dirty="0"/>
+              <a:t>Når deres ændringer er hentet og flette ind, så kan du skubbe op.</a:t>
+            </a:r>
+          </a:p>
+          <a:p>
+            <a:pPr lvl="1"/>
+            <a:endParaRPr lang="da-DK" dirty="0"/>
+          </a:p>
+        </p:txBody>
+      </p:sp>
+    </p:spTree>
+    <p:extLst>
+      <p:ext uri="{BB962C8B-B14F-4D97-AF65-F5344CB8AC3E}">
+        <p14:creationId xmlns:p14="http://schemas.microsoft.com/office/powerpoint/2010/main" val="4005715136"/>
+      </p:ext>
+    </p:extLst>
+  </p:cSld>
+  <p:clrMapOvr>
+    <a:masterClrMapping/>
+  </p:clrMapOvr>
+</p:sld>
+</file>
+
+<file path=ppt/slides/slide9.xml><?xml version="1.0" encoding="utf-8"?>
+<p:sld xmlns:a="http://schemas.openxmlformats.org/drawingml/2006/main" xmlns:r="http://schemas.openxmlformats.org/officeDocument/2006/relationships" xmlns:p="http://schemas.openxmlformats.org/presentationml/2006/main">
+  <p:cSld>
+    <p:spTree>
+      <p:nvGrpSpPr>
+        <p:cNvPr id="1" name=""/>
+        <p:cNvGrpSpPr/>
+        <p:nvPr/>
+      </p:nvGrpSpPr>
+      <p:grpSpPr>
+        <a:xfrm>
+          <a:off x="0" y="0"/>
+          <a:ext cx="0" cy="0"/>
+          <a:chOff x="0" y="0"/>
+          <a:chExt cx="0" cy="0"/>
+        </a:xfrm>
+      </p:grpSpPr>
+      <p:sp>
+        <p:nvSpPr>
+          <p:cNvPr id="2" name="Titel 1">
+            <a:extLst>
+              <a:ext uri="{FF2B5EF4-FFF2-40B4-BE49-F238E27FC236}">
+                <a16:creationId xmlns:a16="http://schemas.microsoft.com/office/drawing/2014/main" id="{7119790E-DC47-4CA0-82D0-EC5E0BF8BAD8}"/>
+              </a:ext>
+            </a:extLst>
+          </p:cNvPr>
+          <p:cNvSpPr>
+            <a:spLocks noGrp="1"/>
+          </p:cNvSpPr>
+          <p:nvPr>
+            <p:ph type="title"/>
+          </p:nvPr>
+        </p:nvSpPr>
+        <p:spPr/>
+        <p:txBody>
+          <a:bodyPr/>
+          <a:lstStyle/>
+          <a:p>
+            <a:r>
+              <a:rPr lang="da-DK" dirty="0" err="1"/>
+              <a:t>Github</a:t>
+            </a:r>
+            <a:r>
+              <a:rPr lang="da-DK" dirty="0"/>
+              <a:t> Repository</a:t>
+            </a:r>
+          </a:p>
+        </p:txBody>
+      </p:sp>
+      <p:sp>
+        <p:nvSpPr>
+          <p:cNvPr id="3" name="Pladsholder til indhold 2">
+            <a:extLst>
+              <a:ext uri="{FF2B5EF4-FFF2-40B4-BE49-F238E27FC236}">
+                <a16:creationId xmlns:a16="http://schemas.microsoft.com/office/drawing/2014/main" id="{4014FAE0-5B00-471C-B5C2-7CD03065984E}"/>
+              </a:ext>
+            </a:extLst>
+          </p:cNvPr>
+          <p:cNvSpPr>
+            <a:spLocks noGrp="1"/>
+          </p:cNvSpPr>
+          <p:nvPr>
+            <p:ph idx="1"/>
+          </p:nvPr>
+        </p:nvSpPr>
+        <p:spPr/>
+        <p:txBody>
+          <a:bodyPr/>
+          <a:lstStyle/>
+          <a:p>
+            <a:r>
+              <a:rPr lang="da-DK" dirty="0" err="1"/>
+              <a:t>Github</a:t>
+            </a:r>
+            <a:r>
+              <a:rPr lang="da-DK" dirty="0"/>
+              <a:t> står kun for at lagre jeres data</a:t>
+            </a:r>
+          </a:p>
+          <a:p>
+            <a:endParaRPr lang="da-DK" dirty="0"/>
+          </a:p>
+          <a:p>
+            <a:r>
+              <a:rPr lang="da-DK" dirty="0" err="1"/>
+              <a:t>Github</a:t>
+            </a:r>
+            <a:r>
+              <a:rPr lang="da-DK" dirty="0"/>
+              <a:t> har et væld af muligheder for at styre jeres projekter</a:t>
+            </a:r>
+          </a:p>
+          <a:p>
+            <a:pPr lvl="1"/>
+            <a:r>
+              <a:rPr lang="da-DK" dirty="0"/>
+              <a:t>Gå gerne selv på opdagelse i ”Projects”, ”Wiki” og ”</a:t>
+            </a:r>
+            <a:r>
+              <a:rPr lang="da-DK" dirty="0" err="1"/>
+              <a:t>Insights</a:t>
+            </a:r>
+            <a:r>
+              <a:rPr lang="da-DK" dirty="0"/>
+              <a:t>”</a:t>
+            </a:r>
+          </a:p>
+          <a:p>
+            <a:pPr lvl="1"/>
+            <a:endParaRPr lang="da-DK" dirty="0"/>
+          </a:p>
+          <a:p>
+            <a:r>
+              <a:rPr lang="da-DK" dirty="0"/>
+              <a:t>Giver overblik over alle gruppemedlemmernes arbejde</a:t>
+            </a:r>
+          </a:p>
+        </p:txBody>
+      </p:sp>
+    </p:spTree>
+    <p:extLst>
+      <p:ext uri="{BB962C8B-B14F-4D97-AF65-F5344CB8AC3E}">
+        <p14:creationId xmlns:p14="http://schemas.microsoft.com/office/powerpoint/2010/main" val="3201152415"/>
       </p:ext>
     </p:extLst>
   </p:cSld>

--- a/Docs/Versionsstyring.pptx
+++ b/Docs/Versionsstyring.pptx
@@ -5,7 +5,7 @@
     <p:sldMasterId id="2147483693" r:id="rId1"/>
   </p:sldMasterIdLst>
   <p:notesMasterIdLst>
-    <p:notesMasterId r:id="rId18"/>
+    <p:notesMasterId r:id="rId19"/>
   </p:notesMasterIdLst>
   <p:sldIdLst>
     <p:sldId id="256" r:id="rId2"/>
@@ -17,13 +17,14 @@
     <p:sldId id="270" r:id="rId8"/>
     <p:sldId id="261" r:id="rId9"/>
     <p:sldId id="262" r:id="rId10"/>
-    <p:sldId id="257" r:id="rId11"/>
-    <p:sldId id="272" r:id="rId12"/>
-    <p:sldId id="271" r:id="rId13"/>
-    <p:sldId id="263" r:id="rId14"/>
-    <p:sldId id="264" r:id="rId15"/>
-    <p:sldId id="265" r:id="rId16"/>
-    <p:sldId id="266" r:id="rId17"/>
+    <p:sldId id="273" r:id="rId11"/>
+    <p:sldId id="257" r:id="rId12"/>
+    <p:sldId id="272" r:id="rId13"/>
+    <p:sldId id="271" r:id="rId14"/>
+    <p:sldId id="263" r:id="rId15"/>
+    <p:sldId id="264" r:id="rId16"/>
+    <p:sldId id="265" r:id="rId17"/>
+    <p:sldId id="266" r:id="rId18"/>
   </p:sldIdLst>
   <p:sldSz cx="12192000" cy="6858000"/>
   <p:notesSz cx="6858000" cy="9144000"/>
@@ -136,6 +137,7 @@
             <p14:sldId id="270"/>
             <p14:sldId id="261"/>
             <p14:sldId id="262"/>
+            <p14:sldId id="273"/>
           </p14:sldIdLst>
         </p14:section>
         <p14:section name="Opgave Del" id="{32D2952E-ADA9-4F82-A152-F308CC8338EB}">
@@ -4094,7 +4096,7 @@
           <a:p>
             <a:fld id="{7AF3FADA-665D-41EF-8A3D-9F98FD8F6BC6}" type="datetimeFigureOut">
               <a:rPr lang="da-DK" smtClean="0"/>
-              <a:t>07-10-2019</a:t>
+              <a:t>09-10-2019</a:t>
             </a:fld>
             <a:endParaRPr lang="da-DK"/>
           </a:p>
@@ -5010,7 +5012,18 @@
           <a:bodyPr/>
           <a:lstStyle/>
           <a:p>
-            <a:endParaRPr lang="da-DK" dirty="0"/>
+            <a:r>
+              <a:rPr lang="da-DK" dirty="0"/>
+              <a:t>Gennemgå hvordan man skal lave en .</a:t>
+            </a:r>
+            <a:r>
+              <a:rPr lang="da-DK" dirty="0" err="1"/>
+              <a:t>gitignore</a:t>
+            </a:r>
+            <a:r>
+              <a:rPr lang="da-DK" dirty="0"/>
+              <a:t> via gitignore.io</a:t>
+            </a:r>
           </a:p>
         </p:txBody>
       </p:sp>
@@ -5040,7 +5053,7 @@
     </p:spTree>
     <p:extLst>
       <p:ext uri="{BB962C8B-B14F-4D97-AF65-F5344CB8AC3E}">
-        <p14:creationId xmlns:p14="http://schemas.microsoft.com/office/powerpoint/2010/main" val="3562944699"/>
+        <p14:creationId xmlns:p14="http://schemas.microsoft.com/office/powerpoint/2010/main" val="3291716343"/>
       </p:ext>
     </p:extLst>
   </p:cSld>
@@ -5115,7 +5128,7 @@
           <a:p>
             <a:fld id="{18F8438F-BAB4-4772-94EB-6F9616BBEB00}" type="slidenum">
               <a:rPr lang="da-DK" smtClean="0"/>
-              <a:t>13</a:t>
+              <a:t>11</a:t>
             </a:fld>
             <a:endParaRPr lang="da-DK"/>
           </a:p>
@@ -5124,7 +5137,7 @@
     </p:spTree>
     <p:extLst>
       <p:ext uri="{BB962C8B-B14F-4D97-AF65-F5344CB8AC3E}">
-        <p14:creationId xmlns:p14="http://schemas.microsoft.com/office/powerpoint/2010/main" val="2798780996"/>
+        <p14:creationId xmlns:p14="http://schemas.microsoft.com/office/powerpoint/2010/main" val="3562944699"/>
       </p:ext>
     </p:extLst>
   </p:cSld>
@@ -5178,7 +5191,10 @@
           <a:bodyPr/>
           <a:lstStyle/>
           <a:p>
-            <a:endParaRPr lang="da-DK" dirty="0"/>
+            <a:r>
+              <a:rPr lang="da-DK" dirty="0"/>
+              <a:t>Opgave 1 er IKKE i grupper</a:t>
+            </a:r>
           </a:p>
         </p:txBody>
       </p:sp>
@@ -5199,7 +5215,91 @@
           <a:p>
             <a:fld id="{18F8438F-BAB4-4772-94EB-6F9616BBEB00}" type="slidenum">
               <a:rPr lang="da-DK" smtClean="0"/>
-              <a:t>16</a:t>
+              <a:t>14</a:t>
+            </a:fld>
+            <a:endParaRPr lang="da-DK"/>
+          </a:p>
+        </p:txBody>
+      </p:sp>
+    </p:spTree>
+    <p:extLst>
+      <p:ext uri="{BB962C8B-B14F-4D97-AF65-F5344CB8AC3E}">
+        <p14:creationId xmlns:p14="http://schemas.microsoft.com/office/powerpoint/2010/main" val="2798780996"/>
+      </p:ext>
+    </p:extLst>
+  </p:cSld>
+  <p:clrMapOvr>
+    <a:masterClrMapping/>
+  </p:clrMapOvr>
+</p:notes>
+</file>
+
+<file path=ppt/notesSlides/notesSlide9.xml><?xml version="1.0" encoding="utf-8"?>
+<p:notes xmlns:a="http://schemas.openxmlformats.org/drawingml/2006/main" xmlns:r="http://schemas.openxmlformats.org/officeDocument/2006/relationships" xmlns:p="http://schemas.openxmlformats.org/presentationml/2006/main">
+  <p:cSld>
+    <p:spTree>
+      <p:nvGrpSpPr>
+        <p:cNvPr id="1" name=""/>
+        <p:cNvGrpSpPr/>
+        <p:nvPr/>
+      </p:nvGrpSpPr>
+      <p:grpSpPr>
+        <a:xfrm>
+          <a:off x="0" y="0"/>
+          <a:ext cx="0" cy="0"/>
+          <a:chOff x="0" y="0"/>
+          <a:chExt cx="0" cy="0"/>
+        </a:xfrm>
+      </p:grpSpPr>
+      <p:sp>
+        <p:nvSpPr>
+          <p:cNvPr id="2" name="Pladsholder til slidebillede 1"/>
+          <p:cNvSpPr>
+            <a:spLocks noGrp="1" noRot="1" noChangeAspect="1"/>
+          </p:cNvSpPr>
+          <p:nvPr>
+            <p:ph type="sldImg"/>
+          </p:nvPr>
+        </p:nvSpPr>
+        <p:spPr/>
+      </p:sp>
+      <p:sp>
+        <p:nvSpPr>
+          <p:cNvPr id="3" name="Pladsholder til noter 2"/>
+          <p:cNvSpPr>
+            <a:spLocks noGrp="1"/>
+          </p:cNvSpPr>
+          <p:nvPr>
+            <p:ph type="body" idx="1"/>
+          </p:nvPr>
+        </p:nvSpPr>
+        <p:spPr/>
+        <p:txBody>
+          <a:bodyPr/>
+          <a:lstStyle/>
+          <a:p>
+            <a:endParaRPr lang="da-DK" dirty="0"/>
+          </a:p>
+        </p:txBody>
+      </p:sp>
+      <p:sp>
+        <p:nvSpPr>
+          <p:cNvPr id="4" name="Pladsholder til slidenummer 3"/>
+          <p:cNvSpPr>
+            <a:spLocks noGrp="1"/>
+          </p:cNvSpPr>
+          <p:nvPr>
+            <p:ph type="sldNum" sz="quarter" idx="5"/>
+          </p:nvPr>
+        </p:nvSpPr>
+        <p:spPr/>
+        <p:txBody>
+          <a:bodyPr/>
+          <a:lstStyle/>
+          <a:p>
+            <a:fld id="{18F8438F-BAB4-4772-94EB-6F9616BBEB00}" type="slidenum">
+              <a:rPr lang="da-DK" smtClean="0"/>
+              <a:t>17</a:t>
             </a:fld>
             <a:endParaRPr lang="da-DK"/>
           </a:p>
@@ -5365,7 +5465,7 @@
           <a:p>
             <a:fld id="{48A87A34-81AB-432B-8DAE-1953F412C126}" type="datetimeFigureOut">
               <a:rPr lang="en-US" smtClean="0"/>
-              <a:t>10/7/2019</a:t>
+              <a:t>10/9/2019</a:t>
             </a:fld>
             <a:endParaRPr lang="en-US" dirty="0"/>
           </a:p>
@@ -5563,7 +5663,7 @@
           <a:p>
             <a:fld id="{48A87A34-81AB-432B-8DAE-1953F412C126}" type="datetimeFigureOut">
               <a:rPr lang="en-US" smtClean="0"/>
-              <a:t>10/7/2019</a:t>
+              <a:t>10/9/2019</a:t>
             </a:fld>
             <a:endParaRPr lang="en-US" dirty="0"/>
           </a:p>
@@ -5771,7 +5871,7 @@
           <a:p>
             <a:fld id="{48A87A34-81AB-432B-8DAE-1953F412C126}" type="datetimeFigureOut">
               <a:rPr lang="en-US" smtClean="0"/>
-              <a:t>10/7/2019</a:t>
+              <a:t>10/9/2019</a:t>
             </a:fld>
             <a:endParaRPr lang="en-US" dirty="0"/>
           </a:p>
@@ -5969,7 +6069,7 @@
           <a:p>
             <a:fld id="{48A87A34-81AB-432B-8DAE-1953F412C126}" type="datetimeFigureOut">
               <a:rPr lang="en-US" smtClean="0"/>
-              <a:t>10/7/2019</a:t>
+              <a:t>10/9/2019</a:t>
             </a:fld>
             <a:endParaRPr lang="en-US" dirty="0"/>
           </a:p>
@@ -6244,7 +6344,7 @@
           <a:p>
             <a:fld id="{48A87A34-81AB-432B-8DAE-1953F412C126}" type="datetimeFigureOut">
               <a:rPr lang="en-US" smtClean="0"/>
-              <a:t>10/7/2019</a:t>
+              <a:t>10/9/2019</a:t>
             </a:fld>
             <a:endParaRPr lang="en-US" dirty="0"/>
           </a:p>
@@ -6509,7 +6609,7 @@
           <a:p>
             <a:fld id="{48A87A34-81AB-432B-8DAE-1953F412C126}" type="datetimeFigureOut">
               <a:rPr lang="en-US" smtClean="0"/>
-              <a:t>10/7/2019</a:t>
+              <a:t>10/9/2019</a:t>
             </a:fld>
             <a:endParaRPr lang="en-US" dirty="0"/>
           </a:p>
@@ -6926,7 +7026,7 @@
           <a:p>
             <a:fld id="{48A87A34-81AB-432B-8DAE-1953F412C126}" type="datetimeFigureOut">
               <a:rPr lang="en-US" smtClean="0"/>
-              <a:t>10/7/2019</a:t>
+              <a:t>10/9/2019</a:t>
             </a:fld>
             <a:endParaRPr lang="en-US" dirty="0"/>
           </a:p>
@@ -7072,7 +7172,7 @@
           <a:p>
             <a:fld id="{48A87A34-81AB-432B-8DAE-1953F412C126}" type="datetimeFigureOut">
               <a:rPr lang="en-US" smtClean="0"/>
-              <a:t>10/7/2019</a:t>
+              <a:t>10/9/2019</a:t>
             </a:fld>
             <a:endParaRPr lang="en-US" dirty="0"/>
           </a:p>
@@ -7185,7 +7285,7 @@
           <a:p>
             <a:fld id="{48A87A34-81AB-432B-8DAE-1953F412C126}" type="datetimeFigureOut">
               <a:rPr lang="en-US" smtClean="0"/>
-              <a:t>10/7/2019</a:t>
+              <a:t>10/9/2019</a:t>
             </a:fld>
             <a:endParaRPr lang="en-US" dirty="0"/>
           </a:p>
@@ -7496,7 +7596,7 @@
           <a:p>
             <a:fld id="{48A87A34-81AB-432B-8DAE-1953F412C126}" type="datetimeFigureOut">
               <a:rPr lang="en-US" smtClean="0"/>
-              <a:t>10/7/2019</a:t>
+              <a:t>10/9/2019</a:t>
             </a:fld>
             <a:endParaRPr lang="en-US" dirty="0"/>
           </a:p>
@@ -7789,7 +7889,7 @@
           <a:p>
             <a:fld id="{48A87A34-81AB-432B-8DAE-1953F412C126}" type="datetimeFigureOut">
               <a:rPr lang="en-US" smtClean="0"/>
-              <a:t>10/7/2019</a:t>
+              <a:t>10/9/2019</a:t>
             </a:fld>
             <a:endParaRPr lang="en-US" dirty="0"/>
           </a:p>
@@ -8031,7 +8131,7 @@
             <a:fld id="{48A87A34-81AB-432B-8DAE-1953F412C126}" type="datetimeFigureOut">
               <a:rPr lang="en-US" smtClean="0"/>
               <a:pPr/>
-              <a:t>10/7/2019</a:t>
+              <a:t>10/9/2019</a:t>
             </a:fld>
             <a:endParaRPr lang="en-US" dirty="0"/>
           </a:p>
@@ -8686,6 +8786,126 @@
 <file path=ppt/slides/slide10.xml><?xml version="1.0" encoding="utf-8"?>
 <p:sld xmlns:a="http://schemas.openxmlformats.org/drawingml/2006/main" xmlns:r="http://schemas.openxmlformats.org/officeDocument/2006/relationships" xmlns:p="http://schemas.openxmlformats.org/presentationml/2006/main">
   <p:cSld>
+    <p:spTree>
+      <p:nvGrpSpPr>
+        <p:cNvPr id="1" name=""/>
+        <p:cNvGrpSpPr/>
+        <p:nvPr/>
+      </p:nvGrpSpPr>
+      <p:grpSpPr>
+        <a:xfrm>
+          <a:off x="0" y="0"/>
+          <a:ext cx="0" cy="0"/>
+          <a:chOff x="0" y="0"/>
+          <a:chExt cx="0" cy="0"/>
+        </a:xfrm>
+      </p:grpSpPr>
+      <p:sp>
+        <p:nvSpPr>
+          <p:cNvPr id="2" name="Titel 1">
+            <a:extLst>
+              <a:ext uri="{FF2B5EF4-FFF2-40B4-BE49-F238E27FC236}">
+                <a16:creationId xmlns:a16="http://schemas.microsoft.com/office/drawing/2014/main" id="{AC192727-6FB2-45E8-8064-C1FADB4CE045}"/>
+              </a:ext>
+            </a:extLst>
+          </p:cNvPr>
+          <p:cNvSpPr>
+            <a:spLocks noGrp="1"/>
+          </p:cNvSpPr>
+          <p:nvPr>
+            <p:ph type="title"/>
+          </p:nvPr>
+        </p:nvSpPr>
+        <p:spPr/>
+        <p:txBody>
+          <a:bodyPr/>
+          <a:lstStyle/>
+          <a:p>
+            <a:r>
+              <a:rPr lang="da-DK" dirty="0"/>
+              <a:t>.</a:t>
+            </a:r>
+            <a:r>
+              <a:rPr lang="da-DK" dirty="0" err="1"/>
+              <a:t>gitignore</a:t>
+            </a:r>
+            <a:endParaRPr lang="da-DK" dirty="0"/>
+          </a:p>
+        </p:txBody>
+      </p:sp>
+      <p:sp>
+        <p:nvSpPr>
+          <p:cNvPr id="3" name="Pladsholder til indhold 2">
+            <a:extLst>
+              <a:ext uri="{FF2B5EF4-FFF2-40B4-BE49-F238E27FC236}">
+                <a16:creationId xmlns:a16="http://schemas.microsoft.com/office/drawing/2014/main" id="{077D716E-EC1E-40A7-ADF3-AC3094BF2864}"/>
+              </a:ext>
+            </a:extLst>
+          </p:cNvPr>
+          <p:cNvSpPr>
+            <a:spLocks noGrp="1"/>
+          </p:cNvSpPr>
+          <p:nvPr>
+            <p:ph idx="1"/>
+          </p:nvPr>
+        </p:nvSpPr>
+        <p:spPr/>
+        <p:txBody>
+          <a:bodyPr/>
+          <a:lstStyle/>
+          <a:p>
+            <a:r>
+              <a:rPr lang="da-DK" dirty="0"/>
+              <a:t>Specifikke filer der ikke skal versionsstyres af Git</a:t>
+            </a:r>
+          </a:p>
+        </p:txBody>
+      </p:sp>
+      <p:pic>
+        <p:nvPicPr>
+          <p:cNvPr id="4" name="Billede 3">
+            <a:extLst>
+              <a:ext uri="{FF2B5EF4-FFF2-40B4-BE49-F238E27FC236}">
+                <a16:creationId xmlns:a16="http://schemas.microsoft.com/office/drawing/2014/main" id="{65591CBE-099A-4CD0-B30D-B825F6F66FBC}"/>
+              </a:ext>
+            </a:extLst>
+          </p:cNvPr>
+          <p:cNvPicPr>
+            <a:picLocks noChangeAspect="1"/>
+          </p:cNvPicPr>
+          <p:nvPr/>
+        </p:nvPicPr>
+        <p:blipFill rotWithShape="1">
+          <a:blip r:embed="rId3"/>
+          <a:srcRect l="27833" t="18963" r="29084" b="29186"/>
+          <a:stretch/>
+        </p:blipFill>
+        <p:spPr>
+          <a:xfrm>
+            <a:off x="3291840" y="2223294"/>
+            <a:ext cx="5252720" cy="3556000"/>
+          </a:xfrm>
+          <a:prstGeom prst="rect">
+            <a:avLst/>
+          </a:prstGeom>
+        </p:spPr>
+      </p:pic>
+    </p:spTree>
+    <p:extLst>
+      <p:ext uri="{BB962C8B-B14F-4D97-AF65-F5344CB8AC3E}">
+        <p14:creationId xmlns:p14="http://schemas.microsoft.com/office/powerpoint/2010/main" val="1923707778"/>
+      </p:ext>
+    </p:extLst>
+  </p:cSld>
+  <p:clrMapOvr>
+    <a:masterClrMapping/>
+  </p:clrMapOvr>
+</p:sld>
+</file>
+
+<file path=ppt/slides/slide11.xml><?xml version="1.0" encoding="utf-8"?>
+<p:sld xmlns:a="http://schemas.openxmlformats.org/drawingml/2006/main" xmlns:r="http://schemas.openxmlformats.org/officeDocument/2006/relationships" xmlns:p="http://schemas.openxmlformats.org/presentationml/2006/main">
+  <p:cSld>
     <p:bg>
       <p:bgPr>
         <a:solidFill>
@@ -9226,7 +9446,7 @@
 </p:sld>
 </file>
 
-<file path=ppt/slides/slide11.xml><?xml version="1.0" encoding="utf-8"?>
+<file path=ppt/slides/slide12.xml><?xml version="1.0" encoding="utf-8"?>
 <p:sld xmlns:a="http://schemas.openxmlformats.org/drawingml/2006/main" xmlns:r="http://schemas.openxmlformats.org/officeDocument/2006/relationships" xmlns:p="http://schemas.openxmlformats.org/presentationml/2006/main">
   <p:cSld>
     <p:spTree>
@@ -9378,7 +9598,7 @@
 </p:sld>
 </file>
 
-<file path=ppt/slides/slide12.xml><?xml version="1.0" encoding="utf-8"?>
+<file path=ppt/slides/slide13.xml><?xml version="1.0" encoding="utf-8"?>
 <p:sld xmlns:a="http://schemas.openxmlformats.org/drawingml/2006/main" xmlns:r="http://schemas.openxmlformats.org/officeDocument/2006/relationships" xmlns:p="http://schemas.openxmlformats.org/presentationml/2006/main">
   <p:cSld>
     <p:bg>
@@ -11331,7 +11551,7 @@
 </p:sld>
 </file>
 
-<file path=ppt/slides/slide13.xml><?xml version="1.0" encoding="utf-8"?>
+<file path=ppt/slides/slide14.xml><?xml version="1.0" encoding="utf-8"?>
 <p:sld xmlns:a="http://schemas.openxmlformats.org/drawingml/2006/main" xmlns:r="http://schemas.openxmlformats.org/officeDocument/2006/relationships" xmlns:p="http://schemas.openxmlformats.org/presentationml/2006/main">
   <p:cSld>
     <p:bg>
@@ -11650,357 +11870,6 @@
     <p:extLst>
       <p:ext uri="{BB962C8B-B14F-4D97-AF65-F5344CB8AC3E}">
         <p14:creationId xmlns:p14="http://schemas.microsoft.com/office/powerpoint/2010/main" val="1086878909"/>
-      </p:ext>
-    </p:extLst>
-  </p:cSld>
-  <p:clrMapOvr>
-    <a:masterClrMapping/>
-  </p:clrMapOvr>
-</p:sld>
-</file>
-
-<file path=ppt/slides/slide14.xml><?xml version="1.0" encoding="utf-8"?>
-<p:sld xmlns:a="http://schemas.openxmlformats.org/drawingml/2006/main" xmlns:r="http://schemas.openxmlformats.org/officeDocument/2006/relationships" xmlns:p="http://schemas.openxmlformats.org/presentationml/2006/main">
-  <p:cSld>
-    <p:bg>
-      <p:bgPr>
-        <a:solidFill>
-          <a:schemeClr val="bg1"/>
-        </a:solidFill>
-        <a:effectLst/>
-      </p:bgPr>
-    </p:bg>
-    <p:spTree>
-      <p:nvGrpSpPr>
-        <p:cNvPr id="1" name=""/>
-        <p:cNvGrpSpPr/>
-        <p:nvPr/>
-      </p:nvGrpSpPr>
-      <p:grpSpPr>
-        <a:xfrm>
-          <a:off x="0" y="0"/>
-          <a:ext cx="0" cy="0"/>
-          <a:chOff x="0" y="0"/>
-          <a:chExt cx="0" cy="0"/>
-        </a:xfrm>
-      </p:grpSpPr>
-      <p:sp>
-        <p:nvSpPr>
-          <p:cNvPr id="8" name="Rectangle 7">
-            <a:extLst>
-              <a:ext uri="{FF2B5EF4-FFF2-40B4-BE49-F238E27FC236}">
-                <a16:creationId xmlns:a16="http://schemas.microsoft.com/office/drawing/2014/main" id="{8D70B121-56F4-4848-B38B-182089D909FA}"/>
-              </a:ext>
-              <a:ext uri="{C183D7F6-B498-43B3-948B-1728B52AA6E4}">
-                <adec:decorative xmlns:adec="http://schemas.microsoft.com/office/drawing/2017/decorative" val="1"/>
-              </a:ext>
-            </a:extLst>
-          </p:cNvPr>
-          <p:cNvSpPr>
-            <a:spLocks noGrp="1" noRot="1" noChangeAspect="1" noMove="1" noResize="1" noEditPoints="1" noAdjustHandles="1" noChangeArrowheads="1" noChangeShapeType="1" noTextEdit="1"/>
-          </p:cNvSpPr>
-          <p:nvPr>
-            <p:extLst>
-              <p:ext uri="{386F3935-93C4-4BCD-93E2-E3B085C9AB24}">
-                <p16:designElem xmlns:p16="http://schemas.microsoft.com/office/powerpoint/2015/main" val="1"/>
-              </p:ext>
-            </p:extLst>
-          </p:nvPr>
-        </p:nvSpPr>
-        <p:spPr bwMode="ltGray">
-          <a:xfrm>
-            <a:off x="321564" y="320040"/>
-            <a:ext cx="11548872" cy="6217920"/>
-          </a:xfrm>
-          <a:prstGeom prst="rect">
-            <a:avLst/>
-          </a:prstGeom>
-          <a:solidFill>
-            <a:schemeClr val="tx1">
-              <a:alpha val="8000"/>
-            </a:schemeClr>
-          </a:solidFill>
-          <a:ln w="127000" cap="sq" cmpd="thinThick">
-            <a:noFill/>
-          </a:ln>
-        </p:spPr>
-        <p:style>
-          <a:lnRef idx="2">
-            <a:schemeClr val="accent1">
-              <a:shade val="50000"/>
-            </a:schemeClr>
-          </a:lnRef>
-          <a:fillRef idx="1">
-            <a:schemeClr val="accent1"/>
-          </a:fillRef>
-          <a:effectRef idx="0">
-            <a:schemeClr val="accent1"/>
-          </a:effectRef>
-          <a:fontRef idx="minor">
-            <a:schemeClr val="lt1"/>
-          </a:fontRef>
-        </p:style>
-        <p:txBody>
-          <a:bodyPr rtlCol="0" anchor="ctr"/>
-          <a:lstStyle/>
-          <a:p>
-            <a:pPr algn="ctr"/>
-            <a:endParaRPr lang="en-US"/>
-          </a:p>
-        </p:txBody>
-      </p:sp>
-      <p:sp>
-        <p:nvSpPr>
-          <p:cNvPr id="2" name="Titel 1">
-            <a:extLst>
-              <a:ext uri="{FF2B5EF4-FFF2-40B4-BE49-F238E27FC236}">
-                <a16:creationId xmlns:a16="http://schemas.microsoft.com/office/drawing/2014/main" id="{9693758C-893C-43A2-96B0-6C7FC6B990D7}"/>
-              </a:ext>
-            </a:extLst>
-          </p:cNvPr>
-          <p:cNvSpPr>
-            <a:spLocks noGrp="1"/>
-          </p:cNvSpPr>
-          <p:nvPr>
-            <p:ph type="title"/>
-          </p:nvPr>
-        </p:nvSpPr>
-        <p:spPr>
-          <a:xfrm>
-            <a:off x="838200" y="963877"/>
-            <a:ext cx="3494362" cy="4930246"/>
-          </a:xfrm>
-        </p:spPr>
-        <p:txBody>
-          <a:bodyPr>
-            <a:normAutofit/>
-          </a:bodyPr>
-          <a:lstStyle/>
-          <a:p>
-            <a:pPr algn="r"/>
-            <a:r>
-              <a:rPr lang="da-DK" b="1" dirty="0">
-                <a:solidFill>
-                  <a:schemeClr val="accent1"/>
-                </a:solidFill>
-              </a:rPr>
-              <a:t>Opgave 2</a:t>
-            </a:r>
-            <a:br>
-              <a:rPr lang="da-DK" b="1" dirty="0">
-                <a:solidFill>
-                  <a:schemeClr val="accent1"/>
-                </a:solidFill>
-              </a:rPr>
-            </a:br>
-            <a:r>
-              <a:rPr lang="da-DK" b="1" dirty="0">
-                <a:solidFill>
-                  <a:schemeClr val="accent1"/>
-                </a:solidFill>
-              </a:rPr>
-              <a:t>Git + Grupper</a:t>
-            </a:r>
-          </a:p>
-        </p:txBody>
-      </p:sp>
-      <p:cxnSp>
-        <p:nvCxnSpPr>
-          <p:cNvPr id="10" name="Straight Connector 9">
-            <a:extLst>
-              <a:ext uri="{FF2B5EF4-FFF2-40B4-BE49-F238E27FC236}">
-                <a16:creationId xmlns:a16="http://schemas.microsoft.com/office/drawing/2014/main" id="{2D72A2C9-F3CA-4216-8BAD-FA4C970C3C4E}"/>
-              </a:ext>
-              <a:ext uri="{C183D7F6-B498-43B3-948B-1728B52AA6E4}">
-                <adec:decorative xmlns:adec="http://schemas.microsoft.com/office/drawing/2017/decorative" val="1"/>
-              </a:ext>
-            </a:extLst>
-          </p:cNvPr>
-          <p:cNvCxnSpPr>
-            <a:cxnSpLocks noGrp="1" noRot="1" noChangeAspect="1" noMove="1" noResize="1" noEditPoints="1" noAdjustHandles="1" noChangeArrowheads="1" noChangeShapeType="1"/>
-          </p:cNvCxnSpPr>
-          <p:nvPr>
-            <p:extLst>
-              <p:ext uri="{386F3935-93C4-4BCD-93E2-E3B085C9AB24}">
-                <p16:designElem xmlns:p16="http://schemas.microsoft.com/office/powerpoint/2015/main" val="1"/>
-              </p:ext>
-            </p:extLst>
-          </p:nvPr>
-        </p:nvCxnSpPr>
-        <p:spPr>
-          <a:xfrm>
-            <a:off x="4654296" y="2057400"/>
-            <a:ext cx="0" cy="2743200"/>
-          </a:xfrm>
-          <a:prstGeom prst="line">
-            <a:avLst/>
-          </a:prstGeom>
-          <a:ln w="19050">
-            <a:solidFill>
-              <a:schemeClr val="tx1">
-                <a:lumMod val="85000"/>
-                <a:lumOff val="15000"/>
-              </a:schemeClr>
-            </a:solidFill>
-          </a:ln>
-        </p:spPr>
-        <p:style>
-          <a:lnRef idx="1">
-            <a:schemeClr val="accent1"/>
-          </a:lnRef>
-          <a:fillRef idx="0">
-            <a:schemeClr val="accent1"/>
-          </a:fillRef>
-          <a:effectRef idx="0">
-            <a:schemeClr val="accent1"/>
-          </a:effectRef>
-          <a:fontRef idx="minor">
-            <a:schemeClr val="tx1"/>
-          </a:fontRef>
-        </p:style>
-      </p:cxnSp>
-      <p:sp>
-        <p:nvSpPr>
-          <p:cNvPr id="3" name="Pladsholder til indhold 2">
-            <a:extLst>
-              <a:ext uri="{FF2B5EF4-FFF2-40B4-BE49-F238E27FC236}">
-                <a16:creationId xmlns:a16="http://schemas.microsoft.com/office/drawing/2014/main" id="{24E94DF2-3C96-4108-BB73-7441EB6AF0FE}"/>
-              </a:ext>
-            </a:extLst>
-          </p:cNvPr>
-          <p:cNvSpPr>
-            <a:spLocks noGrp="1"/>
-          </p:cNvSpPr>
-          <p:nvPr>
-            <p:ph idx="1"/>
-          </p:nvPr>
-        </p:nvSpPr>
-        <p:spPr>
-          <a:xfrm>
-            <a:off x="4976031" y="963877"/>
-            <a:ext cx="6377769" cy="4930246"/>
-          </a:xfrm>
-        </p:spPr>
-        <p:txBody>
-          <a:bodyPr anchor="ctr">
-            <a:normAutofit/>
-          </a:bodyPr>
-          <a:lstStyle/>
-          <a:p>
-            <a:pPr lvl="0"/>
-            <a:r>
-              <a:rPr lang="da-DK" sz="2200" dirty="0"/>
-              <a:t>En i gruppen laver et </a:t>
-            </a:r>
-            <a:r>
-              <a:rPr lang="da-DK" sz="2200" dirty="0" err="1"/>
-              <a:t>repository</a:t>
-            </a:r>
-            <a:r>
-              <a:rPr lang="da-DK" sz="2200" dirty="0"/>
-              <a:t> (eller bruger det fra opgave 1)</a:t>
-            </a:r>
-          </a:p>
-          <a:p>
-            <a:pPr lvl="0"/>
-            <a:r>
-              <a:rPr lang="da-DK" sz="2200" dirty="0"/>
-              <a:t>Den der lavede et </a:t>
-            </a:r>
-            <a:r>
-              <a:rPr lang="da-DK" sz="2200" dirty="0" err="1"/>
-              <a:t>repository</a:t>
-            </a:r>
-            <a:r>
-              <a:rPr lang="da-DK" sz="2200" dirty="0"/>
-              <a:t> skal tilføje alle gruppemedlemmer som ’</a:t>
-            </a:r>
-            <a:r>
-              <a:rPr lang="da-DK" sz="2200" dirty="0" err="1"/>
-              <a:t>Collaborators</a:t>
-            </a:r>
-            <a:r>
-              <a:rPr lang="da-DK" sz="2200" dirty="0"/>
-              <a:t>’</a:t>
-            </a:r>
-          </a:p>
-          <a:p>
-            <a:pPr lvl="1"/>
-            <a:r>
-              <a:rPr lang="da-DK" sz="2200" dirty="0"/>
-              <a:t>Under ’</a:t>
-            </a:r>
-            <a:r>
-              <a:rPr lang="da-DK" sz="2200" dirty="0" err="1"/>
-              <a:t>settings</a:t>
-            </a:r>
-            <a:r>
-              <a:rPr lang="da-DK" sz="2200" dirty="0"/>
-              <a:t>’ er der en tab der hedder ’</a:t>
-            </a:r>
-            <a:r>
-              <a:rPr lang="da-DK" sz="2200" dirty="0" err="1"/>
-              <a:t>Collaborators</a:t>
-            </a:r>
-            <a:r>
-              <a:rPr lang="da-DK" sz="2200" dirty="0"/>
-              <a:t>’, her skal alle gruppes medlemmers mail angives.</a:t>
-            </a:r>
-          </a:p>
-          <a:p>
-            <a:pPr lvl="0"/>
-            <a:r>
-              <a:rPr lang="da-DK" sz="2200" dirty="0"/>
-              <a:t>Når alle er tilmeldt som </a:t>
-            </a:r>
-            <a:r>
-              <a:rPr lang="da-DK" sz="2200" dirty="0" err="1"/>
-              <a:t>collaborators</a:t>
-            </a:r>
-            <a:r>
-              <a:rPr lang="da-DK" sz="2200" dirty="0"/>
-              <a:t>, så skal alle klone dette ene </a:t>
-            </a:r>
-            <a:r>
-              <a:rPr lang="da-DK" sz="2200" dirty="0" err="1"/>
-              <a:t>repository</a:t>
-            </a:r>
-            <a:r>
-              <a:rPr lang="da-DK" sz="2200" dirty="0"/>
-              <a:t> til hver sin computer.</a:t>
-            </a:r>
-          </a:p>
-          <a:p>
-            <a:pPr lvl="0"/>
-            <a:r>
-              <a:rPr lang="da-DK" sz="2200" dirty="0"/>
-              <a:t>Hvert medlem skal oprette en ny fil i sit lokale </a:t>
-            </a:r>
-            <a:r>
-              <a:rPr lang="da-DK" sz="2200" dirty="0" err="1"/>
-              <a:t>repository</a:t>
-            </a:r>
-            <a:r>
-              <a:rPr lang="da-DK" sz="2200" dirty="0"/>
-              <a:t> og dele den med de andre.</a:t>
-            </a:r>
-          </a:p>
-          <a:p>
-            <a:pPr lvl="1"/>
-            <a:r>
-              <a:rPr lang="da-DK" sz="2200" dirty="0"/>
-              <a:t>Til at starte med kan det være en meget god ide at hver fil har forskellige navne.</a:t>
-            </a:r>
-          </a:p>
-          <a:p>
-            <a:endParaRPr lang="da-DK" sz="2200" dirty="0"/>
-          </a:p>
-        </p:txBody>
-      </p:sp>
-    </p:spTree>
-    <p:extLst>
-      <p:ext uri="{BB962C8B-B14F-4D97-AF65-F5344CB8AC3E}">
-        <p14:creationId xmlns:p14="http://schemas.microsoft.com/office/powerpoint/2010/main" val="273010030"/>
       </p:ext>
     </p:extLst>
   </p:cSld>
@@ -12105,6 +11974,357 @@
           <p:cNvPr id="2" name="Titel 1">
             <a:extLst>
               <a:ext uri="{FF2B5EF4-FFF2-40B4-BE49-F238E27FC236}">
+                <a16:creationId xmlns:a16="http://schemas.microsoft.com/office/drawing/2014/main" id="{9693758C-893C-43A2-96B0-6C7FC6B990D7}"/>
+              </a:ext>
+            </a:extLst>
+          </p:cNvPr>
+          <p:cNvSpPr>
+            <a:spLocks noGrp="1"/>
+          </p:cNvSpPr>
+          <p:nvPr>
+            <p:ph type="title"/>
+          </p:nvPr>
+        </p:nvSpPr>
+        <p:spPr>
+          <a:xfrm>
+            <a:off x="838200" y="963877"/>
+            <a:ext cx="3494362" cy="4930246"/>
+          </a:xfrm>
+        </p:spPr>
+        <p:txBody>
+          <a:bodyPr>
+            <a:normAutofit/>
+          </a:bodyPr>
+          <a:lstStyle/>
+          <a:p>
+            <a:pPr algn="r"/>
+            <a:r>
+              <a:rPr lang="da-DK" b="1" dirty="0">
+                <a:solidFill>
+                  <a:schemeClr val="accent1"/>
+                </a:solidFill>
+              </a:rPr>
+              <a:t>Opgave 2</a:t>
+            </a:r>
+            <a:br>
+              <a:rPr lang="da-DK" b="1" dirty="0">
+                <a:solidFill>
+                  <a:schemeClr val="accent1"/>
+                </a:solidFill>
+              </a:rPr>
+            </a:br>
+            <a:r>
+              <a:rPr lang="da-DK" b="1" dirty="0">
+                <a:solidFill>
+                  <a:schemeClr val="accent1"/>
+                </a:solidFill>
+              </a:rPr>
+              <a:t>Git + Grupper</a:t>
+            </a:r>
+          </a:p>
+        </p:txBody>
+      </p:sp>
+      <p:cxnSp>
+        <p:nvCxnSpPr>
+          <p:cNvPr id="10" name="Straight Connector 9">
+            <a:extLst>
+              <a:ext uri="{FF2B5EF4-FFF2-40B4-BE49-F238E27FC236}">
+                <a16:creationId xmlns:a16="http://schemas.microsoft.com/office/drawing/2014/main" id="{2D72A2C9-F3CA-4216-8BAD-FA4C970C3C4E}"/>
+              </a:ext>
+              <a:ext uri="{C183D7F6-B498-43B3-948B-1728B52AA6E4}">
+                <adec:decorative xmlns:adec="http://schemas.microsoft.com/office/drawing/2017/decorative" val="1"/>
+              </a:ext>
+            </a:extLst>
+          </p:cNvPr>
+          <p:cNvCxnSpPr>
+            <a:cxnSpLocks noGrp="1" noRot="1" noChangeAspect="1" noMove="1" noResize="1" noEditPoints="1" noAdjustHandles="1" noChangeArrowheads="1" noChangeShapeType="1"/>
+          </p:cNvCxnSpPr>
+          <p:nvPr>
+            <p:extLst>
+              <p:ext uri="{386F3935-93C4-4BCD-93E2-E3B085C9AB24}">
+                <p16:designElem xmlns:p16="http://schemas.microsoft.com/office/powerpoint/2015/main" val="1"/>
+              </p:ext>
+            </p:extLst>
+          </p:nvPr>
+        </p:nvCxnSpPr>
+        <p:spPr>
+          <a:xfrm>
+            <a:off x="4654296" y="2057400"/>
+            <a:ext cx="0" cy="2743200"/>
+          </a:xfrm>
+          <a:prstGeom prst="line">
+            <a:avLst/>
+          </a:prstGeom>
+          <a:ln w="19050">
+            <a:solidFill>
+              <a:schemeClr val="tx1">
+                <a:lumMod val="85000"/>
+                <a:lumOff val="15000"/>
+              </a:schemeClr>
+            </a:solidFill>
+          </a:ln>
+        </p:spPr>
+        <p:style>
+          <a:lnRef idx="1">
+            <a:schemeClr val="accent1"/>
+          </a:lnRef>
+          <a:fillRef idx="0">
+            <a:schemeClr val="accent1"/>
+          </a:fillRef>
+          <a:effectRef idx="0">
+            <a:schemeClr val="accent1"/>
+          </a:effectRef>
+          <a:fontRef idx="minor">
+            <a:schemeClr val="tx1"/>
+          </a:fontRef>
+        </p:style>
+      </p:cxnSp>
+      <p:sp>
+        <p:nvSpPr>
+          <p:cNvPr id="3" name="Pladsholder til indhold 2">
+            <a:extLst>
+              <a:ext uri="{FF2B5EF4-FFF2-40B4-BE49-F238E27FC236}">
+                <a16:creationId xmlns:a16="http://schemas.microsoft.com/office/drawing/2014/main" id="{24E94DF2-3C96-4108-BB73-7441EB6AF0FE}"/>
+              </a:ext>
+            </a:extLst>
+          </p:cNvPr>
+          <p:cNvSpPr>
+            <a:spLocks noGrp="1"/>
+          </p:cNvSpPr>
+          <p:nvPr>
+            <p:ph idx="1"/>
+          </p:nvPr>
+        </p:nvSpPr>
+        <p:spPr>
+          <a:xfrm>
+            <a:off x="4976031" y="963877"/>
+            <a:ext cx="6377769" cy="4930246"/>
+          </a:xfrm>
+        </p:spPr>
+        <p:txBody>
+          <a:bodyPr anchor="ctr">
+            <a:normAutofit/>
+          </a:bodyPr>
+          <a:lstStyle/>
+          <a:p>
+            <a:pPr lvl="0"/>
+            <a:r>
+              <a:rPr lang="da-DK" sz="2200" dirty="0"/>
+              <a:t>En i gruppen laver et </a:t>
+            </a:r>
+            <a:r>
+              <a:rPr lang="da-DK" sz="2200" dirty="0" err="1"/>
+              <a:t>repository</a:t>
+            </a:r>
+            <a:r>
+              <a:rPr lang="da-DK" sz="2200" dirty="0"/>
+              <a:t> (eller bruger det fra opgave 1)</a:t>
+            </a:r>
+          </a:p>
+          <a:p>
+            <a:pPr lvl="0"/>
+            <a:r>
+              <a:rPr lang="da-DK" sz="2200" dirty="0"/>
+              <a:t>Den der lavede et </a:t>
+            </a:r>
+            <a:r>
+              <a:rPr lang="da-DK" sz="2200" dirty="0" err="1"/>
+              <a:t>repository</a:t>
+            </a:r>
+            <a:r>
+              <a:rPr lang="da-DK" sz="2200" dirty="0"/>
+              <a:t> skal tilføje alle gruppemedlemmer som ’</a:t>
+            </a:r>
+            <a:r>
+              <a:rPr lang="da-DK" sz="2200" dirty="0" err="1"/>
+              <a:t>Collaborators</a:t>
+            </a:r>
+            <a:r>
+              <a:rPr lang="da-DK" sz="2200" dirty="0"/>
+              <a:t>’</a:t>
+            </a:r>
+          </a:p>
+          <a:p>
+            <a:pPr lvl="1"/>
+            <a:r>
+              <a:rPr lang="da-DK" sz="2200" dirty="0"/>
+              <a:t>Under ’</a:t>
+            </a:r>
+            <a:r>
+              <a:rPr lang="da-DK" sz="2200" dirty="0" err="1"/>
+              <a:t>settings</a:t>
+            </a:r>
+            <a:r>
+              <a:rPr lang="da-DK" sz="2200" dirty="0"/>
+              <a:t>’ er der en tab der hedder ’</a:t>
+            </a:r>
+            <a:r>
+              <a:rPr lang="da-DK" sz="2200" dirty="0" err="1"/>
+              <a:t>Collaborators</a:t>
+            </a:r>
+            <a:r>
+              <a:rPr lang="da-DK" sz="2200" dirty="0"/>
+              <a:t>’, her skal alle gruppes medlemmers mail angives.</a:t>
+            </a:r>
+          </a:p>
+          <a:p>
+            <a:pPr lvl="0"/>
+            <a:r>
+              <a:rPr lang="da-DK" sz="2200" dirty="0"/>
+              <a:t>Når alle er tilmeldt som </a:t>
+            </a:r>
+            <a:r>
+              <a:rPr lang="da-DK" sz="2200" dirty="0" err="1"/>
+              <a:t>collaborators</a:t>
+            </a:r>
+            <a:r>
+              <a:rPr lang="da-DK" sz="2200" dirty="0"/>
+              <a:t>, så skal alle klone dette ene </a:t>
+            </a:r>
+            <a:r>
+              <a:rPr lang="da-DK" sz="2200" dirty="0" err="1"/>
+              <a:t>repository</a:t>
+            </a:r>
+            <a:r>
+              <a:rPr lang="da-DK" sz="2200" dirty="0"/>
+              <a:t> til hver sin computer.</a:t>
+            </a:r>
+          </a:p>
+          <a:p>
+            <a:pPr lvl="0"/>
+            <a:r>
+              <a:rPr lang="da-DK" sz="2200" dirty="0"/>
+              <a:t>Hvert medlem skal oprette en ny fil i sit lokale </a:t>
+            </a:r>
+            <a:r>
+              <a:rPr lang="da-DK" sz="2200" dirty="0" err="1"/>
+              <a:t>repository</a:t>
+            </a:r>
+            <a:r>
+              <a:rPr lang="da-DK" sz="2200" dirty="0"/>
+              <a:t> og dele den med de andre.</a:t>
+            </a:r>
+          </a:p>
+          <a:p>
+            <a:pPr lvl="1"/>
+            <a:r>
+              <a:rPr lang="da-DK" sz="2200" dirty="0"/>
+              <a:t>Til at starte med kan det være en meget god ide at hver fil har forskellige navne.</a:t>
+            </a:r>
+          </a:p>
+          <a:p>
+            <a:endParaRPr lang="da-DK" sz="2200" dirty="0"/>
+          </a:p>
+        </p:txBody>
+      </p:sp>
+    </p:spTree>
+    <p:extLst>
+      <p:ext uri="{BB962C8B-B14F-4D97-AF65-F5344CB8AC3E}">
+        <p14:creationId xmlns:p14="http://schemas.microsoft.com/office/powerpoint/2010/main" val="273010030"/>
+      </p:ext>
+    </p:extLst>
+  </p:cSld>
+  <p:clrMapOvr>
+    <a:masterClrMapping/>
+  </p:clrMapOvr>
+</p:sld>
+</file>
+
+<file path=ppt/slides/slide16.xml><?xml version="1.0" encoding="utf-8"?>
+<p:sld xmlns:a="http://schemas.openxmlformats.org/drawingml/2006/main" xmlns:r="http://schemas.openxmlformats.org/officeDocument/2006/relationships" xmlns:p="http://schemas.openxmlformats.org/presentationml/2006/main">
+  <p:cSld>
+    <p:bg>
+      <p:bgPr>
+        <a:solidFill>
+          <a:schemeClr val="bg1"/>
+        </a:solidFill>
+        <a:effectLst/>
+      </p:bgPr>
+    </p:bg>
+    <p:spTree>
+      <p:nvGrpSpPr>
+        <p:cNvPr id="1" name=""/>
+        <p:cNvGrpSpPr/>
+        <p:nvPr/>
+      </p:nvGrpSpPr>
+      <p:grpSpPr>
+        <a:xfrm>
+          <a:off x="0" y="0"/>
+          <a:ext cx="0" cy="0"/>
+          <a:chOff x="0" y="0"/>
+          <a:chExt cx="0" cy="0"/>
+        </a:xfrm>
+      </p:grpSpPr>
+      <p:sp>
+        <p:nvSpPr>
+          <p:cNvPr id="8" name="Rectangle 7">
+            <a:extLst>
+              <a:ext uri="{FF2B5EF4-FFF2-40B4-BE49-F238E27FC236}">
+                <a16:creationId xmlns:a16="http://schemas.microsoft.com/office/drawing/2014/main" id="{8D70B121-56F4-4848-B38B-182089D909FA}"/>
+              </a:ext>
+              <a:ext uri="{C183D7F6-B498-43B3-948B-1728B52AA6E4}">
+                <adec:decorative xmlns:adec="http://schemas.microsoft.com/office/drawing/2017/decorative" val="1"/>
+              </a:ext>
+            </a:extLst>
+          </p:cNvPr>
+          <p:cNvSpPr>
+            <a:spLocks noGrp="1" noRot="1" noChangeAspect="1" noMove="1" noResize="1" noEditPoints="1" noAdjustHandles="1" noChangeArrowheads="1" noChangeShapeType="1" noTextEdit="1"/>
+          </p:cNvSpPr>
+          <p:nvPr>
+            <p:extLst>
+              <p:ext uri="{386F3935-93C4-4BCD-93E2-E3B085C9AB24}">
+                <p16:designElem xmlns:p16="http://schemas.microsoft.com/office/powerpoint/2015/main" val="1"/>
+              </p:ext>
+            </p:extLst>
+          </p:nvPr>
+        </p:nvSpPr>
+        <p:spPr bwMode="ltGray">
+          <a:xfrm>
+            <a:off x="321564" y="320040"/>
+            <a:ext cx="11548872" cy="6217920"/>
+          </a:xfrm>
+          <a:prstGeom prst="rect">
+            <a:avLst/>
+          </a:prstGeom>
+          <a:solidFill>
+            <a:schemeClr val="tx1">
+              <a:alpha val="8000"/>
+            </a:schemeClr>
+          </a:solidFill>
+          <a:ln w="127000" cap="sq" cmpd="thinThick">
+            <a:noFill/>
+          </a:ln>
+        </p:spPr>
+        <p:style>
+          <a:lnRef idx="2">
+            <a:schemeClr val="accent1">
+              <a:shade val="50000"/>
+            </a:schemeClr>
+          </a:lnRef>
+          <a:fillRef idx="1">
+            <a:schemeClr val="accent1"/>
+          </a:fillRef>
+          <a:effectRef idx="0">
+            <a:schemeClr val="accent1"/>
+          </a:effectRef>
+          <a:fontRef idx="minor">
+            <a:schemeClr val="lt1"/>
+          </a:fontRef>
+        </p:style>
+        <p:txBody>
+          <a:bodyPr rtlCol="0" anchor="ctr"/>
+          <a:lstStyle/>
+          <a:p>
+            <a:pPr algn="ctr"/>
+            <a:endParaRPr lang="en-US"/>
+          </a:p>
+        </p:txBody>
+      </p:sp>
+      <p:sp>
+        <p:nvSpPr>
+          <p:cNvPr id="2" name="Titel 1">
+            <a:extLst>
+              <a:ext uri="{FF2B5EF4-FFF2-40B4-BE49-F238E27FC236}">
                 <a16:creationId xmlns:a16="http://schemas.microsoft.com/office/drawing/2014/main" id="{A5F55A03-72CD-4969-B3C8-E903FFD8FEB2}"/>
               </a:ext>
             </a:extLst>
@@ -12310,7 +12530,7 @@
 </p:sld>
 </file>
 
-<file path=ppt/slides/slide16.xml><?xml version="1.0" encoding="utf-8"?>
+<file path=ppt/slides/slide17.xml><?xml version="1.0" encoding="utf-8"?>
 <p:sld xmlns:a="http://schemas.openxmlformats.org/drawingml/2006/main" xmlns:r="http://schemas.openxmlformats.org/officeDocument/2006/relationships" xmlns:p="http://schemas.openxmlformats.org/presentationml/2006/main">
   <p:cSld>
     <p:bg>
@@ -13053,8 +13273,8 @@
         </p:blipFill>
         <p:spPr bwMode="auto">
           <a:xfrm>
-            <a:off x="6172200" y="1371600"/>
-            <a:ext cx="5962650" cy="5486399"/>
+            <a:off x="838200" y="4152900"/>
+            <a:ext cx="11296650" cy="2705099"/>
           </a:xfrm>
           <a:prstGeom prst="rect">
             <a:avLst/>
@@ -13199,8 +13419,8 @@
         </p:blipFill>
         <p:spPr bwMode="auto">
           <a:xfrm>
-            <a:off x="6172200" y="1690688"/>
-            <a:ext cx="6019800" cy="5167312"/>
+            <a:off x="838200" y="3800476"/>
+            <a:ext cx="11353800" cy="3057524"/>
           </a:xfrm>
           <a:prstGeom prst="rect">
             <a:avLst/>
@@ -13336,8 +13556,8 @@
         </p:blipFill>
         <p:spPr bwMode="auto">
           <a:xfrm>
-            <a:off x="6172199" y="1690688"/>
-            <a:ext cx="6019801" cy="5167312"/>
+            <a:off x="838201" y="3886200"/>
+            <a:ext cx="11353800" cy="2971800"/>
           </a:xfrm>
           <a:prstGeom prst="rect">
             <a:avLst/>
@@ -13476,8 +13696,8 @@
         </p:blipFill>
         <p:spPr bwMode="auto">
           <a:xfrm>
-            <a:off x="6019800" y="1690688"/>
-            <a:ext cx="6172199" cy="3167062"/>
+            <a:off x="828675" y="4001294"/>
+            <a:ext cx="10515599" cy="2175669"/>
           </a:xfrm>
           <a:prstGeom prst="rect">
             <a:avLst/>
